--- a/doc/Poster.pptx
+++ b/doc/Poster.pptx
@@ -288,7 +288,7 @@
           <a:p>
             <a:fld id="{57A4232E-DBFB-4E75-9E4E-51680D72824C}" type="datetimeFigureOut">
               <a:rPr lang="en-US" smtClean="0"/>
-              <a:t>09.02.15</a:t>
+              <a:t>10.02.15</a:t>
             </a:fld>
             <a:endParaRPr lang="en-US"/>
           </a:p>
@@ -458,7 +458,7 @@
           <a:p>
             <a:fld id="{57A4232E-DBFB-4E75-9E4E-51680D72824C}" type="datetimeFigureOut">
               <a:rPr lang="en-US" smtClean="0"/>
-              <a:t>09.02.15</a:t>
+              <a:t>10.02.15</a:t>
             </a:fld>
             <a:endParaRPr lang="en-US"/>
           </a:p>
@@ -638,7 +638,7 @@
           <a:p>
             <a:fld id="{57A4232E-DBFB-4E75-9E4E-51680D72824C}" type="datetimeFigureOut">
               <a:rPr lang="en-US" smtClean="0"/>
-              <a:t>09.02.15</a:t>
+              <a:t>10.02.15</a:t>
             </a:fld>
             <a:endParaRPr lang="en-US"/>
           </a:p>
@@ -808,7 +808,7 @@
           <a:p>
             <a:fld id="{57A4232E-DBFB-4E75-9E4E-51680D72824C}" type="datetimeFigureOut">
               <a:rPr lang="en-US" smtClean="0"/>
-              <a:t>09.02.15</a:t>
+              <a:t>10.02.15</a:t>
             </a:fld>
             <a:endParaRPr lang="en-US"/>
           </a:p>
@@ -1054,7 +1054,7 @@
           <a:p>
             <a:fld id="{57A4232E-DBFB-4E75-9E4E-51680D72824C}" type="datetimeFigureOut">
               <a:rPr lang="en-US" smtClean="0"/>
-              <a:t>09.02.15</a:t>
+              <a:t>10.02.15</a:t>
             </a:fld>
             <a:endParaRPr lang="en-US"/>
           </a:p>
@@ -1342,7 +1342,7 @@
           <a:p>
             <a:fld id="{57A4232E-DBFB-4E75-9E4E-51680D72824C}" type="datetimeFigureOut">
               <a:rPr lang="en-US" smtClean="0"/>
-              <a:t>09.02.15</a:t>
+              <a:t>10.02.15</a:t>
             </a:fld>
             <a:endParaRPr lang="en-US"/>
           </a:p>
@@ -1764,7 +1764,7 @@
           <a:p>
             <a:fld id="{57A4232E-DBFB-4E75-9E4E-51680D72824C}" type="datetimeFigureOut">
               <a:rPr lang="en-US" smtClean="0"/>
-              <a:t>09.02.15</a:t>
+              <a:t>10.02.15</a:t>
             </a:fld>
             <a:endParaRPr lang="en-US"/>
           </a:p>
@@ -1882,7 +1882,7 @@
           <a:p>
             <a:fld id="{57A4232E-DBFB-4E75-9E4E-51680D72824C}" type="datetimeFigureOut">
               <a:rPr lang="en-US" smtClean="0"/>
-              <a:t>09.02.15</a:t>
+              <a:t>10.02.15</a:t>
             </a:fld>
             <a:endParaRPr lang="en-US"/>
           </a:p>
@@ -1977,7 +1977,7 @@
           <a:p>
             <a:fld id="{57A4232E-DBFB-4E75-9E4E-51680D72824C}" type="datetimeFigureOut">
               <a:rPr lang="en-US" smtClean="0"/>
-              <a:t>09.02.15</a:t>
+              <a:t>10.02.15</a:t>
             </a:fld>
             <a:endParaRPr lang="en-US"/>
           </a:p>
@@ -2254,7 +2254,7 @@
           <a:p>
             <a:fld id="{57A4232E-DBFB-4E75-9E4E-51680D72824C}" type="datetimeFigureOut">
               <a:rPr lang="en-US" smtClean="0"/>
-              <a:t>09.02.15</a:t>
+              <a:t>10.02.15</a:t>
             </a:fld>
             <a:endParaRPr lang="en-US"/>
           </a:p>
@@ -2507,7 +2507,7 @@
           <a:p>
             <a:fld id="{57A4232E-DBFB-4E75-9E4E-51680D72824C}" type="datetimeFigureOut">
               <a:rPr lang="en-US" smtClean="0"/>
-              <a:t>09.02.15</a:t>
+              <a:t>10.02.15</a:t>
             </a:fld>
             <a:endParaRPr lang="en-US"/>
           </a:p>
@@ -2720,7 +2720,7 @@
           <a:p>
             <a:fld id="{57A4232E-DBFB-4E75-9E4E-51680D72824C}" type="datetimeFigureOut">
               <a:rPr lang="en-US" smtClean="0"/>
-              <a:t>09.02.15</a:t>
+              <a:t>10.02.15</a:t>
             </a:fld>
             <a:endParaRPr lang="en-US"/>
           </a:p>
@@ -3580,10 +3580,10 @@
         </p:nvGrpSpPr>
         <p:grpSpPr>
           <a:xfrm>
-            <a:off x="0" y="7345040"/>
-            <a:ext cx="15841910" cy="14617625"/>
-            <a:chOff x="0" y="3600625"/>
-            <a:chExt cx="15841910" cy="14617625"/>
+            <a:off x="0" y="7345039"/>
+            <a:ext cx="15841910" cy="14617626"/>
+            <a:chOff x="0" y="3600624"/>
+            <a:chExt cx="15841910" cy="14617626"/>
           </a:xfrm>
         </p:grpSpPr>
         <p:sp>
@@ -3594,8 +3594,8 @@
           </p:nvSpPr>
           <p:spPr>
             <a:xfrm>
-              <a:off x="0" y="3600625"/>
-              <a:ext cx="11017374" cy="11665296"/>
+              <a:off x="0" y="3600624"/>
+              <a:ext cx="11017374" cy="12889434"/>
             </a:xfrm>
             <a:prstGeom prst="rect">
               <a:avLst/>
@@ -3786,6 +3786,17 @@
               <a:prstGeom prst="rightArrow">
                 <a:avLst/>
               </a:prstGeom>
+              <a:solidFill>
+                <a:schemeClr val="tx2">
+                  <a:lumMod val="40000"/>
+                  <a:lumOff val="60000"/>
+                </a:schemeClr>
+              </a:solidFill>
+              <a:ln>
+                <a:solidFill>
+                  <a:schemeClr val="tx2"/>
+                </a:solidFill>
+              </a:ln>
             </p:spPr>
             <p:style>
               <a:lnRef idx="1">
@@ -4410,7 +4421,7 @@
           <p:spPr>
             <a:xfrm>
               <a:off x="576214" y="4824761"/>
-              <a:ext cx="12529392" cy="10977365"/>
+              <a:ext cx="12529392" cy="11900695"/>
             </a:xfrm>
             <a:prstGeom prst="rect">
               <a:avLst/>
@@ -4590,11 +4601,7 @@
               </a:pPr>
               <a:r>
                 <a:rPr lang="en-US" sz="3600" dirty="0" smtClean="0"/>
-                <a:t>U, V orthonormal eigenvectors of A</a:t>
-              </a:r>
-              <a:r>
-                <a:rPr lang="en-US" sz="3600" dirty="0" smtClean="0"/>
-                <a:t>A</a:t>
+                <a:t>U, V orthonormal eigenvectors of AA</a:t>
               </a:r>
               <a:r>
                 <a:rPr lang="en-US" sz="3600" baseline="30000" dirty="0" smtClean="0"/>
@@ -4704,12 +4711,58 @@
               </a:r>
               <a:r>
                 <a:rPr lang="de-DE" sz="3600" dirty="0" err="1" smtClean="0"/>
-                <a:t>Triag</a:t>
+                <a:t>TriDiag</a:t>
               </a:r>
               <a:r>
                 <a:rPr lang="de-DE" sz="3600" dirty="0" smtClean="0"/>
                 <a:t>)</a:t>
               </a:r>
+            </a:p>
+            <a:p>
+              <a:pPr marL="1063625" lvl="1" indent="-514350">
+                <a:buFont typeface="Arial"/>
+                <a:buChar char="•"/>
+                <a:tabLst>
+                  <a:tab pos="1063625" algn="l"/>
+                </a:tabLst>
+              </a:pPr>
+              <a:r>
+                <a:rPr lang="de-DE" sz="3600" dirty="0" err="1" smtClean="0"/>
+                <a:t>TriDiag</a:t>
+              </a:r>
+              <a:r>
+                <a:rPr lang="de-DE" sz="3600" dirty="0" smtClean="0"/>
+                <a:t> </a:t>
+              </a:r>
+              <a:r>
+                <a:rPr lang="de-DE" sz="3600" dirty="0" err="1" smtClean="0"/>
+                <a:t>is</a:t>
+              </a:r>
+              <a:r>
+                <a:rPr lang="de-DE" sz="3600" dirty="0" smtClean="0"/>
+                <a:t> a </a:t>
+              </a:r>
+              <a:r>
+                <a:rPr lang="de-DE" sz="3600" dirty="0" err="1" smtClean="0"/>
+                <a:t>tridiagonal</a:t>
+              </a:r>
+              <a:r>
+                <a:rPr lang="de-DE" sz="3600" dirty="0" smtClean="0"/>
+                <a:t> </a:t>
+              </a:r>
+              <a:r>
+                <a:rPr lang="de-DE" sz="3600" dirty="0" err="1" smtClean="0"/>
+                <a:t>auxilary</a:t>
+              </a:r>
+              <a:r>
+                <a:rPr lang="de-DE" sz="3600" dirty="0" smtClean="0"/>
+                <a:t> </a:t>
+              </a:r>
+              <a:r>
+                <a:rPr lang="de-DE" sz="3600" dirty="0" err="1" smtClean="0"/>
+                <a:t>matrix</a:t>
+              </a:r>
+              <a:endParaRPr lang="de-DE" sz="3600" dirty="0" smtClean="0"/>
             </a:p>
             <a:p>
               <a:pPr marL="571500" indent="-571500">
@@ -4721,16 +4774,20 @@
                 <a:t>EigenDecomposition</a:t>
               </a:r>
               <a:r>
+                <a:rPr lang="de-DE" sz="3600" dirty="0"/>
+                <a:t>(</a:t>
+              </a:r>
+              <a:r>
+                <a:rPr lang="de-DE" sz="3600" dirty="0" err="1"/>
+                <a:t>TriDiag</a:t>
+              </a:r>
+              <a:r>
+                <a:rPr lang="de-DE" sz="3600" dirty="0"/>
+                <a:t>) </a:t>
+              </a:r>
+              <a:r>
                 <a:rPr lang="de-DE" sz="3600" dirty="0" smtClean="0"/>
-                <a:t>(</a:t>
-              </a:r>
-              <a:r>
-                <a:rPr lang="de-DE" sz="3600" dirty="0" err="1" smtClean="0"/>
-                <a:t>Triag</a:t>
-              </a:r>
-              <a:r>
-                <a:rPr lang="de-DE" sz="3600" dirty="0" smtClean="0"/>
-                <a:t>) = (</a:t>
+                <a:t>= (</a:t>
               </a:r>
               <a:r>
                 <a:rPr lang="el-GR" sz="3600" dirty="0" smtClean="0"/>
@@ -4738,15 +4795,77 @@
               </a:r>
               <a:r>
                 <a:rPr lang="de-DE" sz="3600" dirty="0" smtClean="0"/>
-                <a:t>, V)</a:t>
+                <a:t>, V</a:t>
+              </a:r>
+              <a:r>
+                <a:rPr lang="de-DE" sz="3600" dirty="0" smtClean="0"/>
+                <a:t>) </a:t>
               </a:r>
             </a:p>
             <a:p>
               <a:pPr marL="571500" indent="-571500">
+                <a:lnSpc>
+                  <a:spcPct val="50000"/>
+                </a:lnSpc>
                 <a:buFont typeface="Arial"/>
                 <a:buChar char="•"/>
               </a:pPr>
-              <a:endParaRPr lang="de-DE" sz="4000" u="sng" dirty="0" smtClean="0"/>
+              <a:endParaRPr lang="de-DE" sz="3600" u="sng" dirty="0" smtClean="0"/>
+            </a:p>
+            <a:p>
+              <a:r>
+                <a:rPr lang="de-DE" sz="4000" b="1" u="sng" dirty="0" err="1" smtClean="0"/>
+                <a:t>Since</a:t>
+              </a:r>
+              <a:r>
+                <a:rPr lang="de-DE" sz="4000" b="1" u="sng" dirty="0" smtClean="0"/>
+                <a:t> </a:t>
+              </a:r>
+              <a:r>
+                <a:rPr lang="de-DE" sz="4000" b="1" u="sng" dirty="0" err="1" smtClean="0"/>
+                <a:t>TriDiag</a:t>
+              </a:r>
+              <a:r>
+                <a:rPr lang="de-DE" sz="4000" b="1" u="sng" dirty="0" smtClean="0"/>
+                <a:t> </a:t>
+              </a:r>
+              <a:r>
+                <a:rPr lang="de-DE" sz="4000" b="1" u="sng" dirty="0" err="1" smtClean="0"/>
+                <a:t>is</a:t>
+              </a:r>
+              <a:r>
+                <a:rPr lang="de-DE" sz="4000" b="1" u="sng" dirty="0" smtClean="0"/>
+                <a:t> </a:t>
+              </a:r>
+              <a:r>
+                <a:rPr lang="de-DE" sz="4000" b="1" u="sng" dirty="0" err="1" smtClean="0"/>
+                <a:t>small</a:t>
+              </a:r>
+              <a:r>
+                <a:rPr lang="de-DE" sz="4000" b="1" u="sng" dirty="0" smtClean="0"/>
+                <a:t>, </a:t>
+              </a:r>
+              <a:r>
+                <a:rPr lang="de-DE" sz="4000" b="1" u="sng" dirty="0" err="1" smtClean="0"/>
+                <a:t>only</a:t>
+              </a:r>
+              <a:r>
+                <a:rPr lang="de-DE" sz="4000" b="1" u="sng" dirty="0" smtClean="0"/>
+                <a:t> </a:t>
+              </a:r>
+              <a:r>
+                <a:rPr lang="de-DE" sz="4000" b="1" u="sng" dirty="0" err="1" smtClean="0"/>
+                <a:t>implement</a:t>
+              </a:r>
+              <a:r>
+                <a:rPr lang="de-DE" sz="4000" b="1" u="sng" dirty="0" smtClean="0"/>
+                <a:t> </a:t>
+              </a:r>
+              <a:r>
+                <a:rPr lang="de-DE" sz="4000" b="1" u="sng" dirty="0" err="1" smtClean="0"/>
+                <a:t>Lanczos</a:t>
+              </a:r>
+              <a:endParaRPr lang="de-DE" sz="4000" b="1" u="sng" dirty="0" smtClean="0"/>
             </a:p>
           </p:txBody>
         </p:sp>
@@ -4844,6 +4963,280 @@
               <a:latin typeface="Verdana"/>
               <a:cs typeface="Verdana"/>
             </a:endParaRPr>
+          </a:p>
+        </p:txBody>
+      </p:sp>
+      <p:sp>
+        <p:nvSpPr>
+          <p:cNvPr id="38" name="Textfeld 37"/>
+          <p:cNvSpPr txBox="1"/>
+          <p:nvPr/>
+        </p:nvSpPr>
+        <p:spPr>
+          <a:xfrm>
+            <a:off x="576214" y="4680745"/>
+            <a:ext cx="10081120" cy="2262158"/>
+          </a:xfrm>
+          <a:prstGeom prst="rect">
+            <a:avLst/>
+          </a:prstGeom>
+          <a:noFill/>
+        </p:spPr>
+        <p:txBody>
+          <a:bodyPr wrap="square" rtlCol="0">
+            <a:spAutoFit/>
+          </a:bodyPr>
+          <a:lstStyle/>
+          <a:p>
+            <a:r>
+              <a:rPr lang="de-DE" sz="3600" u="sng" dirty="0" err="1" smtClean="0"/>
+              <a:t>Implement</a:t>
+            </a:r>
+            <a:r>
+              <a:rPr lang="de-DE" sz="3600" u="sng" dirty="0" smtClean="0"/>
+              <a:t> a </a:t>
+            </a:r>
+            <a:r>
+              <a:rPr lang="de-DE" sz="3600" u="sng" dirty="0" err="1" smtClean="0"/>
+              <a:t>generic</a:t>
+            </a:r>
+            <a:r>
+              <a:rPr lang="de-DE" sz="3600" u="sng" dirty="0" smtClean="0"/>
+              <a:t> </a:t>
+            </a:r>
+            <a:r>
+              <a:rPr lang="de-DE" sz="3600" u="sng" dirty="0" err="1" smtClean="0"/>
+              <a:t>tool</a:t>
+            </a:r>
+            <a:r>
+              <a:rPr lang="de-DE" sz="3600" u="sng" dirty="0" smtClean="0"/>
+              <a:t> </a:t>
+            </a:r>
+            <a:r>
+              <a:rPr lang="de-DE" sz="3600" u="sng" dirty="0" err="1" smtClean="0"/>
+              <a:t>using</a:t>
+            </a:r>
+            <a:r>
+              <a:rPr lang="de-DE" sz="3600" u="sng" dirty="0" smtClean="0"/>
+              <a:t> Apache Flink</a:t>
+            </a:r>
+          </a:p>
+          <a:p>
+            <a:pPr marL="571500" indent="-571500">
+              <a:lnSpc>
+                <a:spcPct val="150000"/>
+              </a:lnSpc>
+              <a:buFont typeface="Arial"/>
+              <a:buChar char="•"/>
+            </a:pPr>
+            <a:r>
+              <a:rPr lang="de-DE" sz="3600" dirty="0" smtClean="0"/>
+              <a:t>Matrix                        Singular Value </a:t>
+            </a:r>
+            <a:r>
+              <a:rPr lang="de-DE" sz="3600" dirty="0" err="1" smtClean="0"/>
+              <a:t>Decomposition</a:t>
+            </a:r>
+            <a:endParaRPr lang="de-DE" sz="3600" dirty="0" smtClean="0"/>
+          </a:p>
+          <a:p>
+            <a:pPr>
+              <a:lnSpc>
+                <a:spcPct val="150000"/>
+              </a:lnSpc>
+            </a:pPr>
+            <a:r>
+              <a:rPr lang="de-DE" sz="3600" u="sng" dirty="0" smtClean="0"/>
+              <a:t>Not </a:t>
+            </a:r>
+            <a:r>
+              <a:rPr lang="de-DE" sz="3600" u="sng" dirty="0" err="1" smtClean="0"/>
+              <a:t>scoped</a:t>
+            </a:r>
+            <a:r>
+              <a:rPr lang="de-DE" sz="3600" u="sng" dirty="0" smtClean="0"/>
+              <a:t> on </a:t>
+            </a:r>
+            <a:r>
+              <a:rPr lang="de-DE" sz="3600" u="sng" dirty="0" err="1" smtClean="0"/>
+              <a:t>analizing</a:t>
+            </a:r>
+            <a:r>
+              <a:rPr lang="de-DE" sz="3600" u="sng" dirty="0" smtClean="0"/>
+              <a:t> a </a:t>
+            </a:r>
+            <a:r>
+              <a:rPr lang="de-DE" sz="3600" u="sng" dirty="0" err="1" smtClean="0"/>
+              <a:t>specific</a:t>
+            </a:r>
+            <a:r>
+              <a:rPr lang="de-DE" sz="3600" u="sng" dirty="0" smtClean="0"/>
+              <a:t> </a:t>
+            </a:r>
+            <a:r>
+              <a:rPr lang="de-DE" sz="3600" u="sng" dirty="0" err="1" smtClean="0"/>
+              <a:t>dataset</a:t>
+            </a:r>
+            <a:endParaRPr lang="de-DE" sz="3600" u="sng" dirty="0" smtClean="0"/>
+          </a:p>
+        </p:txBody>
+      </p:sp>
+      <p:sp>
+        <p:nvSpPr>
+          <p:cNvPr id="4" name="Rechteck 3"/>
+          <p:cNvSpPr/>
+          <p:nvPr/>
+        </p:nvSpPr>
+        <p:spPr>
+          <a:xfrm>
+            <a:off x="3096494" y="5544841"/>
+            <a:ext cx="1152128" cy="554360"/>
+          </a:xfrm>
+          <a:prstGeom prst="rect">
+            <a:avLst/>
+          </a:prstGeom>
+          <a:solidFill>
+            <a:schemeClr val="tx2">
+              <a:lumMod val="40000"/>
+              <a:lumOff val="60000"/>
+            </a:schemeClr>
+          </a:solidFill>
+          <a:ln>
+            <a:solidFill>
+              <a:schemeClr val="tx2"/>
+            </a:solidFill>
+          </a:ln>
+        </p:spPr>
+        <p:style>
+          <a:lnRef idx="1">
+            <a:schemeClr val="accent1"/>
+          </a:lnRef>
+          <a:fillRef idx="3">
+            <a:schemeClr val="accent1"/>
+          </a:fillRef>
+          <a:effectRef idx="2">
+            <a:schemeClr val="accent1"/>
+          </a:effectRef>
+          <a:fontRef idx="minor">
+            <a:schemeClr val="lt1"/>
+          </a:fontRef>
+        </p:style>
+        <p:txBody>
+          <a:bodyPr rtlCol="0" anchor="ctr"/>
+          <a:lstStyle/>
+          <a:p>
+            <a:pPr algn="ctr"/>
+            <a:r>
+              <a:rPr lang="de-DE" sz="3200" dirty="0" smtClean="0">
+                <a:solidFill>
+                  <a:srgbClr val="17375E"/>
+                </a:solidFill>
+              </a:rPr>
+              <a:t>Tool</a:t>
+            </a:r>
+            <a:endParaRPr lang="de-DE" sz="3200" dirty="0">
+              <a:solidFill>
+                <a:srgbClr val="17375E"/>
+              </a:solidFill>
+            </a:endParaRPr>
+          </a:p>
+        </p:txBody>
+      </p:sp>
+      <p:sp>
+        <p:nvSpPr>
+          <p:cNvPr id="29" name="Pfeil nach rechts 28"/>
+          <p:cNvSpPr/>
+          <p:nvPr/>
+        </p:nvSpPr>
+        <p:spPr>
+          <a:xfrm>
+            <a:off x="2592438" y="5688857"/>
+            <a:ext cx="432048" cy="288032"/>
+          </a:xfrm>
+          <a:prstGeom prst="rightArrow">
+            <a:avLst/>
+          </a:prstGeom>
+          <a:solidFill>
+            <a:schemeClr val="tx2">
+              <a:lumMod val="40000"/>
+              <a:lumOff val="60000"/>
+            </a:schemeClr>
+          </a:solidFill>
+          <a:ln>
+            <a:solidFill>
+              <a:schemeClr val="tx2"/>
+            </a:solidFill>
+          </a:ln>
+        </p:spPr>
+        <p:style>
+          <a:lnRef idx="1">
+            <a:schemeClr val="accent1"/>
+          </a:lnRef>
+          <a:fillRef idx="3">
+            <a:schemeClr val="accent1"/>
+          </a:fillRef>
+          <a:effectRef idx="2">
+            <a:schemeClr val="accent1"/>
+          </a:effectRef>
+          <a:fontRef idx="minor">
+            <a:schemeClr val="lt1"/>
+          </a:fontRef>
+        </p:style>
+        <p:txBody>
+          <a:bodyPr rtlCol="0" anchor="ctr"/>
+          <a:lstStyle/>
+          <a:p>
+            <a:pPr algn="ctr"/>
+            <a:endParaRPr lang="de-DE"/>
+          </a:p>
+        </p:txBody>
+      </p:sp>
+      <p:sp>
+        <p:nvSpPr>
+          <p:cNvPr id="55" name="Pfeil nach rechts 54"/>
+          <p:cNvSpPr/>
+          <p:nvPr/>
+        </p:nvSpPr>
+        <p:spPr>
+          <a:xfrm>
+            <a:off x="4392638" y="5688857"/>
+            <a:ext cx="432048" cy="288032"/>
+          </a:xfrm>
+          <a:prstGeom prst="rightArrow">
+            <a:avLst/>
+          </a:prstGeom>
+          <a:solidFill>
+            <a:schemeClr val="tx2">
+              <a:lumMod val="40000"/>
+              <a:lumOff val="60000"/>
+            </a:schemeClr>
+          </a:solidFill>
+          <a:ln>
+            <a:solidFill>
+              <a:schemeClr val="tx2"/>
+            </a:solidFill>
+          </a:ln>
+        </p:spPr>
+        <p:style>
+          <a:lnRef idx="1">
+            <a:schemeClr val="accent1"/>
+          </a:lnRef>
+          <a:fillRef idx="3">
+            <a:schemeClr val="accent1"/>
+          </a:fillRef>
+          <a:effectRef idx="2">
+            <a:schemeClr val="accent1"/>
+          </a:effectRef>
+          <a:fontRef idx="minor">
+            <a:schemeClr val="lt1"/>
+          </a:fontRef>
+        </p:style>
+        <p:txBody>
+          <a:bodyPr rtlCol="0" anchor="ctr"/>
+          <a:lstStyle/>
+          <a:p>
+            <a:pPr algn="ctr"/>
+            <a:endParaRPr lang="de-DE"/>
           </a:p>
         </p:txBody>
       </p:sp>

--- a/doc/Poster.pptx
+++ b/doc/Poster.pptx
@@ -3595,7 +3595,7 @@
           <p:spPr>
             <a:xfrm>
               <a:off x="0" y="3600624"/>
-              <a:ext cx="11017374" cy="12889434"/>
+              <a:ext cx="11017374" cy="13609514"/>
             </a:xfrm>
             <a:prstGeom prst="rect">
               <a:avLst/>
@@ -4421,7 +4421,7 @@
           <p:spPr>
             <a:xfrm>
               <a:off x="576214" y="4824761"/>
-              <a:ext cx="12529392" cy="11900695"/>
+              <a:ext cx="12529392" cy="12177695"/>
             </a:xfrm>
             <a:prstGeom prst="rect">
               <a:avLst/>
@@ -4683,6 +4683,53 @@
             </a:p>
             <a:p>
               <a:r>
+                <a:rPr lang="de-DE" sz="3600" dirty="0" err="1" smtClean="0"/>
+                <a:t>Reduction</a:t>
+              </a:r>
+              <a:r>
+                <a:rPr lang="de-DE" sz="3600" dirty="0" smtClean="0"/>
+                <a:t>: </a:t>
+              </a:r>
+              <a:r>
+                <a:rPr lang="de-DE" sz="3600" dirty="0" err="1" smtClean="0"/>
+                <a:t>only</a:t>
+              </a:r>
+              <a:r>
+                <a:rPr lang="de-DE" sz="3600" dirty="0" smtClean="0"/>
+                <a:t> </a:t>
+              </a:r>
+              <a:r>
+                <a:rPr lang="de-DE" sz="3600" dirty="0" err="1" smtClean="0"/>
+                <a:t>keep</a:t>
+              </a:r>
+              <a:r>
+                <a:rPr lang="de-DE" sz="3600" dirty="0" smtClean="0"/>
+                <a:t> </a:t>
+              </a:r>
+              <a:r>
+                <a:rPr lang="de-DE" sz="3600" dirty="0" err="1" smtClean="0"/>
+                <a:t>k</a:t>
+              </a:r>
+              <a:r>
+                <a:rPr lang="de-DE" sz="3600" dirty="0" smtClean="0"/>
+                <a:t> </a:t>
+              </a:r>
+              <a:r>
+                <a:rPr lang="de-DE" sz="3600" dirty="0" err="1" smtClean="0"/>
+                <a:t>of</a:t>
+              </a:r>
+              <a:r>
+                <a:rPr lang="de-DE" sz="3600" dirty="0" smtClean="0"/>
+                <a:t> </a:t>
+              </a:r>
+              <a:r>
+                <a:rPr lang="en-US" sz="3600" dirty="0" err="1" smtClean="0"/>
+                <a:t>Σ</a:t>
+              </a:r>
+              <a:endParaRPr lang="de-DE" sz="3600" u="sng" dirty="0" smtClean="0"/>
+            </a:p>
+            <a:p>
+              <a:r>
                 <a:rPr lang="de-DE" sz="3600" u="sng" dirty="0" err="1" smtClean="0"/>
                 <a:t>Numerical</a:t>
               </a:r>
@@ -4741,6 +4788,14 @@
               <a:r>
                 <a:rPr lang="de-DE" sz="3600" dirty="0" smtClean="0"/>
                 <a:t> a </a:t>
+              </a:r>
+              <a:r>
+                <a:rPr lang="de-DE" sz="3600" dirty="0" err="1" smtClean="0"/>
+                <a:t>symmetric</a:t>
+              </a:r>
+              <a:r>
+                <a:rPr lang="de-DE" sz="3600" dirty="0" smtClean="0"/>
+                <a:t>, </a:t>
               </a:r>
               <a:r>
                 <a:rPr lang="de-DE" sz="3600" dirty="0" err="1" smtClean="0"/>
@@ -4855,7 +4910,7 @@
               </a:r>
               <a:r>
                 <a:rPr lang="de-DE" sz="4000" b="1" u="sng" dirty="0" err="1" smtClean="0"/>
-                <a:t>implement</a:t>
+                <a:t>parallelize</a:t>
               </a:r>
               <a:r>
                 <a:rPr lang="de-DE" sz="4000" b="1" u="sng" dirty="0" smtClean="0"/>
@@ -5240,6 +5295,2831 @@
           </a:p>
         </p:txBody>
       </p:sp>
+      <p:sp>
+        <p:nvSpPr>
+          <p:cNvPr id="58" name="Rechteck 57"/>
+          <p:cNvSpPr/>
+          <p:nvPr/>
+        </p:nvSpPr>
+        <p:spPr>
+          <a:xfrm>
+            <a:off x="0" y="20954553"/>
+            <a:ext cx="11017374" cy="5112568"/>
+          </a:xfrm>
+          <a:prstGeom prst="rect">
+            <a:avLst/>
+          </a:prstGeom>
+          <a:solidFill>
+            <a:schemeClr val="accent1">
+              <a:lumMod val="20000"/>
+              <a:lumOff val="80000"/>
+            </a:schemeClr>
+          </a:solidFill>
+          <a:ln w="76200" cmpd="sng">
+            <a:solidFill>
+              <a:schemeClr val="tx2"/>
+            </a:solidFill>
+          </a:ln>
+        </p:spPr>
+        <p:style>
+          <a:lnRef idx="1">
+            <a:schemeClr val="accent1"/>
+          </a:lnRef>
+          <a:fillRef idx="3">
+            <a:schemeClr val="accent1"/>
+          </a:fillRef>
+          <a:effectRef idx="2">
+            <a:schemeClr val="accent1"/>
+          </a:effectRef>
+          <a:fontRef idx="minor">
+            <a:schemeClr val="lt1"/>
+          </a:fontRef>
+        </p:style>
+        <p:txBody>
+          <a:bodyPr rtlCol="0" anchor="ctr"/>
+          <a:lstStyle/>
+          <a:p>
+            <a:pPr algn="ctr"/>
+            <a:endParaRPr lang="de-DE" dirty="0">
+              <a:solidFill>
+                <a:schemeClr val="tx2">
+                  <a:lumMod val="75000"/>
+                </a:schemeClr>
+              </a:solidFill>
+            </a:endParaRPr>
+          </a:p>
+        </p:txBody>
+      </p:sp>
+      <p:sp>
+        <p:nvSpPr>
+          <p:cNvPr id="59" name="Rechteck 58"/>
+          <p:cNvSpPr/>
+          <p:nvPr/>
+        </p:nvSpPr>
+        <p:spPr>
+          <a:xfrm>
+            <a:off x="504057" y="21242585"/>
+            <a:ext cx="8641109" cy="707886"/>
+          </a:xfrm>
+          <a:prstGeom prst="rect">
+            <a:avLst/>
+          </a:prstGeom>
+        </p:spPr>
+        <p:txBody>
+          <a:bodyPr wrap="square">
+            <a:spAutoFit/>
+          </a:bodyPr>
+          <a:lstStyle/>
+          <a:p>
+            <a:r>
+              <a:rPr lang="de-DE" sz="4000" b="1" dirty="0">
+                <a:solidFill>
+                  <a:schemeClr val="tx2"/>
+                </a:solidFill>
+                <a:latin typeface="Verdana"/>
+                <a:cs typeface="Verdana"/>
+              </a:rPr>
+              <a:t>3</a:t>
+            </a:r>
+            <a:r>
+              <a:rPr lang="de-DE" sz="4000" b="1" dirty="0" smtClean="0">
+                <a:solidFill>
+                  <a:schemeClr val="tx2"/>
+                </a:solidFill>
+                <a:latin typeface="Verdana"/>
+                <a:cs typeface="Verdana"/>
+              </a:rPr>
+              <a:t>. </a:t>
+            </a:r>
+            <a:r>
+              <a:rPr lang="de-DE" sz="4000" b="1" dirty="0" err="1" smtClean="0">
+                <a:solidFill>
+                  <a:schemeClr val="tx2"/>
+                </a:solidFill>
+                <a:latin typeface="Verdana"/>
+                <a:cs typeface="Verdana"/>
+              </a:rPr>
+              <a:t>Lanczos</a:t>
+            </a:r>
+            <a:endParaRPr lang="de-DE" sz="4000" b="1" dirty="0">
+              <a:solidFill>
+                <a:schemeClr val="tx2"/>
+              </a:solidFill>
+              <a:latin typeface="Verdana"/>
+              <a:cs typeface="Verdana"/>
+            </a:endParaRPr>
+          </a:p>
+        </p:txBody>
+      </p:sp>
+      <p:sp>
+        <p:nvSpPr>
+          <p:cNvPr id="64" name="Textfeld 63"/>
+          <p:cNvSpPr txBox="1"/>
+          <p:nvPr/>
+        </p:nvSpPr>
+        <p:spPr>
+          <a:xfrm>
+            <a:off x="576214" y="22034673"/>
+            <a:ext cx="10081120" cy="4801315"/>
+          </a:xfrm>
+          <a:prstGeom prst="rect">
+            <a:avLst/>
+          </a:prstGeom>
+          <a:noFill/>
+        </p:spPr>
+        <p:txBody>
+          <a:bodyPr wrap="square" rtlCol="0">
+            <a:spAutoFit/>
+          </a:bodyPr>
+          <a:lstStyle/>
+          <a:p>
+            <a:r>
+              <a:rPr lang="de-DE" sz="3600" dirty="0" smtClean="0"/>
+              <a:t>Iterative </a:t>
+            </a:r>
+            <a:r>
+              <a:rPr lang="de-DE" sz="3600" dirty="0" err="1" smtClean="0"/>
+              <a:t>Algorithm</a:t>
+            </a:r>
+            <a:r>
+              <a:rPr lang="de-DE" sz="3600" dirty="0"/>
+              <a:t> </a:t>
+            </a:r>
+            <a:r>
+              <a:rPr lang="de-DE" sz="3600" dirty="0" smtClean="0"/>
+              <a:t>– </a:t>
+            </a:r>
+            <a:r>
+              <a:rPr lang="de-DE" sz="3600" i="1" dirty="0" smtClean="0"/>
+              <a:t>not</a:t>
+            </a:r>
+            <a:r>
+              <a:rPr lang="de-DE" sz="3600" dirty="0" smtClean="0"/>
+              <a:t> </a:t>
+            </a:r>
+            <a:r>
+              <a:rPr lang="de-DE" sz="3600" dirty="0" err="1" smtClean="0"/>
+              <a:t>embarassingly</a:t>
+            </a:r>
+            <a:r>
+              <a:rPr lang="de-DE" sz="3600" dirty="0" smtClean="0"/>
+              <a:t> parallel</a:t>
+            </a:r>
+            <a:br>
+              <a:rPr lang="de-DE" sz="3600" dirty="0" smtClean="0"/>
+            </a:br>
+            <a:r>
+              <a:rPr lang="de-DE" sz="3600" dirty="0" smtClean="0"/>
+              <a:t>In </a:t>
+            </a:r>
+            <a:r>
+              <a:rPr lang="de-DE" sz="3600" dirty="0" err="1" smtClean="0"/>
+              <a:t>each</a:t>
+            </a:r>
+            <a:r>
+              <a:rPr lang="de-DE" sz="3600" dirty="0" smtClean="0"/>
+              <a:t> Iteration </a:t>
+            </a:r>
+            <a:r>
+              <a:rPr lang="de-DE" sz="3600" dirty="0" err="1" smtClean="0"/>
+              <a:t>from</a:t>
+            </a:r>
+            <a:r>
+              <a:rPr lang="de-DE" sz="3600" dirty="0" smtClean="0"/>
+              <a:t> 1 </a:t>
+            </a:r>
+            <a:r>
+              <a:rPr lang="de-DE" sz="3600" dirty="0" err="1" smtClean="0"/>
+              <a:t>to</a:t>
+            </a:r>
+            <a:r>
+              <a:rPr lang="de-DE" sz="3600" dirty="0" smtClean="0"/>
+              <a:t> </a:t>
+            </a:r>
+            <a:r>
+              <a:rPr lang="de-DE" sz="3600" dirty="0" err="1" smtClean="0"/>
+              <a:t>k</a:t>
+            </a:r>
+            <a:r>
+              <a:rPr lang="de-DE" sz="3600" dirty="0" smtClean="0"/>
+              <a:t> </a:t>
+            </a:r>
+            <a:r>
+              <a:rPr lang="de-DE" sz="3600" dirty="0" err="1" smtClean="0"/>
+              <a:t>p</a:t>
+            </a:r>
+            <a:r>
+              <a:rPr lang="de-DE" sz="3600" dirty="0" err="1" smtClean="0"/>
+              <a:t>roduce</a:t>
+            </a:r>
+            <a:r>
+              <a:rPr lang="de-DE" sz="3600" dirty="0" smtClean="0"/>
+              <a:t> </a:t>
+            </a:r>
+            <a:r>
+              <a:rPr lang="de-DE" sz="3600" dirty="0" err="1" smtClean="0"/>
+              <a:t>next</a:t>
+            </a:r>
+            <a:endParaRPr lang="de-DE" sz="3600" dirty="0"/>
+          </a:p>
+          <a:p>
+            <a:pPr marL="571500" indent="-571500">
+              <a:buFont typeface="Arial"/>
+              <a:buChar char="•"/>
+            </a:pPr>
+            <a:r>
+              <a:rPr lang="de-DE" sz="3600" dirty="0" err="1" smtClean="0"/>
+              <a:t>u</a:t>
+            </a:r>
+            <a:r>
+              <a:rPr lang="de-DE" sz="3600" baseline="-25000" dirty="0" err="1" smtClean="0"/>
+              <a:t>i</a:t>
+            </a:r>
+            <a:r>
+              <a:rPr lang="de-DE" sz="3600" dirty="0" smtClean="0"/>
+              <a:t> = A x u</a:t>
+            </a:r>
+            <a:r>
+              <a:rPr lang="de-DE" sz="3600" baseline="-25000" dirty="0" smtClean="0"/>
+              <a:t>i-1</a:t>
+            </a:r>
+            <a:r>
+              <a:rPr lang="de-DE" sz="3600" dirty="0" smtClean="0">
+                <a:sym typeface="Wingdings"/>
+              </a:rPr>
+              <a:t></a:t>
+            </a:r>
+            <a:r>
+              <a:rPr lang="de-DE" sz="3600" dirty="0" smtClean="0"/>
+              <a:t> U (plus </a:t>
+            </a:r>
+            <a:r>
+              <a:rPr lang="de-DE" sz="3600" dirty="0" err="1" smtClean="0"/>
+              <a:t>orthonomalization</a:t>
+            </a:r>
+            <a:r>
+              <a:rPr lang="de-DE" sz="3600" dirty="0" smtClean="0"/>
+              <a:t>)</a:t>
+            </a:r>
+          </a:p>
+          <a:p>
+            <a:pPr marL="571500" indent="-571500">
+              <a:buFont typeface="Arial"/>
+              <a:buChar char="•"/>
+            </a:pPr>
+            <a:r>
+              <a:rPr lang="de-DE" sz="3600" dirty="0"/>
+              <a:t>u</a:t>
+            </a:r>
+            <a:r>
+              <a:rPr lang="de-DE" sz="3600" baseline="-25000" dirty="0" smtClean="0"/>
+              <a:t>0</a:t>
+            </a:r>
+            <a:r>
+              <a:rPr lang="de-DE" sz="3600" dirty="0" smtClean="0"/>
+              <a:t> </a:t>
+            </a:r>
+            <a:r>
+              <a:rPr lang="de-DE" sz="3600" dirty="0" err="1" smtClean="0"/>
+              <a:t>is</a:t>
+            </a:r>
+            <a:r>
+              <a:rPr lang="de-DE" sz="3600" dirty="0" smtClean="0"/>
+              <a:t> </a:t>
+            </a:r>
+            <a:r>
+              <a:rPr lang="de-DE" sz="3600" dirty="0" err="1" smtClean="0"/>
+              <a:t>random</a:t>
+            </a:r>
+            <a:r>
+              <a:rPr lang="de-DE" sz="3600" dirty="0" smtClean="0"/>
+              <a:t> / </a:t>
+            </a:r>
+            <a:r>
+              <a:rPr lang="de-DE" sz="3600" dirty="0" err="1" smtClean="0"/>
+              <a:t>uniformly</a:t>
+            </a:r>
+            <a:r>
+              <a:rPr lang="de-DE" sz="3600" dirty="0" smtClean="0"/>
+              <a:t> </a:t>
+            </a:r>
+            <a:r>
+              <a:rPr lang="de-DE" sz="3600" dirty="0" err="1" smtClean="0"/>
+              <a:t>chosen</a:t>
+            </a:r>
+            <a:endParaRPr lang="de-DE" sz="3600" dirty="0" smtClean="0"/>
+          </a:p>
+          <a:p>
+            <a:pPr marL="571500" indent="-571500">
+              <a:buFont typeface="Arial"/>
+              <a:buChar char="•"/>
+            </a:pPr>
+            <a:r>
+              <a:rPr lang="de-DE" sz="3600" dirty="0" smtClean="0"/>
+              <a:t>(a</a:t>
+            </a:r>
+            <a:r>
+              <a:rPr lang="de-DE" sz="3600" baseline="-25000" dirty="0" smtClean="0"/>
+              <a:t>i</a:t>
+            </a:r>
+            <a:r>
+              <a:rPr lang="de-DE" sz="3600" dirty="0" smtClean="0"/>
+              <a:t>, b</a:t>
+            </a:r>
+            <a:r>
+              <a:rPr lang="de-DE" sz="3600" baseline="-25000" dirty="0" smtClean="0"/>
+              <a:t>i</a:t>
+            </a:r>
+            <a:r>
+              <a:rPr lang="de-DE" sz="3600" dirty="0" smtClean="0"/>
+              <a:t>) </a:t>
+            </a:r>
+            <a:r>
+              <a:rPr lang="de-DE" sz="3600" dirty="0" smtClean="0">
+                <a:sym typeface="Wingdings"/>
+              </a:rPr>
+              <a:t></a:t>
+            </a:r>
+            <a:r>
+              <a:rPr lang="de-DE" sz="3600" dirty="0" smtClean="0"/>
+              <a:t> </a:t>
+            </a:r>
+            <a:r>
+              <a:rPr lang="de-DE" sz="3600" dirty="0" err="1" smtClean="0"/>
+              <a:t>TriDiag</a:t>
+            </a:r>
+            <a:r>
+              <a:rPr lang="de-DE" sz="3600" dirty="0" smtClean="0"/>
+              <a:t> (a diagonal, b off diagonal)</a:t>
+            </a:r>
+          </a:p>
+          <a:p>
+            <a:pPr>
+              <a:lnSpc>
+                <a:spcPct val="150000"/>
+              </a:lnSpc>
+            </a:pPr>
+            <a:r>
+              <a:rPr lang="de-DE" sz="3600" i="1" dirty="0" smtClean="0"/>
+              <a:t>The </a:t>
+            </a:r>
+            <a:r>
+              <a:rPr lang="de-DE" sz="3600" i="1" dirty="0" err="1" smtClean="0"/>
+              <a:t>only</a:t>
+            </a:r>
+            <a:r>
+              <a:rPr lang="de-DE" sz="3600" i="1" dirty="0" smtClean="0"/>
+              <a:t> </a:t>
+            </a:r>
+            <a:r>
+              <a:rPr lang="de-DE" sz="3600" i="1" dirty="0" err="1" smtClean="0"/>
+              <a:t>paralallizable</a:t>
+            </a:r>
+            <a:r>
+              <a:rPr lang="de-DE" sz="3600" i="1" dirty="0" smtClean="0"/>
+              <a:t> </a:t>
+            </a:r>
+            <a:r>
+              <a:rPr lang="de-DE" sz="3600" i="1" dirty="0" err="1" smtClean="0"/>
+              <a:t>part</a:t>
+            </a:r>
+            <a:r>
+              <a:rPr lang="de-DE" sz="3600" i="1" dirty="0" smtClean="0"/>
+              <a:t> </a:t>
+            </a:r>
+            <a:r>
+              <a:rPr lang="de-DE" sz="3600" i="1" dirty="0" err="1" smtClean="0"/>
+              <a:t>is</a:t>
+            </a:r>
+            <a:r>
+              <a:rPr lang="de-DE" sz="3600" i="1" dirty="0" smtClean="0"/>
+              <a:t> </a:t>
+            </a:r>
+            <a:r>
+              <a:rPr lang="de-DE" sz="3600" i="1" dirty="0"/>
+              <a:t>A x u</a:t>
+            </a:r>
+            <a:r>
+              <a:rPr lang="de-DE" sz="3600" i="1" baseline="-25000" dirty="0"/>
+              <a:t>i-1</a:t>
+            </a:r>
+            <a:endParaRPr lang="de-DE" sz="3600" i="1" dirty="0" smtClean="0"/>
+          </a:p>
+          <a:p>
+            <a:endParaRPr lang="de-DE" sz="3600" dirty="0" smtClean="0"/>
+          </a:p>
+          <a:p>
+            <a:endParaRPr lang="de-DE" sz="3600" u="sng" dirty="0" smtClean="0"/>
+          </a:p>
+        </p:txBody>
+      </p:sp>
+      <p:grpSp>
+        <p:nvGrpSpPr>
+          <p:cNvPr id="112" name="Gruppierung 111"/>
+          <p:cNvGrpSpPr/>
+          <p:nvPr/>
+        </p:nvGrpSpPr>
+        <p:grpSpPr>
+          <a:xfrm>
+            <a:off x="804" y="26067120"/>
+            <a:ext cx="11016570" cy="6336929"/>
+            <a:chOff x="11017374" y="3600624"/>
+            <a:chExt cx="10585326" cy="6336929"/>
+          </a:xfrm>
+        </p:grpSpPr>
+        <p:sp>
+          <p:nvSpPr>
+            <p:cNvPr id="65" name="Rechteck 64"/>
+            <p:cNvSpPr/>
+            <p:nvPr/>
+          </p:nvSpPr>
+          <p:spPr>
+            <a:xfrm>
+              <a:off x="11017374" y="3600624"/>
+              <a:ext cx="10585326" cy="6336929"/>
+            </a:xfrm>
+            <a:prstGeom prst="rect">
+              <a:avLst/>
+            </a:prstGeom>
+            <a:solidFill>
+              <a:schemeClr val="accent1">
+                <a:lumMod val="20000"/>
+                <a:lumOff val="80000"/>
+              </a:schemeClr>
+            </a:solidFill>
+            <a:ln w="76200" cmpd="sng">
+              <a:solidFill>
+                <a:schemeClr val="tx2"/>
+              </a:solidFill>
+            </a:ln>
+          </p:spPr>
+          <p:style>
+            <a:lnRef idx="1">
+              <a:schemeClr val="accent1"/>
+            </a:lnRef>
+            <a:fillRef idx="3">
+              <a:schemeClr val="accent1"/>
+            </a:fillRef>
+            <a:effectRef idx="2">
+              <a:schemeClr val="accent1"/>
+            </a:effectRef>
+            <a:fontRef idx="minor">
+              <a:schemeClr val="lt1"/>
+            </a:fontRef>
+          </p:style>
+          <p:txBody>
+            <a:bodyPr rtlCol="0" anchor="ctr"/>
+            <a:lstStyle/>
+            <a:p>
+              <a:pPr algn="ctr"/>
+              <a:endParaRPr lang="de-DE" dirty="0">
+                <a:solidFill>
+                  <a:schemeClr val="tx2">
+                    <a:lumMod val="75000"/>
+                  </a:schemeClr>
+                </a:solidFill>
+              </a:endParaRPr>
+            </a:p>
+          </p:txBody>
+        </p:sp>
+        <p:sp>
+          <p:nvSpPr>
+            <p:cNvPr id="69" name="Rechteck 68"/>
+            <p:cNvSpPr/>
+            <p:nvPr/>
+          </p:nvSpPr>
+          <p:spPr>
+            <a:xfrm>
+              <a:off x="11521431" y="3888657"/>
+              <a:ext cx="8302247" cy="707886"/>
+            </a:xfrm>
+            <a:prstGeom prst="rect">
+              <a:avLst/>
+            </a:prstGeom>
+          </p:spPr>
+          <p:txBody>
+            <a:bodyPr wrap="square">
+              <a:spAutoFit/>
+            </a:bodyPr>
+            <a:lstStyle/>
+            <a:p>
+              <a:r>
+                <a:rPr lang="de-DE" sz="4000" b="1" dirty="0" smtClean="0">
+                  <a:solidFill>
+                    <a:schemeClr val="tx2"/>
+                  </a:solidFill>
+                  <a:latin typeface="Verdana"/>
+                  <a:cs typeface="Verdana"/>
+                </a:rPr>
+                <a:t>4</a:t>
+              </a:r>
+              <a:r>
+                <a:rPr lang="de-DE" sz="4000" b="1" dirty="0" smtClean="0">
+                  <a:solidFill>
+                    <a:schemeClr val="tx2"/>
+                  </a:solidFill>
+                  <a:latin typeface="Verdana"/>
+                  <a:cs typeface="Verdana"/>
+                </a:rPr>
+                <a:t>. </a:t>
+              </a:r>
+              <a:r>
+                <a:rPr lang="de-DE" sz="4000" b="1" dirty="0" err="1" smtClean="0">
+                  <a:solidFill>
+                    <a:schemeClr val="tx2"/>
+                  </a:solidFill>
+                  <a:latin typeface="Verdana"/>
+                  <a:cs typeface="Verdana"/>
+                </a:rPr>
+                <a:t>Approaches</a:t>
+              </a:r>
+              <a:endParaRPr lang="de-DE" sz="4000" b="1" dirty="0">
+                <a:solidFill>
+                  <a:schemeClr val="tx2"/>
+                </a:solidFill>
+                <a:latin typeface="Verdana"/>
+                <a:cs typeface="Verdana"/>
+              </a:endParaRPr>
+            </a:p>
+          </p:txBody>
+        </p:sp>
+        <p:sp>
+          <p:nvSpPr>
+            <p:cNvPr id="70" name="Textfeld 69"/>
+            <p:cNvSpPr txBox="1"/>
+            <p:nvPr/>
+          </p:nvSpPr>
+          <p:spPr>
+            <a:xfrm>
+              <a:off x="11593588" y="4680745"/>
+              <a:ext cx="9685787" cy="3970318"/>
+            </a:xfrm>
+            <a:prstGeom prst="rect">
+              <a:avLst/>
+            </a:prstGeom>
+            <a:noFill/>
+          </p:spPr>
+          <p:txBody>
+            <a:bodyPr wrap="square" rtlCol="0">
+              <a:spAutoFit/>
+            </a:bodyPr>
+            <a:lstStyle/>
+            <a:p>
+              <a:pPr marL="742950" indent="-742950">
+                <a:buFont typeface="+mj-lt"/>
+                <a:buAutoNum type="arabicPeriod"/>
+              </a:pPr>
+              <a:r>
+                <a:rPr lang="de-DE" sz="3600" dirty="0" smtClean="0"/>
+                <a:t>Delta </a:t>
+              </a:r>
+              <a:r>
+                <a:rPr lang="de-DE" sz="3600" dirty="0" err="1" smtClean="0"/>
+                <a:t>Iterations</a:t>
+              </a:r>
+              <a:endParaRPr lang="de-DE" sz="3600" dirty="0" smtClean="0"/>
+            </a:p>
+            <a:p>
+              <a:pPr marL="1338263" lvl="1" indent="-549275">
+                <a:buFont typeface="Arial"/>
+                <a:buChar char="•"/>
+              </a:pPr>
+              <a:r>
+                <a:rPr lang="de-DE" sz="3600" dirty="0" err="1" smtClean="0"/>
+                <a:t>data</a:t>
+              </a:r>
+              <a:r>
+                <a:rPr lang="de-DE" sz="3600" dirty="0" smtClean="0"/>
+                <a:t> </a:t>
+              </a:r>
+              <a:r>
+                <a:rPr lang="de-DE" sz="3600" dirty="0" err="1" smtClean="0"/>
+                <a:t>flow</a:t>
+              </a:r>
+              <a:r>
+                <a:rPr lang="de-DE" sz="3600" dirty="0" smtClean="0"/>
+                <a:t> </a:t>
+              </a:r>
+              <a:r>
+                <a:rPr lang="de-DE" sz="3600" dirty="0" err="1" smtClean="0"/>
+                <a:t>from</a:t>
+              </a:r>
+              <a:r>
+                <a:rPr lang="de-DE" sz="3600" dirty="0" smtClean="0"/>
+                <a:t> </a:t>
+              </a:r>
+              <a:r>
+                <a:rPr lang="de-DE" sz="3600" dirty="0" err="1" smtClean="0"/>
+                <a:t>scratch</a:t>
+              </a:r>
+              <a:r>
+                <a:rPr lang="de-DE" sz="3600" dirty="0" smtClean="0"/>
+                <a:t> </a:t>
+              </a:r>
+              <a:r>
+                <a:rPr lang="de-DE" sz="3600" dirty="0" err="1" smtClean="0"/>
+                <a:t>optimizable</a:t>
+              </a:r>
+              <a:r>
+                <a:rPr lang="de-DE" sz="3600" dirty="0" smtClean="0"/>
+                <a:t> </a:t>
+              </a:r>
+              <a:r>
+                <a:rPr lang="de-DE" sz="3600" dirty="0" err="1" smtClean="0"/>
+                <a:t>by</a:t>
+              </a:r>
+              <a:r>
+                <a:rPr lang="de-DE" sz="3600" dirty="0" smtClean="0"/>
+                <a:t> Flink</a:t>
+              </a:r>
+            </a:p>
+            <a:p>
+              <a:pPr marL="742950" indent="-742950">
+                <a:buFont typeface="+mj-lt"/>
+                <a:buAutoNum type="arabicPeriod"/>
+              </a:pPr>
+              <a:r>
+                <a:rPr lang="de-DE" sz="3600" dirty="0" err="1" smtClean="0"/>
+                <a:t>Exploiting</a:t>
+              </a:r>
+              <a:r>
+                <a:rPr lang="de-DE" sz="3600" dirty="0" smtClean="0"/>
+                <a:t> </a:t>
+              </a:r>
+              <a:r>
+                <a:rPr lang="de-DE" sz="3600" dirty="0" err="1" smtClean="0"/>
+                <a:t>Mahout‘s</a:t>
+              </a:r>
+              <a:r>
+                <a:rPr lang="de-DE" sz="3600" dirty="0" smtClean="0"/>
+                <a:t> </a:t>
+              </a:r>
+              <a:r>
+                <a:rPr lang="de-DE" sz="3600" dirty="0" err="1" smtClean="0"/>
+                <a:t>Lanczos</a:t>
+              </a:r>
+              <a:r>
+                <a:rPr lang="de-DE" sz="3600" dirty="0" smtClean="0"/>
+                <a:t> </a:t>
+              </a:r>
+              <a:r>
+                <a:rPr lang="de-DE" sz="3600" dirty="0" err="1" smtClean="0"/>
+                <a:t>solver</a:t>
+              </a:r>
+              <a:endParaRPr lang="de-DE" sz="3600" dirty="0" smtClean="0"/>
+            </a:p>
+            <a:p>
+              <a:pPr marL="1338263" lvl="1" indent="-549275">
+                <a:buFont typeface="Arial"/>
+                <a:buChar char="•"/>
+              </a:pPr>
+              <a:r>
+                <a:rPr lang="de-DE" sz="3600" dirty="0" err="1" smtClean="0"/>
+                <a:t>Generic</a:t>
+              </a:r>
+              <a:r>
+                <a:rPr lang="de-DE" sz="3600" dirty="0" smtClean="0"/>
+                <a:t> </a:t>
+              </a:r>
+              <a:r>
+                <a:rPr lang="de-DE" sz="3600" dirty="0" err="1" smtClean="0"/>
+                <a:t>implementation</a:t>
+              </a:r>
+              <a:r>
+                <a:rPr lang="de-DE" sz="3600" dirty="0" smtClean="0"/>
+                <a:t> (</a:t>
+              </a:r>
+              <a:r>
+                <a:rPr lang="de-DE" sz="3600" dirty="0" err="1" smtClean="0"/>
+                <a:t>using</a:t>
+              </a:r>
+              <a:r>
+                <a:rPr lang="de-DE" sz="3600" dirty="0" smtClean="0"/>
+                <a:t> </a:t>
+              </a:r>
+              <a:r>
+                <a:rPr lang="de-DE" sz="3600" dirty="0" err="1" smtClean="0"/>
+                <a:t>interfaces</a:t>
+              </a:r>
+              <a:r>
+                <a:rPr lang="de-DE" sz="3600" dirty="0" smtClean="0"/>
+                <a:t>)</a:t>
+              </a:r>
+            </a:p>
+            <a:p>
+              <a:pPr marL="1338263" lvl="1" indent="-549275">
+                <a:buFont typeface="Arial"/>
+                <a:buChar char="•"/>
+              </a:pPr>
+              <a:r>
+                <a:rPr lang="de-DE" sz="3600" dirty="0" err="1" smtClean="0"/>
+                <a:t>By</a:t>
+              </a:r>
+              <a:r>
+                <a:rPr lang="de-DE" sz="3600" dirty="0" smtClean="0"/>
+                <a:t> </a:t>
+              </a:r>
+              <a:r>
+                <a:rPr lang="de-DE" sz="3600" dirty="0" err="1" smtClean="0"/>
+                <a:t>implementing</a:t>
+              </a:r>
+              <a:r>
+                <a:rPr lang="de-DE" sz="3600" dirty="0" smtClean="0"/>
+                <a:t> </a:t>
+              </a:r>
+              <a:r>
+                <a:rPr lang="de-DE" sz="3600" dirty="0" err="1" smtClean="0"/>
+                <a:t>interfaces</a:t>
+              </a:r>
+              <a:r>
+                <a:rPr lang="de-DE" sz="3600" dirty="0" smtClean="0"/>
+                <a:t> </a:t>
+              </a:r>
+              <a:r>
+                <a:rPr lang="de-DE" sz="3600" dirty="0" err="1" smtClean="0"/>
+                <a:t>with</a:t>
+              </a:r>
+              <a:r>
+                <a:rPr lang="de-DE" sz="3600" dirty="0" smtClean="0"/>
+                <a:t> Flink</a:t>
+              </a:r>
+            </a:p>
+            <a:p>
+              <a:pPr marL="742950" indent="-742950">
+                <a:buFont typeface="+mj-lt"/>
+                <a:buAutoNum type="arabicPeriod"/>
+              </a:pPr>
+              <a:r>
+                <a:rPr lang="de-DE" sz="3600" dirty="0" smtClean="0"/>
+                <a:t>Iterative </a:t>
+              </a:r>
+              <a:r>
+                <a:rPr lang="de-DE" sz="3600" dirty="0" err="1" smtClean="0"/>
+                <a:t>dataflow</a:t>
+              </a:r>
+              <a:r>
+                <a:rPr lang="de-DE" sz="3600" dirty="0" smtClean="0"/>
+                <a:t> </a:t>
+              </a:r>
+              <a:r>
+                <a:rPr lang="de-DE" sz="3600" dirty="0" err="1" smtClean="0"/>
+                <a:t>construction</a:t>
+              </a:r>
+              <a:endParaRPr lang="de-DE" sz="3600" dirty="0" smtClean="0"/>
+            </a:p>
+            <a:p>
+              <a:pPr marL="1338263" lvl="1" indent="-549275">
+                <a:buFont typeface="Arial"/>
+                <a:buChar char="•"/>
+              </a:pPr>
+              <a:r>
+                <a:rPr lang="de-DE" sz="3600" dirty="0" err="1" smtClean="0"/>
+                <a:t>Less</a:t>
+              </a:r>
+              <a:r>
+                <a:rPr lang="de-DE" sz="3600" dirty="0" smtClean="0"/>
+                <a:t> </a:t>
+              </a:r>
+              <a:r>
+                <a:rPr lang="de-DE" sz="3600" dirty="0" err="1" smtClean="0"/>
+                <a:t>optimizable</a:t>
+              </a:r>
+              <a:r>
+                <a:rPr lang="de-DE" sz="3600" dirty="0" smtClean="0"/>
+                <a:t> </a:t>
+              </a:r>
+              <a:r>
+                <a:rPr lang="de-DE" sz="3600" dirty="0" err="1" smtClean="0"/>
+                <a:t>by</a:t>
+              </a:r>
+              <a:r>
+                <a:rPr lang="de-DE" sz="3600" dirty="0" smtClean="0"/>
+                <a:t> Flink – fall back </a:t>
+              </a:r>
+              <a:r>
+                <a:rPr lang="de-DE" sz="3600" dirty="0" err="1" smtClean="0"/>
+                <a:t>solution</a:t>
+              </a:r>
+              <a:endParaRPr lang="de-DE" sz="3600" dirty="0" smtClean="0"/>
+            </a:p>
+          </p:txBody>
+        </p:sp>
+      </p:grpSp>
+      <p:grpSp>
+        <p:nvGrpSpPr>
+          <p:cNvPr id="113" name="Gruppierung 112"/>
+          <p:cNvGrpSpPr/>
+          <p:nvPr/>
+        </p:nvGrpSpPr>
+        <p:grpSpPr>
+          <a:xfrm>
+            <a:off x="11017374" y="3600625"/>
+            <a:ext cx="10585326" cy="13753528"/>
+            <a:chOff x="11017374" y="8857209"/>
+            <a:chExt cx="10585326" cy="13753528"/>
+          </a:xfrm>
+        </p:grpSpPr>
+        <p:sp>
+          <p:nvSpPr>
+            <p:cNvPr id="73" name="Rechteck 72"/>
+            <p:cNvSpPr/>
+            <p:nvPr/>
+          </p:nvSpPr>
+          <p:spPr>
+            <a:xfrm>
+              <a:off x="11017374" y="8857209"/>
+              <a:ext cx="10585326" cy="13753528"/>
+            </a:xfrm>
+            <a:prstGeom prst="rect">
+              <a:avLst/>
+            </a:prstGeom>
+            <a:solidFill>
+              <a:schemeClr val="accent1">
+                <a:lumMod val="20000"/>
+                <a:lumOff val="80000"/>
+              </a:schemeClr>
+            </a:solidFill>
+            <a:ln w="76200" cmpd="sng">
+              <a:solidFill>
+                <a:schemeClr val="tx2"/>
+              </a:solidFill>
+            </a:ln>
+          </p:spPr>
+          <p:style>
+            <a:lnRef idx="1">
+              <a:schemeClr val="accent1"/>
+            </a:lnRef>
+            <a:fillRef idx="3">
+              <a:schemeClr val="accent1"/>
+            </a:fillRef>
+            <a:effectRef idx="2">
+              <a:schemeClr val="accent1"/>
+            </a:effectRef>
+            <a:fontRef idx="minor">
+              <a:schemeClr val="lt1"/>
+            </a:fontRef>
+          </p:style>
+          <p:txBody>
+            <a:bodyPr rtlCol="0" anchor="ctr"/>
+            <a:lstStyle/>
+            <a:p>
+              <a:pPr algn="ctr"/>
+              <a:endParaRPr lang="de-DE" dirty="0">
+                <a:solidFill>
+                  <a:schemeClr val="tx2">
+                    <a:lumMod val="75000"/>
+                  </a:schemeClr>
+                </a:solidFill>
+              </a:endParaRPr>
+            </a:p>
+          </p:txBody>
+        </p:sp>
+        <p:sp>
+          <p:nvSpPr>
+            <p:cNvPr id="74" name="Rechteck 73"/>
+            <p:cNvSpPr/>
+            <p:nvPr/>
+          </p:nvSpPr>
+          <p:spPr>
+            <a:xfrm>
+              <a:off x="11521431" y="9145241"/>
+              <a:ext cx="8302247" cy="707886"/>
+            </a:xfrm>
+            <a:prstGeom prst="rect">
+              <a:avLst/>
+            </a:prstGeom>
+          </p:spPr>
+          <p:txBody>
+            <a:bodyPr wrap="square">
+              <a:spAutoFit/>
+            </a:bodyPr>
+            <a:lstStyle/>
+            <a:p>
+              <a:r>
+                <a:rPr lang="de-DE" sz="4000" b="1" dirty="0">
+                  <a:solidFill>
+                    <a:schemeClr val="tx2"/>
+                  </a:solidFill>
+                  <a:latin typeface="Verdana"/>
+                  <a:cs typeface="Verdana"/>
+                </a:rPr>
+                <a:t>5</a:t>
+              </a:r>
+              <a:r>
+                <a:rPr lang="de-DE" sz="4000" b="1" dirty="0" smtClean="0">
+                  <a:solidFill>
+                    <a:schemeClr val="tx2"/>
+                  </a:solidFill>
+                  <a:latin typeface="Verdana"/>
+                  <a:cs typeface="Verdana"/>
+                </a:rPr>
+                <a:t>. Implementations</a:t>
+              </a:r>
+              <a:endParaRPr lang="de-DE" sz="4000" b="1" dirty="0">
+                <a:solidFill>
+                  <a:schemeClr val="tx2"/>
+                </a:solidFill>
+                <a:latin typeface="Verdana"/>
+                <a:cs typeface="Verdana"/>
+              </a:endParaRPr>
+            </a:p>
+          </p:txBody>
+        </p:sp>
+        <p:sp>
+          <p:nvSpPr>
+            <p:cNvPr id="77" name="Textfeld 76"/>
+            <p:cNvSpPr txBox="1"/>
+            <p:nvPr/>
+          </p:nvSpPr>
+          <p:spPr>
+            <a:xfrm>
+              <a:off x="11593438" y="9937329"/>
+              <a:ext cx="9685787" cy="10138161"/>
+            </a:xfrm>
+            <a:prstGeom prst="rect">
+              <a:avLst/>
+            </a:prstGeom>
+            <a:noFill/>
+          </p:spPr>
+          <p:txBody>
+            <a:bodyPr wrap="square" rtlCol="0">
+              <a:spAutoFit/>
+            </a:bodyPr>
+            <a:lstStyle/>
+            <a:p>
+              <a:r>
+                <a:rPr lang="de-DE" sz="3600" u="sng" dirty="0" smtClean="0"/>
+                <a:t>1. Delta </a:t>
+              </a:r>
+              <a:r>
+                <a:rPr lang="de-DE" sz="3600" u="sng" dirty="0" err="1" smtClean="0"/>
+                <a:t>Iterations</a:t>
+              </a:r>
+              <a:endParaRPr lang="de-DE" sz="3600" u="sng" dirty="0" smtClean="0"/>
+            </a:p>
+            <a:p>
+              <a:pPr marL="571500" indent="-571500">
+                <a:buFont typeface="Arial"/>
+                <a:buChar char="•"/>
+              </a:pPr>
+              <a:r>
+                <a:rPr lang="de-DE" sz="3600" dirty="0" err="1" smtClean="0"/>
+                <a:t>Requires</a:t>
+              </a:r>
+              <a:r>
+                <a:rPr lang="de-DE" sz="3600" dirty="0" smtClean="0"/>
+                <a:t> </a:t>
+              </a:r>
+              <a:r>
+                <a:rPr lang="de-DE" sz="3600" dirty="0" err="1" smtClean="0"/>
+                <a:t>to</a:t>
+              </a:r>
+              <a:r>
+                <a:rPr lang="de-DE" sz="3600" dirty="0" smtClean="0"/>
+                <a:t> hold Basis + </a:t>
+              </a:r>
+              <a:r>
+                <a:rPr lang="de-DE" sz="3600" dirty="0" err="1" smtClean="0"/>
+                <a:t>TriDiag</a:t>
+              </a:r>
+              <a:r>
+                <a:rPr lang="de-DE" sz="3600" dirty="0" smtClean="0"/>
+                <a:t> in </a:t>
+              </a:r>
+              <a:r>
+                <a:rPr lang="de-DE" sz="3600" dirty="0" err="1" smtClean="0"/>
+                <a:t>one</a:t>
+              </a:r>
+              <a:r>
+                <a:rPr lang="de-DE" sz="3600" dirty="0" smtClean="0"/>
+                <a:t> </a:t>
+              </a:r>
+              <a:r>
+                <a:rPr lang="de-DE" sz="3600" dirty="0" err="1" smtClean="0"/>
+                <a:t>DataSet</a:t>
+              </a:r>
+              <a:endParaRPr lang="de-DE" sz="3600" dirty="0" smtClean="0"/>
+            </a:p>
+            <a:p>
+              <a:pPr marL="571500" indent="-571500">
+                <a:buFont typeface="Arial"/>
+                <a:buChar char="•"/>
+              </a:pPr>
+              <a:r>
+                <a:rPr lang="de-DE" sz="3600" dirty="0" smtClean="0"/>
+                <a:t>Tuple4(</a:t>
+              </a:r>
+              <a:r>
+                <a:rPr lang="de-DE" sz="3600" dirty="0" err="1" smtClean="0"/>
+                <a:t>id,row,col,val</a:t>
+              </a:r>
+              <a:r>
+                <a:rPr lang="de-DE" sz="3600" dirty="0" smtClean="0"/>
+                <a:t>) </a:t>
+              </a:r>
+              <a:r>
+                <a:rPr lang="de-DE" sz="3600" dirty="0" smtClean="0">
+                  <a:sym typeface="Wingdings"/>
+                </a:rPr>
+                <a:t> „</a:t>
+              </a:r>
+              <a:r>
+                <a:rPr lang="de-DE" sz="3600" dirty="0" err="1" smtClean="0">
+                  <a:sym typeface="Wingdings"/>
+                </a:rPr>
+                <a:t>LanczosPlasma</a:t>
+              </a:r>
+              <a:r>
+                <a:rPr lang="de-DE" sz="3600" dirty="0" smtClean="0">
+                  <a:sym typeface="Wingdings"/>
+                </a:rPr>
+                <a:t>“</a:t>
+              </a:r>
+            </a:p>
+            <a:p>
+              <a:pPr marL="571500" indent="-571500">
+                <a:buFont typeface="Arial"/>
+                <a:buChar char="•"/>
+              </a:pPr>
+              <a:endParaRPr lang="de-DE" sz="3600" dirty="0" smtClean="0"/>
+            </a:p>
+            <a:p>
+              <a:pPr marL="571500" indent="-571500">
+                <a:buFont typeface="Arial"/>
+                <a:buChar char="•"/>
+              </a:pPr>
+              <a:endParaRPr lang="de-DE" sz="3600" dirty="0"/>
+            </a:p>
+            <a:p>
+              <a:pPr marL="571500" indent="-571500">
+                <a:buFont typeface="Arial"/>
+                <a:buChar char="•"/>
+              </a:pPr>
+              <a:endParaRPr lang="de-DE" sz="3600" dirty="0" smtClean="0"/>
+            </a:p>
+            <a:p>
+              <a:pPr marL="571500" indent="-571500">
+                <a:buFont typeface="Arial"/>
+                <a:buChar char="•"/>
+              </a:pPr>
+              <a:endParaRPr lang="de-DE" sz="3600" dirty="0" smtClean="0"/>
+            </a:p>
+            <a:p>
+              <a:endParaRPr lang="de-DE" sz="3600" dirty="0" smtClean="0"/>
+            </a:p>
+            <a:p>
+              <a:pPr algn="ctr"/>
+              <a:endParaRPr lang="de-DE" sz="3600" u="sng" dirty="0"/>
+            </a:p>
+            <a:p>
+              <a:pPr algn="ctr"/>
+              <a:r>
+                <a:rPr lang="de-DE" sz="3600" i="1" u="sng" dirty="0" smtClean="0"/>
+                <a:t>„</a:t>
+              </a:r>
+              <a:r>
+                <a:rPr lang="de-DE" sz="3600" i="1" u="sng" dirty="0" err="1" smtClean="0"/>
+                <a:t>Nested</a:t>
+              </a:r>
+              <a:r>
+                <a:rPr lang="de-DE" sz="3600" i="1" u="sng" dirty="0" smtClean="0"/>
+                <a:t> </a:t>
+              </a:r>
+              <a:r>
+                <a:rPr lang="de-DE" sz="3600" i="1" u="sng" dirty="0" err="1" smtClean="0"/>
+                <a:t>iterations</a:t>
+              </a:r>
+              <a:r>
+                <a:rPr lang="de-DE" sz="3600" i="1" u="sng" dirty="0" smtClean="0"/>
+                <a:t> </a:t>
+              </a:r>
+              <a:r>
+                <a:rPr lang="de-DE" sz="3600" i="1" u="sng" dirty="0" err="1" smtClean="0"/>
+                <a:t>are</a:t>
+              </a:r>
+              <a:r>
+                <a:rPr lang="de-DE" sz="3600" i="1" u="sng" dirty="0" smtClean="0"/>
+                <a:t> </a:t>
+              </a:r>
+              <a:r>
+                <a:rPr lang="de-DE" sz="3600" i="1" u="sng" dirty="0" err="1" smtClean="0"/>
+                <a:t>currently</a:t>
+              </a:r>
+              <a:r>
+                <a:rPr lang="de-DE" sz="3600" i="1" u="sng" dirty="0" smtClean="0"/>
+                <a:t> not </a:t>
+              </a:r>
+              <a:r>
+                <a:rPr lang="de-DE" sz="3600" i="1" u="sng" dirty="0" err="1" smtClean="0"/>
+                <a:t>supported</a:t>
+              </a:r>
+              <a:r>
+                <a:rPr lang="de-DE" sz="3600" i="1" u="sng" dirty="0" smtClean="0"/>
+                <a:t>“</a:t>
+              </a:r>
+            </a:p>
+            <a:p>
+              <a:pPr>
+                <a:lnSpc>
+                  <a:spcPct val="200000"/>
+                </a:lnSpc>
+              </a:pPr>
+              <a:r>
+                <a:rPr lang="de-DE" sz="3600" u="sng" dirty="0" smtClean="0"/>
+                <a:t>2. </a:t>
+              </a:r>
+              <a:r>
+                <a:rPr lang="de-DE" sz="3600" u="sng" dirty="0" err="1" smtClean="0"/>
+                <a:t>Exploiting</a:t>
+              </a:r>
+              <a:r>
+                <a:rPr lang="de-DE" sz="3600" u="sng" dirty="0" smtClean="0"/>
+                <a:t> </a:t>
+              </a:r>
+              <a:r>
+                <a:rPr lang="de-DE" sz="3600" u="sng" dirty="0" err="1" smtClean="0"/>
+                <a:t>Mahout‘s</a:t>
+              </a:r>
+              <a:r>
+                <a:rPr lang="de-DE" sz="3600" u="sng" dirty="0" smtClean="0"/>
+                <a:t> </a:t>
+              </a:r>
+              <a:r>
+                <a:rPr lang="de-DE" sz="3600" u="sng" dirty="0" err="1" smtClean="0"/>
+                <a:t>Lanczos</a:t>
+              </a:r>
+              <a:r>
+                <a:rPr lang="de-DE" sz="3600" u="sng" dirty="0" smtClean="0"/>
+                <a:t> </a:t>
+              </a:r>
+              <a:r>
+                <a:rPr lang="de-DE" sz="3600" u="sng" dirty="0" err="1" smtClean="0"/>
+                <a:t>solver</a:t>
+              </a:r>
+              <a:endParaRPr lang="de-DE" sz="3600" u="sng" dirty="0" smtClean="0"/>
+            </a:p>
+            <a:p>
+              <a:pPr marL="571500" indent="-571500">
+                <a:buFont typeface="Arial"/>
+                <a:buChar char="•"/>
+              </a:pPr>
+              <a:r>
+                <a:rPr lang="de-DE" sz="3600" dirty="0" err="1"/>
+                <a:t>r</a:t>
+              </a:r>
+              <a:r>
+                <a:rPr lang="de-DE" sz="3600" dirty="0" err="1" smtClean="0"/>
+                <a:t>elying</a:t>
+              </a:r>
+              <a:r>
+                <a:rPr lang="de-DE" sz="3600" dirty="0" smtClean="0"/>
+                <a:t> on flat </a:t>
+              </a:r>
+              <a:r>
+                <a:rPr lang="de-DE" sz="3600" dirty="0" err="1" smtClean="0"/>
+                <a:t>data</a:t>
+              </a:r>
+              <a:r>
+                <a:rPr lang="de-DE" sz="3600" dirty="0" smtClean="0"/>
+                <a:t> </a:t>
+              </a:r>
+              <a:r>
+                <a:rPr lang="de-DE" sz="3600" dirty="0" err="1" smtClean="0"/>
+                <a:t>types</a:t>
+              </a:r>
+              <a:r>
+                <a:rPr lang="de-DE" sz="3600" dirty="0" smtClean="0"/>
+                <a:t>:</a:t>
+              </a:r>
+            </a:p>
+            <a:p>
+              <a:pPr marL="571500" indent="-571500">
+                <a:lnSpc>
+                  <a:spcPct val="130000"/>
+                </a:lnSpc>
+                <a:buFont typeface="Arial"/>
+                <a:buChar char="•"/>
+              </a:pPr>
+              <a:endParaRPr lang="de-DE" sz="3600" dirty="0"/>
+            </a:p>
+            <a:p>
+              <a:pPr marL="571500" indent="-571500">
+                <a:buFont typeface="Arial"/>
+                <a:buChar char="•"/>
+              </a:pPr>
+              <a:r>
+                <a:rPr lang="de-DE" sz="3600" dirty="0" err="1" smtClean="0"/>
+                <a:t>Would</a:t>
+              </a:r>
+              <a:r>
+                <a:rPr lang="de-DE" sz="3600" dirty="0" smtClean="0"/>
+                <a:t> </a:t>
+              </a:r>
+              <a:r>
+                <a:rPr lang="de-DE" sz="3600" dirty="0" err="1" smtClean="0"/>
+                <a:t>require</a:t>
+              </a:r>
+              <a:r>
+                <a:rPr lang="de-DE" sz="3600" dirty="0" smtClean="0"/>
+                <a:t> </a:t>
+              </a:r>
+              <a:r>
+                <a:rPr lang="de-DE" sz="3600" dirty="0" err="1" smtClean="0"/>
+                <a:t>materialization</a:t>
+              </a:r>
+              <a:r>
+                <a:rPr lang="de-DE" sz="3600" dirty="0" smtClean="0"/>
+                <a:t> in </a:t>
+              </a:r>
+              <a:r>
+                <a:rPr lang="de-DE" sz="3600" dirty="0" err="1" smtClean="0"/>
+                <a:t>each</a:t>
+              </a:r>
+              <a:r>
+                <a:rPr lang="de-DE" sz="3600" dirty="0" smtClean="0"/>
+                <a:t> </a:t>
+              </a:r>
+              <a:r>
+                <a:rPr lang="de-DE" sz="3600" dirty="0" err="1" smtClean="0"/>
+                <a:t>iteration</a:t>
+              </a:r>
+              <a:endParaRPr lang="de-DE" sz="3600" dirty="0" smtClean="0"/>
+            </a:p>
+            <a:p>
+              <a:pPr marL="571500" indent="-571500">
+                <a:buFont typeface="Arial"/>
+                <a:buChar char="•"/>
+              </a:pPr>
+              <a:r>
+                <a:rPr lang="de-DE" sz="3600" dirty="0" err="1" smtClean="0"/>
+                <a:t>Possible</a:t>
+              </a:r>
+              <a:r>
+                <a:rPr lang="de-DE" sz="3600" dirty="0" smtClean="0"/>
+                <a:t>, but </a:t>
+              </a:r>
+              <a:r>
+                <a:rPr lang="de-DE" sz="3600" dirty="0" err="1" smtClean="0"/>
+                <a:t>undermines</a:t>
+              </a:r>
+              <a:r>
+                <a:rPr lang="de-DE" sz="3600" dirty="0" smtClean="0"/>
+                <a:t> </a:t>
+              </a:r>
+              <a:r>
+                <a:rPr lang="de-DE" sz="3600" dirty="0" err="1" smtClean="0"/>
+                <a:t>Flinks</a:t>
+              </a:r>
+              <a:r>
+                <a:rPr lang="de-DE" sz="3600" dirty="0" smtClean="0"/>
+                <a:t> </a:t>
+              </a:r>
+              <a:r>
+                <a:rPr lang="de-DE" sz="3600" dirty="0" err="1" smtClean="0"/>
+                <a:t>advantages</a:t>
+              </a:r>
+              <a:endParaRPr lang="de-DE" sz="3600" dirty="0" smtClean="0"/>
+            </a:p>
+            <a:p>
+              <a:pPr>
+                <a:lnSpc>
+                  <a:spcPct val="150000"/>
+                </a:lnSpc>
+              </a:pPr>
+              <a:r>
+                <a:rPr lang="de-DE" sz="3600" u="sng" dirty="0" smtClean="0"/>
+                <a:t>3. Iterative </a:t>
+              </a:r>
+              <a:r>
+                <a:rPr lang="de-DE" sz="3600" u="sng" dirty="0" err="1" smtClean="0"/>
+                <a:t>dataflow</a:t>
+              </a:r>
+              <a:r>
+                <a:rPr lang="de-DE" sz="3600" u="sng" dirty="0" smtClean="0"/>
+                <a:t> </a:t>
+              </a:r>
+              <a:r>
+                <a:rPr lang="de-DE" sz="3600" u="sng" dirty="0" err="1" smtClean="0"/>
+                <a:t>construction</a:t>
+              </a:r>
+              <a:endParaRPr lang="de-DE" sz="3600" u="sng" dirty="0" smtClean="0"/>
+            </a:p>
+          </p:txBody>
+        </p:sp>
+        <p:sp>
+          <p:nvSpPr>
+            <p:cNvPr id="31" name="Rechteck 30"/>
+            <p:cNvSpPr/>
+            <p:nvPr/>
+          </p:nvSpPr>
+          <p:spPr>
+            <a:xfrm>
+              <a:off x="11737454" y="17210137"/>
+              <a:ext cx="9361040" cy="576064"/>
+            </a:xfrm>
+            <a:prstGeom prst="rect">
+              <a:avLst/>
+            </a:prstGeom>
+            <a:solidFill>
+              <a:srgbClr val="8EB4E3"/>
+            </a:solidFill>
+            <a:ln>
+              <a:solidFill>
+                <a:schemeClr val="tx2"/>
+              </a:solidFill>
+            </a:ln>
+          </p:spPr>
+          <p:style>
+            <a:lnRef idx="1">
+              <a:schemeClr val="accent1"/>
+            </a:lnRef>
+            <a:fillRef idx="3">
+              <a:schemeClr val="accent1"/>
+            </a:fillRef>
+            <a:effectRef idx="2">
+              <a:schemeClr val="accent1"/>
+            </a:effectRef>
+            <a:fontRef idx="minor">
+              <a:schemeClr val="lt1"/>
+            </a:fontRef>
+          </p:style>
+          <p:txBody>
+            <a:bodyPr lIns="108000" tIns="540000" bIns="360000" rtlCol="0" anchor="ctr"/>
+            <a:lstStyle/>
+            <a:p>
+              <a:pPr algn="ctr"/>
+              <a:r>
+                <a:rPr lang="de-DE" sz="2800" dirty="0">
+                  <a:solidFill>
+                    <a:schemeClr val="tx1"/>
+                  </a:solidFill>
+                  <a:latin typeface="Consolas"/>
+                  <a:cs typeface="Consolas"/>
+                </a:rPr>
+                <a:t>double </a:t>
+              </a:r>
+              <a:r>
+                <a:rPr lang="de-DE" sz="2800" dirty="0" err="1">
+                  <a:solidFill>
+                    <a:schemeClr val="tx1"/>
+                  </a:solidFill>
+                  <a:latin typeface="Consolas"/>
+                  <a:cs typeface="Consolas"/>
+                </a:rPr>
+                <a:t>alpha</a:t>
+              </a:r>
+              <a:r>
+                <a:rPr lang="de-DE" sz="2800" dirty="0">
+                  <a:solidFill>
+                    <a:schemeClr val="tx1"/>
+                  </a:solidFill>
+                  <a:latin typeface="Consolas"/>
+                  <a:cs typeface="Consolas"/>
+                </a:rPr>
+                <a:t> = </a:t>
+              </a:r>
+              <a:r>
+                <a:rPr lang="de-DE" sz="2800" dirty="0" err="1">
+                  <a:solidFill>
+                    <a:schemeClr val="tx1"/>
+                  </a:solidFill>
+                  <a:latin typeface="Consolas"/>
+                  <a:cs typeface="Consolas"/>
+                </a:rPr>
+                <a:t>currentVector.dot</a:t>
+              </a:r>
+              <a:r>
+                <a:rPr lang="de-DE" sz="2800" dirty="0">
+                  <a:solidFill>
+                    <a:schemeClr val="tx1"/>
+                  </a:solidFill>
+                  <a:latin typeface="Consolas"/>
+                  <a:cs typeface="Consolas"/>
+                </a:rPr>
+                <a:t>(</a:t>
+              </a:r>
+              <a:r>
+                <a:rPr lang="de-DE" sz="2800" dirty="0" err="1">
+                  <a:solidFill>
+                    <a:schemeClr val="tx1"/>
+                  </a:solidFill>
+                  <a:latin typeface="Consolas"/>
+                  <a:cs typeface="Consolas"/>
+                </a:rPr>
+                <a:t>nextVector</a:t>
+              </a:r>
+              <a:r>
+                <a:rPr lang="de-DE" sz="2800" dirty="0">
+                  <a:solidFill>
+                    <a:schemeClr val="tx1"/>
+                  </a:solidFill>
+                  <a:latin typeface="Consolas"/>
+                  <a:cs typeface="Consolas"/>
+                </a:rPr>
+                <a:t>);</a:t>
+              </a:r>
+            </a:p>
+            <a:p>
+              <a:pPr algn="ctr">
+                <a:lnSpc>
+                  <a:spcPct val="50000"/>
+                </a:lnSpc>
+              </a:pPr>
+              <a:endParaRPr lang="de-DE" sz="2800" dirty="0">
+                <a:solidFill>
+                  <a:schemeClr val="tx1"/>
+                </a:solidFill>
+                <a:latin typeface="Consolas"/>
+                <a:cs typeface="Consolas"/>
+              </a:endParaRPr>
+            </a:p>
+          </p:txBody>
+        </p:sp>
+        <p:grpSp>
+          <p:nvGrpSpPr>
+            <p:cNvPr id="104" name="Gruppierung 103"/>
+            <p:cNvGrpSpPr/>
+            <p:nvPr/>
+          </p:nvGrpSpPr>
+          <p:grpSpPr>
+            <a:xfrm>
+              <a:off x="11737454" y="11809537"/>
+              <a:ext cx="9289032" cy="2952328"/>
+              <a:chOff x="11737454" y="11521505"/>
+              <a:chExt cx="9289032" cy="2952328"/>
+            </a:xfrm>
+          </p:grpSpPr>
+          <p:sp>
+            <p:nvSpPr>
+              <p:cNvPr id="80" name="Rechteck 79"/>
+              <p:cNvSpPr/>
+              <p:nvPr/>
+            </p:nvSpPr>
+            <p:spPr>
+              <a:xfrm>
+                <a:off x="13609662" y="14041785"/>
+                <a:ext cx="3168352" cy="432048"/>
+              </a:xfrm>
+              <a:prstGeom prst="rect">
+                <a:avLst/>
+              </a:prstGeom>
+              <a:noFill/>
+              <a:ln>
+                <a:noFill/>
+              </a:ln>
+            </p:spPr>
+            <p:style>
+              <a:lnRef idx="1">
+                <a:schemeClr val="accent1"/>
+              </a:lnRef>
+              <a:fillRef idx="3">
+                <a:schemeClr val="accent1"/>
+              </a:fillRef>
+              <a:effectRef idx="2">
+                <a:schemeClr val="accent1"/>
+              </a:effectRef>
+              <a:fontRef idx="minor">
+                <a:schemeClr val="lt1"/>
+              </a:fontRef>
+            </p:style>
+            <p:txBody>
+              <a:bodyPr rtlCol="0" anchor="ctr"/>
+              <a:lstStyle/>
+              <a:p>
+                <a:pPr algn="ctr"/>
+                <a:r>
+                  <a:rPr lang="de-DE" sz="2400" dirty="0" smtClean="0">
+                    <a:solidFill>
+                      <a:schemeClr val="tx1"/>
+                    </a:solidFill>
+                    <a:latin typeface="Verdana"/>
+                    <a:cs typeface="Verdana"/>
+                  </a:rPr>
+                  <a:t>b</a:t>
+                </a:r>
+                <a:r>
+                  <a:rPr lang="de-DE" sz="2400" baseline="-25000" dirty="0" smtClean="0">
+                    <a:solidFill>
+                      <a:schemeClr val="tx1"/>
+                    </a:solidFill>
+                    <a:latin typeface="Verdana"/>
+                    <a:cs typeface="Verdana"/>
+                  </a:rPr>
+                  <a:t>i+1</a:t>
+                </a:r>
+                <a:endParaRPr lang="de-DE" sz="2400" baseline="-25000" dirty="0">
+                  <a:solidFill>
+                    <a:schemeClr val="tx1"/>
+                  </a:solidFill>
+                  <a:latin typeface="Verdana"/>
+                  <a:cs typeface="Verdana"/>
+                </a:endParaRPr>
+              </a:p>
+            </p:txBody>
+          </p:sp>
+          <p:grpSp>
+            <p:nvGrpSpPr>
+              <p:cNvPr id="103" name="Gruppierung 102"/>
+              <p:cNvGrpSpPr/>
+              <p:nvPr/>
+            </p:nvGrpSpPr>
+            <p:grpSpPr>
+              <a:xfrm>
+                <a:off x="11737454" y="11521505"/>
+                <a:ext cx="9289032" cy="2952328"/>
+                <a:chOff x="11737454" y="11449497"/>
+                <a:chExt cx="9289032" cy="2952328"/>
+              </a:xfrm>
+            </p:grpSpPr>
+            <p:sp>
+              <p:nvSpPr>
+                <p:cNvPr id="33" name="Rechteck 32"/>
+                <p:cNvSpPr/>
+                <p:nvPr/>
+              </p:nvSpPr>
+              <p:spPr>
+                <a:xfrm>
+                  <a:off x="11737454" y="12385601"/>
+                  <a:ext cx="2232248" cy="576064"/>
+                </a:xfrm>
+                <a:prstGeom prst="rect">
+                  <a:avLst/>
+                </a:prstGeom>
+                <a:solidFill>
+                  <a:srgbClr val="8EB4E3"/>
+                </a:solidFill>
+                <a:ln>
+                  <a:solidFill>
+                    <a:srgbClr val="1F497D"/>
+                  </a:solidFill>
+                </a:ln>
+              </p:spPr>
+              <p:style>
+                <a:lnRef idx="1">
+                  <a:schemeClr val="accent1"/>
+                </a:lnRef>
+                <a:fillRef idx="3">
+                  <a:schemeClr val="accent1"/>
+                </a:fillRef>
+                <a:effectRef idx="2">
+                  <a:schemeClr val="accent1"/>
+                </a:effectRef>
+                <a:fontRef idx="minor">
+                  <a:schemeClr val="lt1"/>
+                </a:fontRef>
+              </p:style>
+              <p:txBody>
+                <a:bodyPr rtlCol="0" anchor="ctr"/>
+                <a:lstStyle/>
+                <a:p>
+                  <a:pPr algn="ctr"/>
+                  <a:r>
+                    <a:rPr lang="de-DE" sz="2400" dirty="0" err="1" smtClean="0">
+                      <a:solidFill>
+                        <a:schemeClr val="tx1"/>
+                      </a:solidFill>
+                      <a:latin typeface="Verdana"/>
+                      <a:cs typeface="Verdana"/>
+                    </a:rPr>
+                    <a:t>solution</a:t>
+                  </a:r>
+                  <a:r>
+                    <a:rPr lang="de-DE" sz="2400" dirty="0" smtClean="0">
+                      <a:solidFill>
+                        <a:schemeClr val="tx1"/>
+                      </a:solidFill>
+                      <a:latin typeface="Verdana"/>
+                      <a:cs typeface="Verdana"/>
+                    </a:rPr>
+                    <a:t>: {}</a:t>
+                  </a:r>
+                  <a:endParaRPr lang="de-DE" sz="2400" dirty="0">
+                    <a:solidFill>
+                      <a:schemeClr val="tx1"/>
+                    </a:solidFill>
+                    <a:latin typeface="Verdana"/>
+                    <a:cs typeface="Verdana"/>
+                  </a:endParaRPr>
+                </a:p>
+              </p:txBody>
+            </p:sp>
+            <p:sp>
+              <p:nvSpPr>
+                <p:cNvPr id="78" name="Rechteck 77"/>
+                <p:cNvSpPr/>
+                <p:nvPr/>
+              </p:nvSpPr>
+              <p:spPr>
+                <a:xfrm>
+                  <a:off x="11737454" y="13177689"/>
+                  <a:ext cx="3240360" cy="576064"/>
+                </a:xfrm>
+                <a:prstGeom prst="rect">
+                  <a:avLst/>
+                </a:prstGeom>
+                <a:solidFill>
+                  <a:srgbClr val="8EB4E3"/>
+                </a:solidFill>
+                <a:ln>
+                  <a:solidFill>
+                    <a:srgbClr val="1F497D"/>
+                  </a:solidFill>
+                </a:ln>
+              </p:spPr>
+              <p:style>
+                <a:lnRef idx="1">
+                  <a:schemeClr val="accent1"/>
+                </a:lnRef>
+                <a:fillRef idx="3">
+                  <a:schemeClr val="accent1"/>
+                </a:fillRef>
+                <a:effectRef idx="2">
+                  <a:schemeClr val="accent1"/>
+                </a:effectRef>
+                <a:fontRef idx="minor">
+                  <a:schemeClr val="lt1"/>
+                </a:fontRef>
+              </p:style>
+              <p:txBody>
+                <a:bodyPr rtlCol="0" anchor="ctr"/>
+                <a:lstStyle/>
+                <a:p>
+                  <a:pPr algn="ctr"/>
+                  <a:r>
+                    <a:rPr lang="de-DE" sz="2400" dirty="0" err="1">
+                      <a:solidFill>
+                        <a:schemeClr val="tx1"/>
+                      </a:solidFill>
+                      <a:latin typeface="Verdana"/>
+                      <a:cs typeface="Verdana"/>
+                    </a:rPr>
+                    <a:t>w</a:t>
+                  </a:r>
+                  <a:r>
+                    <a:rPr lang="de-DE" sz="2400" dirty="0" err="1" smtClean="0">
+                      <a:solidFill>
+                        <a:schemeClr val="tx1"/>
+                      </a:solidFill>
+                      <a:latin typeface="Verdana"/>
+                      <a:cs typeface="Verdana"/>
+                    </a:rPr>
+                    <a:t>orkset</a:t>
+                  </a:r>
+                  <a:r>
+                    <a:rPr lang="de-DE" sz="2400" dirty="0" smtClean="0">
+                      <a:solidFill>
+                        <a:schemeClr val="tx1"/>
+                      </a:solidFill>
+                      <a:latin typeface="Verdana"/>
+                      <a:cs typeface="Verdana"/>
+                    </a:rPr>
+                    <a:t>: {u</a:t>
+                  </a:r>
+                  <a:r>
+                    <a:rPr lang="de-DE" sz="2400" baseline="-25000" dirty="0" smtClean="0">
+                      <a:solidFill>
+                        <a:schemeClr val="tx1"/>
+                      </a:solidFill>
+                      <a:latin typeface="Verdana"/>
+                      <a:cs typeface="Verdana"/>
+                    </a:rPr>
+                    <a:t>i-1</a:t>
+                  </a:r>
+                  <a:r>
+                    <a:rPr lang="de-DE" sz="2400" dirty="0" smtClean="0">
+                      <a:solidFill>
+                        <a:schemeClr val="tx1"/>
+                      </a:solidFill>
+                      <a:latin typeface="Verdana"/>
+                      <a:cs typeface="Verdana"/>
+                    </a:rPr>
+                    <a:t>,u</a:t>
+                  </a:r>
+                  <a:r>
+                    <a:rPr lang="de-DE" sz="2400" baseline="-25000" dirty="0">
+                      <a:solidFill>
+                        <a:schemeClr val="tx1"/>
+                      </a:solidFill>
+                      <a:latin typeface="Verdana"/>
+                      <a:cs typeface="Verdana"/>
+                    </a:rPr>
+                    <a:t>i</a:t>
+                  </a:r>
+                  <a:r>
+                    <a:rPr lang="de-DE" sz="2400" dirty="0" smtClean="0">
+                      <a:solidFill>
+                        <a:schemeClr val="tx1"/>
+                      </a:solidFill>
+                      <a:latin typeface="Verdana"/>
+                      <a:cs typeface="Verdana"/>
+                    </a:rPr>
+                    <a:t>,b</a:t>
+                  </a:r>
+                  <a:r>
+                    <a:rPr lang="de-DE" sz="2400" baseline="-25000" dirty="0">
+                      <a:solidFill>
+                        <a:schemeClr val="tx1"/>
+                      </a:solidFill>
+                      <a:latin typeface="Verdana"/>
+                      <a:cs typeface="Verdana"/>
+                    </a:rPr>
+                    <a:t>i</a:t>
+                  </a:r>
+                  <a:r>
+                    <a:rPr lang="de-DE" sz="2400" dirty="0" smtClean="0">
+                      <a:solidFill>
+                        <a:schemeClr val="tx1"/>
+                      </a:solidFill>
+                      <a:latin typeface="Verdana"/>
+                      <a:cs typeface="Verdana"/>
+                    </a:rPr>
+                    <a:t>}</a:t>
+                  </a:r>
+                  <a:endParaRPr lang="de-DE" sz="2400" dirty="0">
+                    <a:solidFill>
+                      <a:schemeClr val="tx1"/>
+                    </a:solidFill>
+                    <a:latin typeface="Verdana"/>
+                    <a:cs typeface="Verdana"/>
+                  </a:endParaRPr>
+                </a:p>
+              </p:txBody>
+            </p:sp>
+            <p:sp>
+              <p:nvSpPr>
+                <p:cNvPr id="79" name="Rechteck 78"/>
+                <p:cNvSpPr/>
+                <p:nvPr/>
+              </p:nvSpPr>
+              <p:spPr>
+                <a:xfrm>
+                  <a:off x="15553878" y="13177689"/>
+                  <a:ext cx="3168352" cy="576064"/>
+                </a:xfrm>
+                <a:prstGeom prst="rect">
+                  <a:avLst/>
+                </a:prstGeom>
+                <a:solidFill>
+                  <a:srgbClr val="8EB4E3"/>
+                </a:solidFill>
+                <a:ln>
+                  <a:solidFill>
+                    <a:srgbClr val="1F497D"/>
+                  </a:solidFill>
+                </a:ln>
+              </p:spPr>
+              <p:style>
+                <a:lnRef idx="1">
+                  <a:schemeClr val="accent1"/>
+                </a:lnRef>
+                <a:fillRef idx="3">
+                  <a:schemeClr val="accent1"/>
+                </a:fillRef>
+                <a:effectRef idx="2">
+                  <a:schemeClr val="accent1"/>
+                </a:effectRef>
+                <a:fontRef idx="minor">
+                  <a:schemeClr val="lt1"/>
+                </a:fontRef>
+              </p:style>
+              <p:txBody>
+                <a:bodyPr rtlCol="0" anchor="ctr"/>
+                <a:lstStyle/>
+                <a:p>
+                  <a:pPr algn="ctr"/>
+                  <a:r>
+                    <a:rPr lang="de-DE" sz="2400" dirty="0" err="1" smtClean="0">
+                      <a:solidFill>
+                        <a:schemeClr val="tx1"/>
+                      </a:solidFill>
+                      <a:latin typeface="Verdana"/>
+                      <a:cs typeface="Verdana"/>
+                    </a:rPr>
+                    <a:t>Calc</a:t>
+                  </a:r>
+                  <a:r>
+                    <a:rPr lang="de-DE" sz="2400" dirty="0" smtClean="0">
+                      <a:solidFill>
+                        <a:schemeClr val="tx1"/>
+                      </a:solidFill>
+                      <a:latin typeface="Verdana"/>
+                      <a:cs typeface="Verdana"/>
+                    </a:rPr>
+                    <a:t>: u</a:t>
+                  </a:r>
+                  <a:r>
+                    <a:rPr lang="de-DE" sz="2400" baseline="-25000" dirty="0" smtClean="0">
+                      <a:solidFill>
+                        <a:schemeClr val="tx1"/>
+                      </a:solidFill>
+                      <a:latin typeface="Verdana"/>
+                      <a:cs typeface="Verdana"/>
+                    </a:rPr>
+                    <a:t>i+1</a:t>
+                  </a:r>
+                  <a:r>
+                    <a:rPr lang="de-DE" sz="2400" dirty="0" smtClean="0">
+                      <a:solidFill>
+                        <a:schemeClr val="tx1"/>
+                      </a:solidFill>
+                      <a:latin typeface="Verdana"/>
+                      <a:cs typeface="Verdana"/>
+                    </a:rPr>
+                    <a:t>, a</a:t>
+                  </a:r>
+                  <a:r>
+                    <a:rPr lang="de-DE" sz="2400" baseline="-25000" dirty="0" smtClean="0">
+                      <a:solidFill>
+                        <a:schemeClr val="tx1"/>
+                      </a:solidFill>
+                      <a:latin typeface="Verdana"/>
+                      <a:cs typeface="Verdana"/>
+                    </a:rPr>
+                    <a:t>i</a:t>
+                  </a:r>
+                  <a:r>
+                    <a:rPr lang="de-DE" sz="2400" dirty="0" smtClean="0">
+                      <a:solidFill>
+                        <a:schemeClr val="tx1"/>
+                      </a:solidFill>
+                      <a:latin typeface="Verdana"/>
+                      <a:cs typeface="Verdana"/>
+                    </a:rPr>
+                    <a:t>, b</a:t>
+                  </a:r>
+                  <a:r>
+                    <a:rPr lang="de-DE" sz="2400" baseline="-25000" dirty="0" smtClean="0">
+                      <a:solidFill>
+                        <a:schemeClr val="tx1"/>
+                      </a:solidFill>
+                      <a:latin typeface="Verdana"/>
+                      <a:cs typeface="Verdana"/>
+                    </a:rPr>
+                    <a:t>i+1</a:t>
+                  </a:r>
+                  <a:endParaRPr lang="de-DE" sz="2400" baseline="-25000" dirty="0">
+                    <a:solidFill>
+                      <a:schemeClr val="tx1"/>
+                    </a:solidFill>
+                    <a:latin typeface="Verdana"/>
+                    <a:cs typeface="Verdana"/>
+                  </a:endParaRPr>
+                </a:p>
+              </p:txBody>
+            </p:sp>
+            <p:cxnSp>
+              <p:nvCxnSpPr>
+                <p:cNvPr id="39" name="Gewinkelte Verbindung 38"/>
+                <p:cNvCxnSpPr>
+                  <a:stCxn id="79" idx="2"/>
+                  <a:endCxn id="78" idx="2"/>
+                </p:cNvCxnSpPr>
+                <p:nvPr/>
+              </p:nvCxnSpPr>
+              <p:spPr>
+                <a:xfrm rot="5400000">
+                  <a:off x="15247844" y="11863543"/>
+                  <a:ext cx="12700" cy="3780420"/>
+                </a:xfrm>
+                <a:prstGeom prst="bentConnector3">
+                  <a:avLst>
+                    <a:gd name="adj1" fmla="val 1800000"/>
+                  </a:avLst>
+                </a:prstGeom>
+                <a:ln>
+                  <a:tailEnd type="arrow"/>
+                </a:ln>
+              </p:spPr>
+              <p:style>
+                <a:lnRef idx="2">
+                  <a:schemeClr val="accent1"/>
+                </a:lnRef>
+                <a:fillRef idx="0">
+                  <a:schemeClr val="accent1"/>
+                </a:fillRef>
+                <a:effectRef idx="1">
+                  <a:schemeClr val="accent1"/>
+                </a:effectRef>
+                <a:fontRef idx="minor">
+                  <a:schemeClr val="tx1"/>
+                </a:fontRef>
+              </p:style>
+            </p:cxnSp>
+            <p:cxnSp>
+              <p:nvCxnSpPr>
+                <p:cNvPr id="81" name="Gewinkelte Verbindung 80"/>
+                <p:cNvCxnSpPr>
+                  <a:stCxn id="79" idx="0"/>
+                  <a:endCxn id="33" idx="3"/>
+                </p:cNvCxnSpPr>
+                <p:nvPr/>
+              </p:nvCxnSpPr>
+              <p:spPr>
+                <a:xfrm rot="16200000" flipV="1">
+                  <a:off x="15301850" y="11341485"/>
+                  <a:ext cx="504056" cy="3168352"/>
+                </a:xfrm>
+                <a:prstGeom prst="bentConnector2">
+                  <a:avLst/>
+                </a:prstGeom>
+                <a:ln>
+                  <a:tailEnd type="arrow"/>
+                </a:ln>
+              </p:spPr>
+              <p:style>
+                <a:lnRef idx="2">
+                  <a:schemeClr val="accent1"/>
+                </a:lnRef>
+                <a:fillRef idx="0">
+                  <a:schemeClr val="accent1"/>
+                </a:fillRef>
+                <a:effectRef idx="1">
+                  <a:schemeClr val="accent1"/>
+                </a:effectRef>
+                <a:fontRef idx="minor">
+                  <a:schemeClr val="tx1"/>
+                </a:fontRef>
+              </p:style>
+            </p:cxnSp>
+            <p:sp>
+              <p:nvSpPr>
+                <p:cNvPr id="82" name="Rechteck 81"/>
+                <p:cNvSpPr/>
+                <p:nvPr/>
+              </p:nvSpPr>
+              <p:spPr>
+                <a:xfrm>
+                  <a:off x="14041710" y="12169577"/>
+                  <a:ext cx="3168352" cy="432048"/>
+                </a:xfrm>
+                <a:prstGeom prst="rect">
+                  <a:avLst/>
+                </a:prstGeom>
+                <a:noFill/>
+                <a:ln>
+                  <a:noFill/>
+                </a:ln>
+              </p:spPr>
+              <p:style>
+                <a:lnRef idx="1">
+                  <a:schemeClr val="accent1"/>
+                </a:lnRef>
+                <a:fillRef idx="3">
+                  <a:schemeClr val="accent1"/>
+                </a:fillRef>
+                <a:effectRef idx="2">
+                  <a:schemeClr val="accent1"/>
+                </a:effectRef>
+                <a:fontRef idx="minor">
+                  <a:schemeClr val="lt1"/>
+                </a:fontRef>
+              </p:style>
+              <p:txBody>
+                <a:bodyPr rtlCol="0" anchor="ctr"/>
+                <a:lstStyle/>
+                <a:p>
+                  <a:pPr algn="ctr"/>
+                  <a:r>
+                    <a:rPr lang="de-DE" sz="2400" dirty="0">
+                      <a:solidFill>
+                        <a:schemeClr val="tx1"/>
+                      </a:solidFill>
+                      <a:latin typeface="Verdana"/>
+                      <a:cs typeface="Verdana"/>
+                    </a:rPr>
+                    <a:t>u</a:t>
+                  </a:r>
+                  <a:r>
+                    <a:rPr lang="de-DE" sz="2400" baseline="-25000" dirty="0" smtClean="0">
+                      <a:solidFill>
+                        <a:schemeClr val="tx1"/>
+                      </a:solidFill>
+                      <a:latin typeface="Verdana"/>
+                      <a:cs typeface="Verdana"/>
+                    </a:rPr>
+                    <a:t>i</a:t>
+                  </a:r>
+                  <a:r>
+                    <a:rPr lang="de-DE" sz="2400" baseline="-25000" dirty="0">
+                      <a:solidFill>
+                        <a:schemeClr val="tx1"/>
+                      </a:solidFill>
+                      <a:latin typeface="Verdana"/>
+                      <a:cs typeface="Verdana"/>
+                    </a:rPr>
+                    <a:t>+</a:t>
+                  </a:r>
+                  <a:r>
+                    <a:rPr lang="de-DE" sz="2400" baseline="-25000" dirty="0" smtClean="0">
+                      <a:solidFill>
+                        <a:schemeClr val="tx1"/>
+                      </a:solidFill>
+                      <a:latin typeface="Verdana"/>
+                      <a:cs typeface="Verdana"/>
+                    </a:rPr>
+                    <a:t>1</a:t>
+                  </a:r>
+                  <a:r>
+                    <a:rPr lang="de-DE" sz="2400" dirty="0" smtClean="0">
+                      <a:solidFill>
+                        <a:schemeClr val="tx1"/>
+                      </a:solidFill>
+                      <a:latin typeface="Verdana"/>
+                      <a:cs typeface="Verdana"/>
+                    </a:rPr>
+                    <a:t>, a</a:t>
+                  </a:r>
+                  <a:r>
+                    <a:rPr lang="de-DE" sz="2400" baseline="-25000" dirty="0" smtClean="0">
+                      <a:solidFill>
+                        <a:schemeClr val="tx1"/>
+                      </a:solidFill>
+                      <a:latin typeface="Verdana"/>
+                      <a:cs typeface="Verdana"/>
+                    </a:rPr>
+                    <a:t>i</a:t>
+                  </a:r>
+                  <a:r>
+                    <a:rPr lang="de-DE" sz="2400" dirty="0" smtClean="0">
+                      <a:solidFill>
+                        <a:schemeClr val="tx1"/>
+                      </a:solidFill>
+                      <a:latin typeface="Verdana"/>
+                      <a:cs typeface="Verdana"/>
+                    </a:rPr>
+                    <a:t>, b</a:t>
+                  </a:r>
+                  <a:r>
+                    <a:rPr lang="de-DE" sz="2400" baseline="-25000" dirty="0" smtClean="0">
+                      <a:solidFill>
+                        <a:schemeClr val="tx1"/>
+                      </a:solidFill>
+                      <a:latin typeface="Verdana"/>
+                      <a:cs typeface="Verdana"/>
+                    </a:rPr>
+                    <a:t>i+1,</a:t>
+                  </a:r>
+                  <a:endParaRPr lang="de-DE" sz="2400" baseline="-25000" dirty="0">
+                    <a:solidFill>
+                      <a:schemeClr val="tx1"/>
+                    </a:solidFill>
+                    <a:latin typeface="Verdana"/>
+                    <a:cs typeface="Verdana"/>
+                  </a:endParaRPr>
+                </a:p>
+              </p:txBody>
+            </p:sp>
+            <p:sp>
+              <p:nvSpPr>
+                <p:cNvPr id="84" name="Rechteck 83"/>
+                <p:cNvSpPr/>
+                <p:nvPr/>
+              </p:nvSpPr>
+              <p:spPr>
+                <a:xfrm>
+                  <a:off x="17858134" y="11665521"/>
+                  <a:ext cx="3168352" cy="576064"/>
+                </a:xfrm>
+                <a:prstGeom prst="rect">
+                  <a:avLst/>
+                </a:prstGeom>
+                <a:solidFill>
+                  <a:schemeClr val="accent1">
+                    <a:lumMod val="40000"/>
+                    <a:lumOff val="60000"/>
+                  </a:schemeClr>
+                </a:solidFill>
+                <a:ln>
+                  <a:solidFill>
+                    <a:srgbClr val="17375E"/>
+                  </a:solidFill>
+                  <a:prstDash val="dash"/>
+                </a:ln>
+              </p:spPr>
+              <p:style>
+                <a:lnRef idx="1">
+                  <a:schemeClr val="accent1"/>
+                </a:lnRef>
+                <a:fillRef idx="3">
+                  <a:schemeClr val="accent1"/>
+                </a:fillRef>
+                <a:effectRef idx="2">
+                  <a:schemeClr val="accent1"/>
+                </a:effectRef>
+                <a:fontRef idx="minor">
+                  <a:schemeClr val="lt1"/>
+                </a:fontRef>
+              </p:style>
+              <p:txBody>
+                <a:bodyPr rtlCol="0" anchor="ctr"/>
+                <a:lstStyle/>
+                <a:p>
+                  <a:pPr algn="ctr"/>
+                  <a:r>
+                    <a:rPr lang="de-DE" sz="2400" dirty="0" smtClean="0">
+                      <a:solidFill>
+                        <a:schemeClr val="tx1"/>
+                      </a:solidFill>
+                      <a:latin typeface="Verdana"/>
+                      <a:cs typeface="Verdana"/>
+                    </a:rPr>
+                    <a:t>Orth(u</a:t>
+                  </a:r>
+                  <a:r>
+                    <a:rPr lang="de-DE" sz="2400" baseline="-25000" dirty="0" smtClean="0">
+                      <a:solidFill>
+                        <a:schemeClr val="tx1"/>
+                      </a:solidFill>
+                      <a:latin typeface="Verdana"/>
+                      <a:cs typeface="Verdana"/>
+                    </a:rPr>
+                    <a:t>i</a:t>
+                  </a:r>
+                  <a:r>
+                    <a:rPr lang="de-DE" sz="2400" baseline="-25000" dirty="0">
+                      <a:solidFill>
+                        <a:schemeClr val="tx1"/>
+                      </a:solidFill>
+                      <a:latin typeface="Verdana"/>
+                      <a:cs typeface="Verdana"/>
+                    </a:rPr>
+                    <a:t>+</a:t>
+                  </a:r>
+                  <a:r>
+                    <a:rPr lang="de-DE" sz="2400" baseline="-25000" dirty="0" smtClean="0">
+                      <a:solidFill>
+                        <a:schemeClr val="tx1"/>
+                      </a:solidFill>
+                      <a:latin typeface="Verdana"/>
+                      <a:cs typeface="Verdana"/>
+                    </a:rPr>
+                    <a:t>1</a:t>
+                  </a:r>
+                  <a:r>
+                    <a:rPr lang="de-DE" sz="2400" dirty="0" smtClean="0">
+                      <a:solidFill>
+                        <a:schemeClr val="tx1"/>
+                      </a:solidFill>
+                      <a:latin typeface="Verdana"/>
+                      <a:cs typeface="Verdana"/>
+                    </a:rPr>
+                    <a:t>, u</a:t>
+                  </a:r>
+                  <a:r>
+                    <a:rPr lang="de-DE" sz="2400" baseline="-25000" dirty="0" smtClean="0">
+                      <a:solidFill>
+                        <a:schemeClr val="tx1"/>
+                      </a:solidFill>
+                      <a:latin typeface="Verdana"/>
+                      <a:cs typeface="Verdana"/>
+                    </a:rPr>
+                    <a:t>1</a:t>
+                  </a:r>
+                  <a:r>
+                    <a:rPr lang="de-DE" sz="2400" dirty="0" smtClean="0">
+                      <a:solidFill>
+                        <a:schemeClr val="tx1"/>
+                      </a:solidFill>
+                      <a:latin typeface="Verdana"/>
+                      <a:cs typeface="Verdana"/>
+                    </a:rPr>
+                    <a:t>..u</a:t>
+                  </a:r>
+                  <a:r>
+                    <a:rPr lang="de-DE" sz="2400" baseline="-25000" dirty="0" smtClean="0">
+                      <a:solidFill>
+                        <a:schemeClr val="tx1"/>
+                      </a:solidFill>
+                      <a:latin typeface="Verdana"/>
+                      <a:cs typeface="Verdana"/>
+                    </a:rPr>
+                    <a:t>i-1)</a:t>
+                  </a:r>
+                  <a:endParaRPr lang="de-DE" sz="2400" baseline="-25000" dirty="0">
+                    <a:solidFill>
+                      <a:schemeClr val="tx1"/>
+                    </a:solidFill>
+                    <a:latin typeface="Verdana"/>
+                    <a:cs typeface="Verdana"/>
+                  </a:endParaRPr>
+                </a:p>
+              </p:txBody>
+            </p:sp>
+            <p:cxnSp>
+              <p:nvCxnSpPr>
+                <p:cNvPr id="88" name="Gewinkelte Verbindung 87"/>
+                <p:cNvCxnSpPr>
+                  <a:stCxn id="33" idx="0"/>
+                  <a:endCxn id="84" idx="1"/>
+                </p:cNvCxnSpPr>
+                <p:nvPr/>
+              </p:nvCxnSpPr>
+              <p:spPr>
+                <a:xfrm rot="5400000" flipH="1" flipV="1">
+                  <a:off x="15139832" y="9667299"/>
+                  <a:ext cx="432048" cy="5004556"/>
+                </a:xfrm>
+                <a:prstGeom prst="bentConnector2">
+                  <a:avLst/>
+                </a:prstGeom>
+                <a:ln>
+                  <a:solidFill>
+                    <a:schemeClr val="tx2">
+                      <a:lumMod val="75000"/>
+                    </a:schemeClr>
+                  </a:solidFill>
+                  <a:prstDash val="dash"/>
+                  <a:tailEnd type="arrow"/>
+                </a:ln>
+              </p:spPr>
+              <p:style>
+                <a:lnRef idx="2">
+                  <a:schemeClr val="accent1"/>
+                </a:lnRef>
+                <a:fillRef idx="0">
+                  <a:schemeClr val="accent1"/>
+                </a:fillRef>
+                <a:effectRef idx="1">
+                  <a:schemeClr val="accent1"/>
+                </a:effectRef>
+                <a:fontRef idx="minor">
+                  <a:schemeClr val="tx1"/>
+                </a:fontRef>
+              </p:style>
+            </p:cxnSp>
+            <p:sp>
+              <p:nvSpPr>
+                <p:cNvPr id="90" name="Rechteck 89"/>
+                <p:cNvSpPr/>
+                <p:nvPr/>
+              </p:nvSpPr>
+              <p:spPr>
+                <a:xfrm>
+                  <a:off x="14113718" y="11449497"/>
+                  <a:ext cx="3168352" cy="432048"/>
+                </a:xfrm>
+                <a:prstGeom prst="rect">
+                  <a:avLst/>
+                </a:prstGeom>
+                <a:noFill/>
+                <a:ln>
+                  <a:noFill/>
+                </a:ln>
+              </p:spPr>
+              <p:style>
+                <a:lnRef idx="1">
+                  <a:schemeClr val="accent1"/>
+                </a:lnRef>
+                <a:fillRef idx="3">
+                  <a:schemeClr val="accent1"/>
+                </a:fillRef>
+                <a:effectRef idx="2">
+                  <a:schemeClr val="accent1"/>
+                </a:effectRef>
+                <a:fontRef idx="minor">
+                  <a:schemeClr val="lt1"/>
+                </a:fontRef>
+              </p:style>
+              <p:txBody>
+                <a:bodyPr rtlCol="0" anchor="ctr"/>
+                <a:lstStyle/>
+                <a:p>
+                  <a:pPr algn="ctr"/>
+                  <a:r>
+                    <a:rPr lang="de-DE" sz="2400" dirty="0">
+                      <a:solidFill>
+                        <a:schemeClr val="tx1"/>
+                      </a:solidFill>
+                      <a:latin typeface="Verdana"/>
+                      <a:cs typeface="Verdana"/>
+                    </a:rPr>
+                    <a:t>u</a:t>
+                  </a:r>
+                  <a:r>
+                    <a:rPr lang="de-DE" sz="2400" baseline="-25000" dirty="0">
+                      <a:solidFill>
+                        <a:schemeClr val="tx1"/>
+                      </a:solidFill>
+                      <a:latin typeface="Verdana"/>
+                      <a:cs typeface="Verdana"/>
+                    </a:rPr>
+                    <a:t>1</a:t>
+                  </a:r>
+                  <a:r>
+                    <a:rPr lang="de-DE" sz="2400" dirty="0">
+                      <a:solidFill>
+                        <a:schemeClr val="tx1"/>
+                      </a:solidFill>
+                      <a:latin typeface="Verdana"/>
+                      <a:cs typeface="Verdana"/>
+                    </a:rPr>
+                    <a:t>..u</a:t>
+                  </a:r>
+                  <a:r>
+                    <a:rPr lang="de-DE" sz="2400" baseline="-25000" dirty="0">
+                      <a:solidFill>
+                        <a:schemeClr val="tx1"/>
+                      </a:solidFill>
+                      <a:latin typeface="Verdana"/>
+                      <a:cs typeface="Verdana"/>
+                    </a:rPr>
+                    <a:t>i-</a:t>
+                  </a:r>
+                  <a:r>
+                    <a:rPr lang="de-DE" sz="2400" baseline="-25000" dirty="0" smtClean="0">
+                      <a:solidFill>
+                        <a:schemeClr val="tx1"/>
+                      </a:solidFill>
+                      <a:latin typeface="Verdana"/>
+                      <a:cs typeface="Verdana"/>
+                    </a:rPr>
+                    <a:t>1</a:t>
+                  </a:r>
+                  <a:endParaRPr lang="de-DE" sz="2400" baseline="-25000" dirty="0">
+                    <a:solidFill>
+                      <a:schemeClr val="tx1"/>
+                    </a:solidFill>
+                    <a:latin typeface="Verdana"/>
+                    <a:cs typeface="Verdana"/>
+                  </a:endParaRPr>
+                </a:p>
+              </p:txBody>
+            </p:sp>
+            <p:cxnSp>
+              <p:nvCxnSpPr>
+                <p:cNvPr id="94" name="Gewinkelte Verbindung 93"/>
+                <p:cNvCxnSpPr>
+                  <a:stCxn id="84" idx="2"/>
+                </p:cNvCxnSpPr>
+                <p:nvPr/>
+              </p:nvCxnSpPr>
+              <p:spPr>
+                <a:xfrm rot="5400000">
+                  <a:off x="17426086" y="11953553"/>
+                  <a:ext cx="1728192" cy="2304256"/>
+                </a:xfrm>
+                <a:prstGeom prst="bentConnector2">
+                  <a:avLst/>
+                </a:prstGeom>
+                <a:ln>
+                  <a:solidFill>
+                    <a:srgbClr val="17375E"/>
+                  </a:solidFill>
+                  <a:prstDash val="dash"/>
+                </a:ln>
+              </p:spPr>
+              <p:style>
+                <a:lnRef idx="2">
+                  <a:schemeClr val="accent1"/>
+                </a:lnRef>
+                <a:fillRef idx="0">
+                  <a:schemeClr val="accent1"/>
+                </a:fillRef>
+                <a:effectRef idx="1">
+                  <a:schemeClr val="accent1"/>
+                </a:effectRef>
+                <a:fontRef idx="minor">
+                  <a:schemeClr val="tx1"/>
+                </a:fontRef>
+              </p:style>
+            </p:cxnSp>
+            <p:sp>
+              <p:nvSpPr>
+                <p:cNvPr id="97" name="Rechteck 96"/>
+                <p:cNvSpPr/>
+                <p:nvPr/>
+              </p:nvSpPr>
+              <p:spPr>
+                <a:xfrm>
+                  <a:off x="16706006" y="13969777"/>
+                  <a:ext cx="3168352" cy="432048"/>
+                </a:xfrm>
+                <a:prstGeom prst="rect">
+                  <a:avLst/>
+                </a:prstGeom>
+                <a:noFill/>
+                <a:ln>
+                  <a:noFill/>
+                </a:ln>
+              </p:spPr>
+              <p:style>
+                <a:lnRef idx="1">
+                  <a:schemeClr val="accent1"/>
+                </a:lnRef>
+                <a:fillRef idx="3">
+                  <a:schemeClr val="accent1"/>
+                </a:fillRef>
+                <a:effectRef idx="2">
+                  <a:schemeClr val="accent1"/>
+                </a:effectRef>
+                <a:fontRef idx="minor">
+                  <a:schemeClr val="lt1"/>
+                </a:fontRef>
+              </p:style>
+              <p:txBody>
+                <a:bodyPr rtlCol="0" anchor="ctr"/>
+                <a:lstStyle/>
+                <a:p>
+                  <a:pPr algn="ctr"/>
+                  <a:r>
+                    <a:rPr lang="de-DE" sz="2400" dirty="0" smtClean="0">
+                      <a:solidFill>
+                        <a:schemeClr val="tx1"/>
+                      </a:solidFill>
+                      <a:latin typeface="Verdana"/>
+                      <a:cs typeface="Verdana"/>
+                    </a:rPr>
+                    <a:t>u</a:t>
+                  </a:r>
+                  <a:r>
+                    <a:rPr lang="de-DE" sz="2400" baseline="-25000" dirty="0" smtClean="0">
+                      <a:solidFill>
+                        <a:schemeClr val="tx1"/>
+                      </a:solidFill>
+                      <a:latin typeface="Verdana"/>
+                      <a:cs typeface="Verdana"/>
+                    </a:rPr>
+                    <a:t>i+1</a:t>
+                  </a:r>
+                  <a:endParaRPr lang="de-DE" sz="2400" baseline="-25000" dirty="0">
+                    <a:solidFill>
+                      <a:schemeClr val="tx1"/>
+                    </a:solidFill>
+                    <a:latin typeface="Verdana"/>
+                    <a:cs typeface="Verdana"/>
+                  </a:endParaRPr>
+                </a:p>
+              </p:txBody>
+            </p:sp>
+            <p:cxnSp>
+              <p:nvCxnSpPr>
+                <p:cNvPr id="101" name="Gerade Verbindung mit Pfeil 100"/>
+                <p:cNvCxnSpPr/>
+                <p:nvPr/>
+              </p:nvCxnSpPr>
+              <p:spPr>
+                <a:xfrm flipV="1">
+                  <a:off x="18362190" y="12241585"/>
+                  <a:ext cx="0" cy="936104"/>
+                </a:xfrm>
+                <a:prstGeom prst="straightConnector1">
+                  <a:avLst/>
+                </a:prstGeom>
+                <a:ln>
+                  <a:solidFill>
+                    <a:srgbClr val="17375E"/>
+                  </a:solidFill>
+                  <a:prstDash val="dash"/>
+                  <a:tailEnd type="arrow"/>
+                </a:ln>
+              </p:spPr>
+              <p:style>
+                <a:lnRef idx="2">
+                  <a:schemeClr val="accent1"/>
+                </a:lnRef>
+                <a:fillRef idx="0">
+                  <a:schemeClr val="accent1"/>
+                </a:fillRef>
+                <a:effectRef idx="1">
+                  <a:schemeClr val="accent1"/>
+                </a:effectRef>
+                <a:fontRef idx="minor">
+                  <a:schemeClr val="tx1"/>
+                </a:fontRef>
+              </p:style>
+            </p:cxnSp>
+            <p:sp>
+              <p:nvSpPr>
+                <p:cNvPr id="102" name="Rechteck 101"/>
+                <p:cNvSpPr/>
+                <p:nvPr/>
+              </p:nvSpPr>
+              <p:spPr>
+                <a:xfrm>
+                  <a:off x="16417974" y="12313593"/>
+                  <a:ext cx="3168352" cy="432048"/>
+                </a:xfrm>
+                <a:prstGeom prst="rect">
+                  <a:avLst/>
+                </a:prstGeom>
+                <a:noFill/>
+                <a:ln>
+                  <a:noFill/>
+                </a:ln>
+              </p:spPr>
+              <p:style>
+                <a:lnRef idx="1">
+                  <a:schemeClr val="accent1"/>
+                </a:lnRef>
+                <a:fillRef idx="3">
+                  <a:schemeClr val="accent1"/>
+                </a:fillRef>
+                <a:effectRef idx="2">
+                  <a:schemeClr val="accent1"/>
+                </a:effectRef>
+                <a:fontRef idx="minor">
+                  <a:schemeClr val="lt1"/>
+                </a:fontRef>
+              </p:style>
+              <p:txBody>
+                <a:bodyPr rtlCol="0" anchor="ctr"/>
+                <a:lstStyle/>
+                <a:p>
+                  <a:pPr algn="ctr"/>
+                  <a:r>
+                    <a:rPr lang="de-DE" sz="2400" dirty="0" smtClean="0">
+                      <a:solidFill>
+                        <a:schemeClr val="tx1"/>
+                      </a:solidFill>
+                      <a:latin typeface="Verdana"/>
+                      <a:cs typeface="Verdana"/>
+                    </a:rPr>
+                    <a:t>u</a:t>
+                  </a:r>
+                  <a:r>
+                    <a:rPr lang="de-DE" sz="2400" baseline="-25000" dirty="0" smtClean="0">
+                      <a:solidFill>
+                        <a:schemeClr val="tx1"/>
+                      </a:solidFill>
+                      <a:latin typeface="Verdana"/>
+                      <a:cs typeface="Verdana"/>
+                    </a:rPr>
+                    <a:t>i+1</a:t>
+                  </a:r>
+                  <a:endParaRPr lang="de-DE" sz="2400" baseline="-25000" dirty="0">
+                    <a:solidFill>
+                      <a:schemeClr val="tx1"/>
+                    </a:solidFill>
+                    <a:latin typeface="Verdana"/>
+                    <a:cs typeface="Verdana"/>
+                  </a:endParaRPr>
+                </a:p>
+              </p:txBody>
+            </p:sp>
+          </p:grpSp>
+        </p:grpSp>
+        <p:cxnSp>
+          <p:nvCxnSpPr>
+            <p:cNvPr id="106" name="Gerade Verbindung 105"/>
+            <p:cNvCxnSpPr/>
+            <p:nvPr/>
+          </p:nvCxnSpPr>
+          <p:spPr>
+            <a:xfrm>
+              <a:off x="11449422" y="15769977"/>
+              <a:ext cx="9721080" cy="0"/>
+            </a:xfrm>
+            <a:prstGeom prst="line">
+              <a:avLst/>
+            </a:prstGeom>
+          </p:spPr>
+          <p:style>
+            <a:lnRef idx="2">
+              <a:schemeClr val="accent1"/>
+            </a:lnRef>
+            <a:fillRef idx="0">
+              <a:schemeClr val="accent1"/>
+            </a:fillRef>
+            <a:effectRef idx="1">
+              <a:schemeClr val="accent1"/>
+            </a:effectRef>
+            <a:fontRef idx="minor">
+              <a:schemeClr val="tx1"/>
+            </a:fontRef>
+          </p:style>
+        </p:cxnSp>
+        <p:cxnSp>
+          <p:nvCxnSpPr>
+            <p:cNvPr id="107" name="Gerade Verbindung 106"/>
+            <p:cNvCxnSpPr/>
+            <p:nvPr/>
+          </p:nvCxnSpPr>
+          <p:spPr>
+            <a:xfrm>
+              <a:off x="11449422" y="19082345"/>
+              <a:ext cx="9721080" cy="0"/>
+            </a:xfrm>
+            <a:prstGeom prst="line">
+              <a:avLst/>
+            </a:prstGeom>
+          </p:spPr>
+          <p:style>
+            <a:lnRef idx="2">
+              <a:schemeClr val="accent1"/>
+            </a:lnRef>
+            <a:fillRef idx="0">
+              <a:schemeClr val="accent1"/>
+            </a:fillRef>
+            <a:effectRef idx="1">
+              <a:schemeClr val="accent1"/>
+            </a:effectRef>
+            <a:fontRef idx="minor">
+              <a:schemeClr val="tx1"/>
+            </a:fontRef>
+          </p:style>
+        </p:cxnSp>
+      </p:grpSp>
+      <p:grpSp>
+        <p:nvGrpSpPr>
+          <p:cNvPr id="115" name="Gruppierung 114"/>
+          <p:cNvGrpSpPr/>
+          <p:nvPr/>
+        </p:nvGrpSpPr>
+        <p:grpSpPr>
+          <a:xfrm>
+            <a:off x="11017374" y="25985839"/>
+            <a:ext cx="10657334" cy="6408937"/>
+            <a:chOff x="11449422" y="23906881"/>
+            <a:chExt cx="10657334" cy="6408937"/>
+          </a:xfrm>
+        </p:grpSpPr>
+        <p:sp>
+          <p:nvSpPr>
+            <p:cNvPr id="109" name="Rechteck 108"/>
+            <p:cNvSpPr/>
+            <p:nvPr/>
+          </p:nvSpPr>
+          <p:spPr>
+            <a:xfrm>
+              <a:off x="11449422" y="23906881"/>
+              <a:ext cx="10585326" cy="6408937"/>
+            </a:xfrm>
+            <a:prstGeom prst="rect">
+              <a:avLst/>
+            </a:prstGeom>
+            <a:solidFill>
+              <a:schemeClr val="accent1">
+                <a:lumMod val="20000"/>
+                <a:lumOff val="80000"/>
+              </a:schemeClr>
+            </a:solidFill>
+            <a:ln w="76200" cmpd="sng">
+              <a:solidFill>
+                <a:schemeClr val="tx2"/>
+              </a:solidFill>
+            </a:ln>
+          </p:spPr>
+          <p:style>
+            <a:lnRef idx="1">
+              <a:schemeClr val="accent1"/>
+            </a:lnRef>
+            <a:fillRef idx="3">
+              <a:schemeClr val="accent1"/>
+            </a:fillRef>
+            <a:effectRef idx="2">
+              <a:schemeClr val="accent1"/>
+            </a:effectRef>
+            <a:fontRef idx="minor">
+              <a:schemeClr val="lt1"/>
+            </a:fontRef>
+          </p:style>
+          <p:txBody>
+            <a:bodyPr rtlCol="0" anchor="ctr"/>
+            <a:lstStyle/>
+            <a:p>
+              <a:pPr algn="ctr"/>
+              <a:endParaRPr lang="de-DE" dirty="0">
+                <a:solidFill>
+                  <a:schemeClr val="tx2">
+                    <a:lumMod val="75000"/>
+                  </a:schemeClr>
+                </a:solidFill>
+              </a:endParaRPr>
+            </a:p>
+          </p:txBody>
+        </p:sp>
+        <p:sp>
+          <p:nvSpPr>
+            <p:cNvPr id="110" name="Rechteck 109"/>
+            <p:cNvSpPr/>
+            <p:nvPr/>
+          </p:nvSpPr>
+          <p:spPr>
+            <a:xfrm>
+              <a:off x="11953479" y="24194914"/>
+              <a:ext cx="8641109" cy="707886"/>
+            </a:xfrm>
+            <a:prstGeom prst="rect">
+              <a:avLst/>
+            </a:prstGeom>
+          </p:spPr>
+          <p:txBody>
+            <a:bodyPr wrap="square">
+              <a:spAutoFit/>
+            </a:bodyPr>
+            <a:lstStyle/>
+            <a:p>
+              <a:r>
+                <a:rPr lang="de-DE" sz="4000" b="1" dirty="0" smtClean="0">
+                  <a:solidFill>
+                    <a:schemeClr val="tx2"/>
+                  </a:solidFill>
+                  <a:latin typeface="Verdana"/>
+                  <a:cs typeface="Verdana"/>
+                </a:rPr>
+                <a:t>7</a:t>
+              </a:r>
+              <a:r>
+                <a:rPr lang="de-DE" sz="4000" b="1" dirty="0" smtClean="0">
+                  <a:solidFill>
+                    <a:schemeClr val="tx2"/>
+                  </a:solidFill>
+                  <a:latin typeface="Verdana"/>
+                  <a:cs typeface="Verdana"/>
+                </a:rPr>
+                <a:t>. </a:t>
+              </a:r>
+              <a:r>
+                <a:rPr lang="de-DE" sz="4000" b="1" dirty="0" err="1" smtClean="0">
+                  <a:solidFill>
+                    <a:schemeClr val="tx2"/>
+                  </a:solidFill>
+                  <a:latin typeface="Verdana"/>
+                  <a:cs typeface="Verdana"/>
+                </a:rPr>
+                <a:t>Conclusion</a:t>
+              </a:r>
+              <a:endParaRPr lang="de-DE" sz="4000" b="1" dirty="0">
+                <a:solidFill>
+                  <a:schemeClr val="tx2"/>
+                </a:solidFill>
+                <a:latin typeface="Verdana"/>
+                <a:cs typeface="Verdana"/>
+              </a:endParaRPr>
+            </a:p>
+          </p:txBody>
+        </p:sp>
+        <p:sp>
+          <p:nvSpPr>
+            <p:cNvPr id="111" name="Textfeld 110"/>
+            <p:cNvSpPr txBox="1"/>
+            <p:nvPr/>
+          </p:nvSpPr>
+          <p:spPr>
+            <a:xfrm>
+              <a:off x="12025636" y="24987002"/>
+              <a:ext cx="10081120" cy="646331"/>
+            </a:xfrm>
+            <a:prstGeom prst="rect">
+              <a:avLst/>
+            </a:prstGeom>
+            <a:noFill/>
+          </p:spPr>
+          <p:txBody>
+            <a:bodyPr wrap="square" rtlCol="0">
+              <a:spAutoFit/>
+            </a:bodyPr>
+            <a:lstStyle/>
+            <a:p>
+              <a:r>
+                <a:rPr lang="de-DE" sz="3600" dirty="0" err="1" smtClean="0"/>
+                <a:t>Missing</a:t>
+              </a:r>
+              <a:r>
+                <a:rPr lang="de-DE" sz="3600" dirty="0" smtClean="0"/>
+                <a:t> </a:t>
+              </a:r>
+              <a:r>
+                <a:rPr lang="de-DE" sz="3600" dirty="0" err="1" smtClean="0"/>
+                <a:t>support</a:t>
+              </a:r>
+              <a:r>
+                <a:rPr lang="de-DE" sz="3600" dirty="0" smtClean="0"/>
+                <a:t> </a:t>
+              </a:r>
+              <a:r>
+                <a:rPr lang="de-DE" sz="3600" dirty="0" err="1" smtClean="0"/>
+                <a:t>for</a:t>
+              </a:r>
+              <a:r>
+                <a:rPr lang="de-DE" sz="3600" dirty="0" smtClean="0"/>
+                <a:t> </a:t>
+              </a:r>
+              <a:r>
+                <a:rPr lang="de-DE" sz="3600" dirty="0" err="1" smtClean="0"/>
+                <a:t>nested</a:t>
+              </a:r>
+              <a:r>
+                <a:rPr lang="de-DE" sz="3600" dirty="0" smtClean="0"/>
+                <a:t> </a:t>
+              </a:r>
+              <a:r>
+                <a:rPr lang="de-DE" sz="3600" dirty="0" err="1" smtClean="0"/>
+                <a:t>iterations</a:t>
+              </a:r>
+              <a:r>
+                <a:rPr lang="de-DE" sz="3600" dirty="0" smtClean="0"/>
+                <a:t> </a:t>
+              </a:r>
+              <a:r>
+                <a:rPr lang="de-DE" sz="3600" dirty="0" err="1" smtClean="0"/>
+                <a:t>frustrating</a:t>
+              </a:r>
+              <a:endParaRPr lang="de-DE" sz="3600" dirty="0" smtClean="0"/>
+            </a:p>
+          </p:txBody>
+        </p:sp>
+      </p:grpSp>
     </p:spTree>
     <p:extLst>
       <p:ext uri="{BB962C8B-B14F-4D97-AF65-F5344CB8AC3E}">

--- a/doc/Poster.pptx
+++ b/doc/Poster.pptx
@@ -6114,9 +6114,9 @@
         <p:grpSpPr>
           <a:xfrm>
             <a:off x="11017374" y="3600625"/>
-            <a:ext cx="10585326" cy="13753528"/>
+            <a:ext cx="10585326" cy="16250427"/>
             <a:chOff x="11017374" y="8857209"/>
-            <a:chExt cx="10585326" cy="13753528"/>
+            <a:chExt cx="10585326" cy="16250427"/>
           </a:xfrm>
         </p:grpSpPr>
         <p:sp>
@@ -6128,7 +6128,7 @@
           <p:spPr>
             <a:xfrm>
               <a:off x="11017374" y="8857209"/>
-              <a:ext cx="10585326" cy="13753528"/>
+              <a:ext cx="10585326" cy="15841760"/>
             </a:xfrm>
             <a:prstGeom prst="rect">
               <a:avLst/>
@@ -6234,7 +6234,7 @@
           <p:spPr>
             <a:xfrm>
               <a:off x="11593438" y="9937329"/>
-              <a:ext cx="9685787" cy="10138161"/>
+              <a:ext cx="9685787" cy="15170307"/>
             </a:xfrm>
             <a:prstGeom prst="rect">
               <a:avLst/>
@@ -6546,41 +6546,6 @@
               <a:endParaRPr lang="de-DE" sz="3600" dirty="0" smtClean="0"/>
             </a:p>
             <a:p>
-              <a:pPr marL="571500" indent="-571500">
-                <a:buFont typeface="Arial"/>
-                <a:buChar char="•"/>
-              </a:pPr>
-              <a:r>
-                <a:rPr lang="de-DE" sz="3600" dirty="0" err="1" smtClean="0"/>
-                <a:t>Possible</a:t>
-              </a:r>
-              <a:r>
-                <a:rPr lang="de-DE" sz="3600" dirty="0" smtClean="0"/>
-                <a:t>, but </a:t>
-              </a:r>
-              <a:r>
-                <a:rPr lang="de-DE" sz="3600" dirty="0" err="1" smtClean="0"/>
-                <a:t>undermines</a:t>
-              </a:r>
-              <a:r>
-                <a:rPr lang="de-DE" sz="3600" dirty="0" smtClean="0"/>
-                <a:t> </a:t>
-              </a:r>
-              <a:r>
-                <a:rPr lang="de-DE" sz="3600" dirty="0" err="1" smtClean="0"/>
-                <a:t>Flinks</a:t>
-              </a:r>
-              <a:r>
-                <a:rPr lang="de-DE" sz="3600" dirty="0" smtClean="0"/>
-                <a:t> </a:t>
-              </a:r>
-              <a:r>
-                <a:rPr lang="de-DE" sz="3600" dirty="0" err="1" smtClean="0"/>
-                <a:t>advantages</a:t>
-              </a:r>
-              <a:endParaRPr lang="de-DE" sz="3600" dirty="0" smtClean="0"/>
-            </a:p>
-            <a:p>
               <a:pPr>
                 <a:lnSpc>
                   <a:spcPct val="150000"/>
@@ -6603,6 +6568,196 @@
                 <a:t>construction</a:t>
               </a:r>
               <a:endParaRPr lang="de-DE" sz="3600" u="sng" dirty="0" smtClean="0"/>
+            </a:p>
+            <a:p>
+              <a:pPr marL="571500" indent="-571500">
+                <a:buFont typeface="Arial"/>
+                <a:buChar char="•"/>
+              </a:pPr>
+              <a:r>
+                <a:rPr lang="de-DE" sz="3600" dirty="0" err="1" smtClean="0"/>
+                <a:t>One</a:t>
+              </a:r>
+              <a:r>
+                <a:rPr lang="de-DE" sz="3600" dirty="0" smtClean="0"/>
+                <a:t> </a:t>
+              </a:r>
+              <a:r>
+                <a:rPr lang="de-DE" sz="3600" dirty="0" err="1" smtClean="0"/>
+                <a:t>iteration</a:t>
+              </a:r>
+              <a:r>
+                <a:rPr lang="de-DE" sz="3600" dirty="0" smtClean="0"/>
+                <a:t> </a:t>
+              </a:r>
+              <a:r>
+                <a:rPr lang="de-DE" sz="3600" dirty="0" err="1" smtClean="0"/>
+                <a:t>step</a:t>
+              </a:r>
+              <a:r>
+                <a:rPr lang="de-DE" sz="3600" dirty="0" smtClean="0"/>
+                <a:t> </a:t>
+              </a:r>
+              <a:r>
+                <a:rPr lang="de-DE" sz="3600" dirty="0" err="1" smtClean="0"/>
+                <a:t>modelled</a:t>
+              </a:r>
+              <a:r>
+                <a:rPr lang="de-DE" sz="3600" dirty="0" smtClean="0"/>
+                <a:t> </a:t>
+              </a:r>
+              <a:r>
+                <a:rPr lang="de-DE" sz="3600" dirty="0" err="1" smtClean="0"/>
+                <a:t>as</a:t>
+              </a:r>
+              <a:r>
+                <a:rPr lang="de-DE" sz="3600" dirty="0" smtClean="0"/>
+                <a:t> </a:t>
+              </a:r>
+              <a:r>
+                <a:rPr lang="de-DE" sz="3600" dirty="0" err="1" smtClean="0"/>
+                <a:t>data</a:t>
+              </a:r>
+              <a:r>
+                <a:rPr lang="de-DE" sz="3600" dirty="0" smtClean="0"/>
+                <a:t> </a:t>
+              </a:r>
+              <a:r>
+                <a:rPr lang="de-DE" sz="3600" dirty="0" err="1" smtClean="0"/>
+                <a:t>flow</a:t>
+              </a:r>
+              <a:endParaRPr lang="de-DE" sz="3600" dirty="0" smtClean="0"/>
+            </a:p>
+            <a:p>
+              <a:pPr marL="571500" indent="-571500">
+                <a:buFont typeface="Arial"/>
+                <a:buChar char="•"/>
+              </a:pPr>
+              <a:endParaRPr lang="de-DE" sz="3600" dirty="0" smtClean="0"/>
+            </a:p>
+            <a:p>
+              <a:pPr marL="571500" indent="-571500">
+                <a:buFont typeface="Arial"/>
+                <a:buChar char="•"/>
+              </a:pPr>
+              <a:endParaRPr lang="de-DE" sz="3600" dirty="0"/>
+            </a:p>
+            <a:p>
+              <a:pPr marL="571500" indent="-571500">
+                <a:buFont typeface="Arial"/>
+                <a:buChar char="•"/>
+              </a:pPr>
+              <a:endParaRPr lang="de-DE" sz="3600" dirty="0" smtClean="0"/>
+            </a:p>
+            <a:p>
+              <a:pPr marL="571500" indent="-571500">
+                <a:buFont typeface="Arial"/>
+                <a:buChar char="•"/>
+              </a:pPr>
+              <a:endParaRPr lang="de-DE" sz="3600" dirty="0" smtClean="0"/>
+            </a:p>
+            <a:p>
+              <a:pPr marL="571500" indent="-571500">
+                <a:buFont typeface="Arial"/>
+                <a:buChar char="•"/>
+              </a:pPr>
+              <a:r>
+                <a:rPr lang="de-DE" sz="3600" dirty="0" smtClean="0"/>
+                <a:t>Iteration </a:t>
+              </a:r>
+              <a:r>
+                <a:rPr lang="de-DE" sz="3600" dirty="0" err="1" smtClean="0"/>
+                <a:t>is</a:t>
+              </a:r>
+              <a:r>
+                <a:rPr lang="de-DE" sz="3600" dirty="0" smtClean="0"/>
+                <a:t> </a:t>
+              </a:r>
+              <a:r>
+                <a:rPr lang="de-DE" sz="3600" dirty="0" err="1" smtClean="0"/>
+                <a:t>modelled</a:t>
+              </a:r>
+              <a:r>
+                <a:rPr lang="de-DE" sz="3600" dirty="0" smtClean="0"/>
+                <a:t> </a:t>
+              </a:r>
+              <a:r>
+                <a:rPr lang="de-DE" sz="3600" dirty="0" err="1" smtClean="0"/>
+                <a:t>by</a:t>
+              </a:r>
+              <a:r>
+                <a:rPr lang="de-DE" sz="3600" dirty="0" smtClean="0"/>
+                <a:t> </a:t>
+              </a:r>
+              <a:r>
+                <a:rPr lang="de-DE" sz="3600" dirty="0" err="1" smtClean="0"/>
+                <a:t>concatinating</a:t>
+              </a:r>
+              <a:r>
+                <a:rPr lang="de-DE" sz="3600" dirty="0" smtClean="0"/>
+                <a:t> </a:t>
+              </a:r>
+              <a:r>
+                <a:rPr lang="de-DE" sz="3600" dirty="0" err="1" smtClean="0"/>
+                <a:t>steps</a:t>
+              </a:r>
+              <a:endParaRPr lang="de-DE" sz="3600" dirty="0" smtClean="0"/>
+            </a:p>
+            <a:p>
+              <a:pPr marL="571500" indent="-571500">
+                <a:buFont typeface="Arial"/>
+                <a:buChar char="•"/>
+              </a:pPr>
+              <a:endParaRPr lang="de-DE" sz="3600" dirty="0"/>
+            </a:p>
+            <a:p>
+              <a:endParaRPr lang="de-DE" sz="3600" dirty="0"/>
+            </a:p>
+            <a:p>
+              <a:pPr marL="571500" indent="-571500">
+                <a:lnSpc>
+                  <a:spcPct val="150000"/>
+                </a:lnSpc>
+                <a:buFont typeface="Arial"/>
+                <a:buChar char="•"/>
+              </a:pPr>
+              <a:r>
+                <a:rPr lang="de-DE" sz="3600" dirty="0" smtClean="0"/>
+                <a:t>Compiler/</a:t>
+              </a:r>
+              <a:r>
+                <a:rPr lang="de-DE" sz="3600" dirty="0" err="1"/>
+                <a:t>O</a:t>
+              </a:r>
+              <a:r>
+                <a:rPr lang="de-DE" sz="3600" dirty="0" err="1" smtClean="0"/>
+                <a:t>ptimizer</a:t>
+              </a:r>
+              <a:r>
+                <a:rPr lang="de-DE" sz="3600" dirty="0" smtClean="0"/>
+                <a:t> </a:t>
+              </a:r>
+              <a:r>
+                <a:rPr lang="de-DE" sz="3600" dirty="0" err="1" smtClean="0"/>
+                <a:t>overloaded</a:t>
+              </a:r>
+              <a:r>
+                <a:rPr lang="de-DE" sz="3600" dirty="0" smtClean="0"/>
+                <a:t> </a:t>
+              </a:r>
+              <a:r>
+                <a:rPr lang="de-DE" sz="3600" dirty="0" err="1" smtClean="0"/>
+                <a:t>at</a:t>
+              </a:r>
+              <a:r>
+                <a:rPr lang="de-DE" sz="3600" dirty="0" smtClean="0"/>
+                <a:t> 6 </a:t>
+              </a:r>
+              <a:r>
+                <a:rPr lang="de-DE" sz="3600" dirty="0" err="1" smtClean="0"/>
+                <a:t>iterations</a:t>
+              </a:r>
+              <a:endParaRPr lang="de-DE" sz="3600" dirty="0" smtClean="0"/>
             </a:p>
           </p:txBody>
         </p:sp>
@@ -6621,7 +6776,10 @@
               <a:avLst/>
             </a:prstGeom>
             <a:solidFill>
-              <a:srgbClr val="8EB4E3"/>
+              <a:schemeClr val="accent1">
+                <a:lumMod val="40000"/>
+                <a:lumOff val="60000"/>
+              </a:schemeClr>
             </a:solidFill>
             <a:ln>
               <a:solidFill>
@@ -7896,7 +8054,7 @@
           </p:nvCxnSpPr>
           <p:spPr>
             <a:xfrm>
-              <a:off x="11449422" y="19082345"/>
+              <a:off x="11449422" y="18506281"/>
               <a:ext cx="9721080" cy="0"/>
             </a:xfrm>
             <a:prstGeom prst="line">
@@ -7927,10 +8085,10 @@
         </p:nvGrpSpPr>
         <p:grpSpPr>
           <a:xfrm>
-            <a:off x="11017374" y="25985839"/>
-            <a:ext cx="10657334" cy="6408937"/>
-            <a:chOff x="11449422" y="23906881"/>
-            <a:chExt cx="10657334" cy="6408937"/>
+            <a:off x="11017374" y="24770977"/>
+            <a:ext cx="10657334" cy="7623799"/>
+            <a:chOff x="11449422" y="22692019"/>
+            <a:chExt cx="10657334" cy="7623799"/>
           </a:xfrm>
         </p:grpSpPr>
         <p:sp>
@@ -7941,8 +8099,8 @@
           </p:nvSpPr>
           <p:spPr>
             <a:xfrm>
-              <a:off x="11449422" y="23906881"/>
-              <a:ext cx="10585326" cy="6408937"/>
+              <a:off x="11449422" y="22692019"/>
+              <a:ext cx="10585326" cy="7623799"/>
             </a:xfrm>
             <a:prstGeom prst="rect">
               <a:avLst/>
@@ -7996,7 +8154,7 @@
           </p:nvSpPr>
           <p:spPr>
             <a:xfrm>
-              <a:off x="11953479" y="24194914"/>
+              <a:off x="11953479" y="23196075"/>
               <a:ext cx="8641109" cy="707886"/>
             </a:xfrm>
             <a:prstGeom prst="rect">
@@ -8057,7 +8215,7 @@
           </p:nvSpPr>
           <p:spPr>
             <a:xfrm>
-              <a:off x="12025636" y="24987002"/>
+              <a:off x="12025636" y="23988163"/>
               <a:ext cx="10081120" cy="646331"/>
             </a:xfrm>
             <a:prstGeom prst="rect">
@@ -8120,6 +8278,4224 @@
           </p:txBody>
         </p:sp>
       </p:grpSp>
+      <p:grpSp>
+        <p:nvGrpSpPr>
+          <p:cNvPr id="425" name="Gruppierung 424"/>
+          <p:cNvGrpSpPr/>
+          <p:nvPr/>
+        </p:nvGrpSpPr>
+        <p:grpSpPr>
+          <a:xfrm>
+            <a:off x="12601550" y="14761865"/>
+            <a:ext cx="7272808" cy="1944216"/>
+            <a:chOff x="11881470" y="15265921"/>
+            <a:chExt cx="7272808" cy="1944216"/>
+          </a:xfrm>
+        </p:grpSpPr>
+        <p:grpSp>
+          <p:nvGrpSpPr>
+            <p:cNvPr id="330" name="Gruppierung 329"/>
+            <p:cNvGrpSpPr/>
+            <p:nvPr/>
+          </p:nvGrpSpPr>
+          <p:grpSpPr>
+            <a:xfrm>
+              <a:off x="11881470" y="15265921"/>
+              <a:ext cx="6984776" cy="1944216"/>
+              <a:chOff x="11881470" y="15265921"/>
+              <a:chExt cx="6984776" cy="1944216"/>
+            </a:xfrm>
+          </p:grpSpPr>
+          <p:sp>
+            <p:nvSpPr>
+              <p:cNvPr id="118" name="Rechteck 117"/>
+              <p:cNvSpPr/>
+              <p:nvPr/>
+            </p:nvSpPr>
+            <p:spPr>
+              <a:xfrm>
+                <a:off x="12457534" y="16418049"/>
+                <a:ext cx="864096" cy="576064"/>
+              </a:xfrm>
+              <a:prstGeom prst="rect">
+                <a:avLst/>
+              </a:prstGeom>
+              <a:solidFill>
+                <a:schemeClr val="accent1">
+                  <a:lumMod val="40000"/>
+                  <a:lumOff val="60000"/>
+                </a:schemeClr>
+              </a:solidFill>
+              <a:ln>
+                <a:solidFill>
+                  <a:srgbClr val="1F497D"/>
+                </a:solidFill>
+              </a:ln>
+            </p:spPr>
+            <p:style>
+              <a:lnRef idx="1">
+                <a:schemeClr val="accent1"/>
+              </a:lnRef>
+              <a:fillRef idx="3">
+                <a:schemeClr val="accent1"/>
+              </a:fillRef>
+              <a:effectRef idx="2">
+                <a:schemeClr val="accent1"/>
+              </a:effectRef>
+              <a:fontRef idx="minor">
+                <a:schemeClr val="lt1"/>
+              </a:fontRef>
+            </p:style>
+            <p:txBody>
+              <a:bodyPr rtlCol="0" anchor="ctr"/>
+              <a:lstStyle/>
+              <a:p>
+                <a:pPr algn="ctr"/>
+                <a:r>
+                  <a:rPr lang="de-DE" sz="2800" dirty="0" smtClean="0">
+                    <a:solidFill>
+                      <a:srgbClr val="000000"/>
+                    </a:solidFill>
+                    <a:latin typeface="Verdana"/>
+                    <a:cs typeface="Verdana"/>
+                  </a:rPr>
+                  <a:t>A</a:t>
+                </a:r>
+                <a:endParaRPr lang="de-DE" sz="2800" dirty="0">
+                  <a:solidFill>
+                    <a:srgbClr val="000000"/>
+                  </a:solidFill>
+                  <a:latin typeface="Verdana"/>
+                  <a:cs typeface="Verdana"/>
+                </a:endParaRPr>
+              </a:p>
+            </p:txBody>
+          </p:sp>
+          <p:sp>
+            <p:nvSpPr>
+              <p:cNvPr id="120" name="Rechteck 119"/>
+              <p:cNvSpPr/>
+              <p:nvPr/>
+            </p:nvSpPr>
+            <p:spPr>
+              <a:xfrm>
+                <a:off x="12457534" y="15481945"/>
+                <a:ext cx="864096" cy="576064"/>
+              </a:xfrm>
+              <a:prstGeom prst="rect">
+                <a:avLst/>
+              </a:prstGeom>
+              <a:solidFill>
+                <a:schemeClr val="accent1">
+                  <a:lumMod val="40000"/>
+                  <a:lumOff val="60000"/>
+                </a:schemeClr>
+              </a:solidFill>
+              <a:ln>
+                <a:solidFill>
+                  <a:srgbClr val="1F497D"/>
+                </a:solidFill>
+              </a:ln>
+            </p:spPr>
+            <p:style>
+              <a:lnRef idx="1">
+                <a:schemeClr val="accent1"/>
+              </a:lnRef>
+              <a:fillRef idx="3">
+                <a:schemeClr val="accent1"/>
+              </a:fillRef>
+              <a:effectRef idx="2">
+                <a:schemeClr val="accent1"/>
+              </a:effectRef>
+              <a:fontRef idx="minor">
+                <a:schemeClr val="lt1"/>
+              </a:fontRef>
+            </p:style>
+            <p:txBody>
+              <a:bodyPr rtlCol="0" anchor="ctr"/>
+              <a:lstStyle/>
+              <a:p>
+                <a:pPr algn="ctr">
+                  <a:lnSpc>
+                    <a:spcPct val="50000"/>
+                  </a:lnSpc>
+                </a:pPr>
+                <a:r>
+                  <a:rPr lang="de-DE" sz="2800" dirty="0" err="1" smtClean="0">
+                    <a:solidFill>
+                      <a:srgbClr val="000000"/>
+                    </a:solidFill>
+                    <a:latin typeface="Verdana"/>
+                    <a:cs typeface="Verdana"/>
+                  </a:rPr>
+                  <a:t>u</a:t>
+                </a:r>
+                <a:r>
+                  <a:rPr lang="de-DE" sz="2800" baseline="-25000" dirty="0" err="1" smtClean="0">
+                    <a:solidFill>
+                      <a:srgbClr val="000000"/>
+                    </a:solidFill>
+                    <a:latin typeface="Verdana"/>
+                    <a:cs typeface="Verdana"/>
+                  </a:rPr>
+                  <a:t>i</a:t>
+                </a:r>
+                <a:endParaRPr lang="de-DE" sz="2800" dirty="0">
+                  <a:solidFill>
+                    <a:srgbClr val="000000"/>
+                  </a:solidFill>
+                  <a:latin typeface="Verdana"/>
+                  <a:cs typeface="Verdana"/>
+                </a:endParaRPr>
+              </a:p>
+            </p:txBody>
+          </p:sp>
+          <p:sp>
+            <p:nvSpPr>
+              <p:cNvPr id="121" name="Rechteck 120"/>
+              <p:cNvSpPr/>
+              <p:nvPr/>
+            </p:nvSpPr>
+            <p:spPr>
+              <a:xfrm>
+                <a:off x="14257734" y="15481945"/>
+                <a:ext cx="864096" cy="576064"/>
+              </a:xfrm>
+              <a:prstGeom prst="rect">
+                <a:avLst/>
+              </a:prstGeom>
+              <a:solidFill>
+                <a:schemeClr val="accent1">
+                  <a:lumMod val="40000"/>
+                  <a:lumOff val="60000"/>
+                </a:schemeClr>
+              </a:solidFill>
+              <a:ln>
+                <a:solidFill>
+                  <a:srgbClr val="1F497D"/>
+                </a:solidFill>
+              </a:ln>
+            </p:spPr>
+            <p:style>
+              <a:lnRef idx="1">
+                <a:schemeClr val="accent1"/>
+              </a:lnRef>
+              <a:fillRef idx="3">
+                <a:schemeClr val="accent1"/>
+              </a:fillRef>
+              <a:effectRef idx="2">
+                <a:schemeClr val="accent1"/>
+              </a:effectRef>
+              <a:fontRef idx="minor">
+                <a:schemeClr val="lt1"/>
+              </a:fontRef>
+            </p:style>
+            <p:txBody>
+              <a:bodyPr rtlCol="0" anchor="ctr"/>
+              <a:lstStyle/>
+              <a:p>
+                <a:pPr algn="ctr">
+                  <a:lnSpc>
+                    <a:spcPct val="50000"/>
+                  </a:lnSpc>
+                </a:pPr>
+                <a:r>
+                  <a:rPr lang="de-DE" sz="2800" dirty="0" err="1" smtClean="0">
+                    <a:solidFill>
+                      <a:srgbClr val="000000"/>
+                    </a:solidFill>
+                    <a:latin typeface="Verdana"/>
+                    <a:cs typeface="Verdana"/>
+                  </a:rPr>
+                  <a:t>w</a:t>
+                </a:r>
+                <a:r>
+                  <a:rPr lang="de-DE" sz="2800" baseline="-25000" dirty="0" err="1" smtClean="0">
+                    <a:solidFill>
+                      <a:srgbClr val="000000"/>
+                    </a:solidFill>
+                    <a:latin typeface="Verdana"/>
+                    <a:cs typeface="Verdana"/>
+                  </a:rPr>
+                  <a:t>i</a:t>
+                </a:r>
+                <a:endParaRPr lang="de-DE" sz="2800" dirty="0">
+                  <a:solidFill>
+                    <a:srgbClr val="000000"/>
+                  </a:solidFill>
+                  <a:latin typeface="Verdana"/>
+                  <a:cs typeface="Verdana"/>
+                </a:endParaRPr>
+              </a:p>
+            </p:txBody>
+          </p:sp>
+          <p:sp>
+            <p:nvSpPr>
+              <p:cNvPr id="126" name="Rechteck 125"/>
+              <p:cNvSpPr/>
+              <p:nvPr/>
+            </p:nvSpPr>
+            <p:spPr>
+              <a:xfrm>
+                <a:off x="17282070" y="15481945"/>
+                <a:ext cx="864096" cy="576064"/>
+              </a:xfrm>
+              <a:prstGeom prst="rect">
+                <a:avLst/>
+              </a:prstGeom>
+              <a:solidFill>
+                <a:schemeClr val="accent1">
+                  <a:lumMod val="40000"/>
+                  <a:lumOff val="60000"/>
+                </a:schemeClr>
+              </a:solidFill>
+              <a:ln>
+                <a:solidFill>
+                  <a:srgbClr val="1F497D"/>
+                </a:solidFill>
+              </a:ln>
+            </p:spPr>
+            <p:style>
+              <a:lnRef idx="1">
+                <a:schemeClr val="accent1"/>
+              </a:lnRef>
+              <a:fillRef idx="3">
+                <a:schemeClr val="accent1"/>
+              </a:fillRef>
+              <a:effectRef idx="2">
+                <a:schemeClr val="accent1"/>
+              </a:effectRef>
+              <a:fontRef idx="minor">
+                <a:schemeClr val="lt1"/>
+              </a:fontRef>
+            </p:style>
+            <p:txBody>
+              <a:bodyPr rtlCol="0" anchor="ctr"/>
+              <a:lstStyle/>
+              <a:p>
+                <a:pPr algn="ctr">
+                  <a:lnSpc>
+                    <a:spcPct val="70000"/>
+                  </a:lnSpc>
+                </a:pPr>
+                <a:r>
+                  <a:rPr lang="de-DE" sz="2800" dirty="0" smtClean="0">
+                    <a:solidFill>
+                      <a:srgbClr val="000000"/>
+                    </a:solidFill>
+                    <a:latin typeface="Verdana"/>
+                    <a:cs typeface="Verdana"/>
+                  </a:rPr>
+                  <a:t>b</a:t>
+                </a:r>
+                <a:r>
+                  <a:rPr lang="de-DE" sz="2800" baseline="-25000" dirty="0" smtClean="0">
+                    <a:solidFill>
+                      <a:srgbClr val="000000"/>
+                    </a:solidFill>
+                    <a:latin typeface="Verdana"/>
+                    <a:cs typeface="Verdana"/>
+                  </a:rPr>
+                  <a:t>i</a:t>
+                </a:r>
+                <a:endParaRPr lang="de-DE" sz="2800" dirty="0">
+                  <a:solidFill>
+                    <a:srgbClr val="000000"/>
+                  </a:solidFill>
+                  <a:latin typeface="Verdana"/>
+                  <a:cs typeface="Verdana"/>
+                </a:endParaRPr>
+              </a:p>
+            </p:txBody>
+          </p:sp>
+          <p:sp>
+            <p:nvSpPr>
+              <p:cNvPr id="129" name="Rechteck 128"/>
+              <p:cNvSpPr/>
+              <p:nvPr/>
+            </p:nvSpPr>
+            <p:spPr>
+              <a:xfrm>
+                <a:off x="15625886" y="15481945"/>
+                <a:ext cx="864096" cy="576064"/>
+              </a:xfrm>
+              <a:prstGeom prst="rect">
+                <a:avLst/>
+              </a:prstGeom>
+              <a:solidFill>
+                <a:schemeClr val="accent1">
+                  <a:lumMod val="40000"/>
+                  <a:lumOff val="60000"/>
+                </a:schemeClr>
+              </a:solidFill>
+              <a:ln>
+                <a:solidFill>
+                  <a:srgbClr val="1F497D"/>
+                </a:solidFill>
+              </a:ln>
+            </p:spPr>
+            <p:style>
+              <a:lnRef idx="1">
+                <a:schemeClr val="accent1"/>
+              </a:lnRef>
+              <a:fillRef idx="3">
+                <a:schemeClr val="accent1"/>
+              </a:fillRef>
+              <a:effectRef idx="2">
+                <a:schemeClr val="accent1"/>
+              </a:effectRef>
+              <a:fontRef idx="minor">
+                <a:schemeClr val="lt1"/>
+              </a:fontRef>
+            </p:style>
+            <p:txBody>
+              <a:bodyPr rtlCol="0" anchor="ctr"/>
+              <a:lstStyle/>
+              <a:p>
+                <a:pPr algn="ctr">
+                  <a:lnSpc>
+                    <a:spcPct val="50000"/>
+                  </a:lnSpc>
+                </a:pPr>
+                <a:r>
+                  <a:rPr lang="de-DE" sz="2800" dirty="0">
+                    <a:solidFill>
+                      <a:srgbClr val="000000"/>
+                    </a:solidFill>
+                    <a:latin typeface="Verdana"/>
+                    <a:cs typeface="Verdana"/>
+                  </a:rPr>
+                  <a:t>u</a:t>
+                </a:r>
+                <a:r>
+                  <a:rPr lang="de-DE" sz="2800" baseline="-25000" dirty="0" smtClean="0">
+                    <a:solidFill>
+                      <a:srgbClr val="000000"/>
+                    </a:solidFill>
+                    <a:latin typeface="Verdana"/>
+                    <a:cs typeface="Verdana"/>
+                  </a:rPr>
+                  <a:t>i-1</a:t>
+                </a:r>
+                <a:endParaRPr lang="de-DE" sz="2800" dirty="0">
+                  <a:solidFill>
+                    <a:srgbClr val="000000"/>
+                  </a:solidFill>
+                  <a:latin typeface="Verdana"/>
+                  <a:cs typeface="Verdana"/>
+                </a:endParaRPr>
+              </a:p>
+            </p:txBody>
+          </p:sp>
+          <p:sp>
+            <p:nvSpPr>
+              <p:cNvPr id="138" name="Rechteck 137"/>
+              <p:cNvSpPr/>
+              <p:nvPr/>
+            </p:nvSpPr>
+            <p:spPr>
+              <a:xfrm>
+                <a:off x="14257734" y="16346041"/>
+                <a:ext cx="864096" cy="576064"/>
+              </a:xfrm>
+              <a:prstGeom prst="rect">
+                <a:avLst/>
+              </a:prstGeom>
+              <a:solidFill>
+                <a:schemeClr val="accent1">
+                  <a:lumMod val="40000"/>
+                  <a:lumOff val="60000"/>
+                </a:schemeClr>
+              </a:solidFill>
+              <a:ln w="57150" cmpd="sng">
+                <a:solidFill>
+                  <a:srgbClr val="1F497D"/>
+                </a:solidFill>
+              </a:ln>
+            </p:spPr>
+            <p:style>
+              <a:lnRef idx="1">
+                <a:schemeClr val="accent1"/>
+              </a:lnRef>
+              <a:fillRef idx="3">
+                <a:schemeClr val="accent1"/>
+              </a:fillRef>
+              <a:effectRef idx="2">
+                <a:schemeClr val="accent1"/>
+              </a:effectRef>
+              <a:fontRef idx="minor">
+                <a:schemeClr val="lt1"/>
+              </a:fontRef>
+            </p:style>
+            <p:txBody>
+              <a:bodyPr rtlCol="0" anchor="ctr"/>
+              <a:lstStyle/>
+              <a:p>
+                <a:pPr algn="ctr">
+                  <a:lnSpc>
+                    <a:spcPct val="70000"/>
+                  </a:lnSpc>
+                </a:pPr>
+                <a:r>
+                  <a:rPr lang="de-DE" sz="2800" dirty="0" smtClean="0">
+                    <a:solidFill>
+                      <a:srgbClr val="000000"/>
+                    </a:solidFill>
+                    <a:latin typeface="Verdana"/>
+                    <a:cs typeface="Verdana"/>
+                  </a:rPr>
+                  <a:t>a</a:t>
+                </a:r>
+                <a:r>
+                  <a:rPr lang="de-DE" sz="2800" baseline="-25000" dirty="0" smtClean="0">
+                    <a:solidFill>
+                      <a:srgbClr val="000000"/>
+                    </a:solidFill>
+                    <a:latin typeface="Verdana"/>
+                    <a:cs typeface="Verdana"/>
+                  </a:rPr>
+                  <a:t>i</a:t>
+                </a:r>
+                <a:endParaRPr lang="de-DE" sz="2800" dirty="0">
+                  <a:solidFill>
+                    <a:srgbClr val="000000"/>
+                  </a:solidFill>
+                  <a:latin typeface="Verdana"/>
+                  <a:cs typeface="Verdana"/>
+                </a:endParaRPr>
+              </a:p>
+            </p:txBody>
+          </p:sp>
+          <p:cxnSp>
+            <p:nvCxnSpPr>
+              <p:cNvPr id="140" name="Gerade Verbindung mit Pfeil 139"/>
+              <p:cNvCxnSpPr>
+                <a:stCxn id="120" idx="3"/>
+                <a:endCxn id="138" idx="1"/>
+              </p:cNvCxnSpPr>
+              <p:nvPr/>
+            </p:nvCxnSpPr>
+            <p:spPr>
+              <a:xfrm>
+                <a:off x="13321630" y="15769977"/>
+                <a:ext cx="936104" cy="864096"/>
+              </a:xfrm>
+              <a:prstGeom prst="straightConnector1">
+                <a:avLst/>
+              </a:prstGeom>
+              <a:ln>
+                <a:solidFill>
+                  <a:srgbClr val="1F497D"/>
+                </a:solidFill>
+                <a:tailEnd type="arrow"/>
+              </a:ln>
+            </p:spPr>
+            <p:style>
+              <a:lnRef idx="2">
+                <a:schemeClr val="accent1"/>
+              </a:lnRef>
+              <a:fillRef idx="0">
+                <a:schemeClr val="accent1"/>
+              </a:fillRef>
+              <a:effectRef idx="1">
+                <a:schemeClr val="accent1"/>
+              </a:effectRef>
+              <a:fontRef idx="minor">
+                <a:schemeClr val="tx1"/>
+              </a:fontRef>
+            </p:style>
+          </p:cxnSp>
+          <p:cxnSp>
+            <p:nvCxnSpPr>
+              <p:cNvPr id="142" name="Gerade Verbindung mit Pfeil 141"/>
+              <p:cNvCxnSpPr>
+                <a:stCxn id="121" idx="2"/>
+                <a:endCxn id="138" idx="0"/>
+              </p:cNvCxnSpPr>
+              <p:nvPr/>
+            </p:nvCxnSpPr>
+            <p:spPr>
+              <a:xfrm>
+                <a:off x="14689782" y="16058009"/>
+                <a:ext cx="0" cy="288032"/>
+              </a:xfrm>
+              <a:prstGeom prst="straightConnector1">
+                <a:avLst/>
+              </a:prstGeom>
+              <a:ln>
+                <a:solidFill>
+                  <a:srgbClr val="1F497D"/>
+                </a:solidFill>
+                <a:tailEnd type="arrow"/>
+              </a:ln>
+            </p:spPr>
+            <p:style>
+              <a:lnRef idx="2">
+                <a:schemeClr val="accent1"/>
+              </a:lnRef>
+              <a:fillRef idx="0">
+                <a:schemeClr val="accent1"/>
+              </a:fillRef>
+              <a:effectRef idx="1">
+                <a:schemeClr val="accent1"/>
+              </a:effectRef>
+              <a:fontRef idx="minor">
+                <a:schemeClr val="tx1"/>
+              </a:fontRef>
+            </p:style>
+          </p:cxnSp>
+          <p:cxnSp>
+            <p:nvCxnSpPr>
+              <p:cNvPr id="145" name="Gerade Verbindung mit Pfeil 144"/>
+              <p:cNvCxnSpPr>
+                <a:stCxn id="118" idx="3"/>
+                <a:endCxn id="121" idx="1"/>
+              </p:cNvCxnSpPr>
+              <p:nvPr/>
+            </p:nvCxnSpPr>
+            <p:spPr>
+              <a:xfrm flipV="1">
+                <a:off x="13321630" y="15769977"/>
+                <a:ext cx="936104" cy="936104"/>
+              </a:xfrm>
+              <a:prstGeom prst="straightConnector1">
+                <a:avLst/>
+              </a:prstGeom>
+              <a:ln>
+                <a:solidFill>
+                  <a:srgbClr val="1F497D"/>
+                </a:solidFill>
+                <a:tailEnd type="arrow"/>
+              </a:ln>
+            </p:spPr>
+            <p:style>
+              <a:lnRef idx="2">
+                <a:schemeClr val="accent1"/>
+              </a:lnRef>
+              <a:fillRef idx="0">
+                <a:schemeClr val="accent1"/>
+              </a:fillRef>
+              <a:effectRef idx="1">
+                <a:schemeClr val="accent1"/>
+              </a:effectRef>
+              <a:fontRef idx="minor">
+                <a:schemeClr val="tx1"/>
+              </a:fontRef>
+            </p:style>
+          </p:cxnSp>
+          <p:cxnSp>
+            <p:nvCxnSpPr>
+              <p:cNvPr id="147" name="Gerade Verbindung mit Pfeil 146"/>
+              <p:cNvCxnSpPr>
+                <a:stCxn id="120" idx="3"/>
+                <a:endCxn id="121" idx="1"/>
+              </p:cNvCxnSpPr>
+              <p:nvPr/>
+            </p:nvCxnSpPr>
+            <p:spPr>
+              <a:xfrm>
+                <a:off x="13321630" y="15769977"/>
+                <a:ext cx="936104" cy="0"/>
+              </a:xfrm>
+              <a:prstGeom prst="straightConnector1">
+                <a:avLst/>
+              </a:prstGeom>
+              <a:ln>
+                <a:solidFill>
+                  <a:srgbClr val="1F497D"/>
+                </a:solidFill>
+                <a:tailEnd type="arrow"/>
+              </a:ln>
+            </p:spPr>
+            <p:style>
+              <a:lnRef idx="2">
+                <a:schemeClr val="accent1"/>
+              </a:lnRef>
+              <a:fillRef idx="0">
+                <a:schemeClr val="accent1"/>
+              </a:fillRef>
+              <a:effectRef idx="1">
+                <a:schemeClr val="accent1"/>
+              </a:effectRef>
+              <a:fontRef idx="minor">
+                <a:schemeClr val="tx1"/>
+              </a:fontRef>
+            </p:style>
+          </p:cxnSp>
+          <p:sp>
+            <p:nvSpPr>
+              <p:cNvPr id="175" name="Rechteck 174"/>
+              <p:cNvSpPr/>
+              <p:nvPr/>
+            </p:nvSpPr>
+            <p:spPr>
+              <a:xfrm>
+                <a:off x="16417974" y="16346041"/>
+                <a:ext cx="864096" cy="576064"/>
+              </a:xfrm>
+              <a:prstGeom prst="rect">
+                <a:avLst/>
+              </a:prstGeom>
+              <a:solidFill>
+                <a:schemeClr val="accent1">
+                  <a:lumMod val="40000"/>
+                  <a:lumOff val="60000"/>
+                </a:schemeClr>
+              </a:solidFill>
+              <a:ln w="57150" cmpd="sng">
+                <a:solidFill>
+                  <a:srgbClr val="1F497D"/>
+                </a:solidFill>
+              </a:ln>
+            </p:spPr>
+            <p:style>
+              <a:lnRef idx="1">
+                <a:schemeClr val="accent1"/>
+              </a:lnRef>
+              <a:fillRef idx="3">
+                <a:schemeClr val="accent1"/>
+              </a:fillRef>
+              <a:effectRef idx="2">
+                <a:schemeClr val="accent1"/>
+              </a:effectRef>
+              <a:fontRef idx="minor">
+                <a:schemeClr val="lt1"/>
+              </a:fontRef>
+            </p:style>
+            <p:txBody>
+              <a:bodyPr rtlCol="0" anchor="ctr"/>
+              <a:lstStyle/>
+              <a:p>
+                <a:pPr algn="ctr">
+                  <a:lnSpc>
+                    <a:spcPct val="50000"/>
+                  </a:lnSpc>
+                </a:pPr>
+                <a:r>
+                  <a:rPr lang="de-DE" sz="2800" dirty="0" smtClean="0">
+                    <a:solidFill>
+                      <a:srgbClr val="000000"/>
+                    </a:solidFill>
+                    <a:latin typeface="Verdana"/>
+                    <a:cs typeface="Verdana"/>
+                  </a:rPr>
+                  <a:t>u</a:t>
+                </a:r>
+                <a:r>
+                  <a:rPr lang="de-DE" sz="2800" baseline="-25000" dirty="0" smtClean="0">
+                    <a:solidFill>
+                      <a:srgbClr val="000000"/>
+                    </a:solidFill>
+                    <a:latin typeface="Verdana"/>
+                    <a:cs typeface="Verdana"/>
+                  </a:rPr>
+                  <a:t>i+1</a:t>
+                </a:r>
+                <a:endParaRPr lang="de-DE" sz="2800" dirty="0">
+                  <a:solidFill>
+                    <a:srgbClr val="000000"/>
+                  </a:solidFill>
+                  <a:latin typeface="Verdana"/>
+                  <a:cs typeface="Verdana"/>
+                </a:endParaRPr>
+              </a:p>
+            </p:txBody>
+          </p:sp>
+          <p:cxnSp>
+            <p:nvCxnSpPr>
+              <p:cNvPr id="179" name="Gewinkelte Verbindung 178"/>
+              <p:cNvCxnSpPr>
+                <a:endCxn id="175" idx="2"/>
+              </p:cNvCxnSpPr>
+              <p:nvPr/>
+            </p:nvCxnSpPr>
+            <p:spPr>
+              <a:xfrm>
+                <a:off x="12457534" y="15841985"/>
+                <a:ext cx="4392488" cy="1080120"/>
+              </a:xfrm>
+              <a:prstGeom prst="bentConnector4">
+                <a:avLst>
+                  <a:gd name="adj1" fmla="val -4760"/>
+                  <a:gd name="adj2" fmla="val 125643"/>
+                </a:avLst>
+              </a:prstGeom>
+              <a:ln>
+                <a:solidFill>
+                  <a:srgbClr val="1F497D"/>
+                </a:solidFill>
+                <a:tailEnd type="arrow"/>
+              </a:ln>
+            </p:spPr>
+            <p:style>
+              <a:lnRef idx="2">
+                <a:schemeClr val="accent1"/>
+              </a:lnRef>
+              <a:fillRef idx="0">
+                <a:schemeClr val="accent1"/>
+              </a:fillRef>
+              <a:effectRef idx="1">
+                <a:schemeClr val="accent1"/>
+              </a:effectRef>
+              <a:fontRef idx="minor">
+                <a:schemeClr val="tx1"/>
+              </a:fontRef>
+            </p:style>
+          </p:cxnSp>
+          <p:cxnSp>
+            <p:nvCxnSpPr>
+              <p:cNvPr id="181" name="Gerade Verbindung 180"/>
+              <p:cNvCxnSpPr>
+                <a:stCxn id="138" idx="2"/>
+              </p:cNvCxnSpPr>
+              <p:nvPr/>
+            </p:nvCxnSpPr>
+            <p:spPr>
+              <a:xfrm>
+                <a:off x="14689782" y="16922105"/>
+                <a:ext cx="0" cy="288032"/>
+              </a:xfrm>
+              <a:prstGeom prst="line">
+                <a:avLst/>
+              </a:prstGeom>
+              <a:ln>
+                <a:solidFill>
+                  <a:srgbClr val="1F497D"/>
+                </a:solidFill>
+              </a:ln>
+            </p:spPr>
+            <p:style>
+              <a:lnRef idx="2">
+                <a:schemeClr val="accent1"/>
+              </a:lnRef>
+              <a:fillRef idx="0">
+                <a:schemeClr val="accent1"/>
+              </a:fillRef>
+              <a:effectRef idx="1">
+                <a:schemeClr val="accent1"/>
+              </a:effectRef>
+              <a:fontRef idx="minor">
+                <a:schemeClr val="tx1"/>
+              </a:fontRef>
+            </p:style>
+          </p:cxnSp>
+          <p:cxnSp>
+            <p:nvCxnSpPr>
+              <p:cNvPr id="199" name="Gewinkelte Verbindung 198"/>
+              <p:cNvCxnSpPr>
+                <a:stCxn id="129" idx="3"/>
+                <a:endCxn id="175" idx="0"/>
+              </p:cNvCxnSpPr>
+              <p:nvPr/>
+            </p:nvCxnSpPr>
+            <p:spPr>
+              <a:xfrm>
+                <a:off x="16489982" y="15769977"/>
+                <a:ext cx="360040" cy="576064"/>
+              </a:xfrm>
+              <a:prstGeom prst="bentConnector2">
+                <a:avLst/>
+              </a:prstGeom>
+              <a:ln>
+                <a:solidFill>
+                  <a:srgbClr val="1F497D"/>
+                </a:solidFill>
+                <a:tailEnd type="arrow"/>
+              </a:ln>
+            </p:spPr>
+            <p:style>
+              <a:lnRef idx="2">
+                <a:schemeClr val="accent1"/>
+              </a:lnRef>
+              <a:fillRef idx="0">
+                <a:schemeClr val="accent1"/>
+              </a:fillRef>
+              <a:effectRef idx="1">
+                <a:schemeClr val="accent1"/>
+              </a:effectRef>
+              <a:fontRef idx="minor">
+                <a:schemeClr val="tx1"/>
+              </a:fontRef>
+            </p:style>
+          </p:cxnSp>
+          <p:cxnSp>
+            <p:nvCxnSpPr>
+              <p:cNvPr id="201" name="Gewinkelte Verbindung 200"/>
+              <p:cNvCxnSpPr>
+                <a:stCxn id="126" idx="1"/>
+                <a:endCxn id="175" idx="0"/>
+              </p:cNvCxnSpPr>
+              <p:nvPr/>
+            </p:nvCxnSpPr>
+            <p:spPr>
+              <a:xfrm rot="10800000" flipV="1">
+                <a:off x="16850022" y="15769977"/>
+                <a:ext cx="432048" cy="576064"/>
+              </a:xfrm>
+              <a:prstGeom prst="bentConnector2">
+                <a:avLst/>
+              </a:prstGeom>
+              <a:ln>
+                <a:solidFill>
+                  <a:srgbClr val="1F497D"/>
+                </a:solidFill>
+                <a:tailEnd type="arrow"/>
+              </a:ln>
+            </p:spPr>
+            <p:style>
+              <a:lnRef idx="2">
+                <a:schemeClr val="accent1"/>
+              </a:lnRef>
+              <a:fillRef idx="0">
+                <a:schemeClr val="accent1"/>
+              </a:fillRef>
+              <a:effectRef idx="1">
+                <a:schemeClr val="accent1"/>
+              </a:effectRef>
+              <a:fontRef idx="minor">
+                <a:schemeClr val="tx1"/>
+              </a:fontRef>
+            </p:style>
+          </p:cxnSp>
+          <p:sp>
+            <p:nvSpPr>
+              <p:cNvPr id="204" name="Rechteck 203"/>
+              <p:cNvSpPr/>
+              <p:nvPr/>
+            </p:nvSpPr>
+            <p:spPr>
+              <a:xfrm>
+                <a:off x="18002150" y="16346041"/>
+                <a:ext cx="864096" cy="576064"/>
+              </a:xfrm>
+              <a:prstGeom prst="rect">
+                <a:avLst/>
+              </a:prstGeom>
+              <a:solidFill>
+                <a:schemeClr val="accent1">
+                  <a:lumMod val="40000"/>
+                  <a:lumOff val="60000"/>
+                </a:schemeClr>
+              </a:solidFill>
+              <a:ln w="57150" cmpd="sng">
+                <a:solidFill>
+                  <a:srgbClr val="1F497D"/>
+                </a:solidFill>
+              </a:ln>
+            </p:spPr>
+            <p:style>
+              <a:lnRef idx="1">
+                <a:schemeClr val="accent1"/>
+              </a:lnRef>
+              <a:fillRef idx="3">
+                <a:schemeClr val="accent1"/>
+              </a:fillRef>
+              <a:effectRef idx="2">
+                <a:schemeClr val="accent1"/>
+              </a:effectRef>
+              <a:fontRef idx="minor">
+                <a:schemeClr val="lt1"/>
+              </a:fontRef>
+            </p:style>
+            <p:txBody>
+              <a:bodyPr rtlCol="0" anchor="ctr"/>
+              <a:lstStyle/>
+              <a:p>
+                <a:pPr algn="ctr">
+                  <a:lnSpc>
+                    <a:spcPct val="70000"/>
+                  </a:lnSpc>
+                </a:pPr>
+                <a:r>
+                  <a:rPr lang="de-DE" sz="2800" dirty="0" smtClean="0">
+                    <a:solidFill>
+                      <a:srgbClr val="000000"/>
+                    </a:solidFill>
+                    <a:latin typeface="Verdana"/>
+                    <a:cs typeface="Verdana"/>
+                  </a:rPr>
+                  <a:t>b</a:t>
+                </a:r>
+                <a:r>
+                  <a:rPr lang="de-DE" sz="2800" baseline="-25000" dirty="0" smtClean="0">
+                    <a:solidFill>
+                      <a:srgbClr val="000000"/>
+                    </a:solidFill>
+                    <a:latin typeface="Verdana"/>
+                    <a:cs typeface="Verdana"/>
+                  </a:rPr>
+                  <a:t>i+1</a:t>
+                </a:r>
+                <a:endParaRPr lang="de-DE" sz="2800" dirty="0">
+                  <a:solidFill>
+                    <a:srgbClr val="000000"/>
+                  </a:solidFill>
+                  <a:latin typeface="Verdana"/>
+                  <a:cs typeface="Verdana"/>
+                </a:endParaRPr>
+              </a:p>
+            </p:txBody>
+          </p:sp>
+          <p:cxnSp>
+            <p:nvCxnSpPr>
+              <p:cNvPr id="205" name="Gerade Verbindung mit Pfeil 204"/>
+              <p:cNvCxnSpPr>
+                <a:stCxn id="175" idx="3"/>
+                <a:endCxn id="204" idx="1"/>
+              </p:cNvCxnSpPr>
+              <p:nvPr/>
+            </p:nvCxnSpPr>
+            <p:spPr>
+              <a:xfrm>
+                <a:off x="17282070" y="16634073"/>
+                <a:ext cx="720080" cy="0"/>
+              </a:xfrm>
+              <a:prstGeom prst="straightConnector1">
+                <a:avLst/>
+              </a:prstGeom>
+              <a:ln>
+                <a:solidFill>
+                  <a:srgbClr val="1F497D"/>
+                </a:solidFill>
+                <a:tailEnd type="arrow"/>
+              </a:ln>
+            </p:spPr>
+            <p:style>
+              <a:lnRef idx="2">
+                <a:schemeClr val="accent1"/>
+              </a:lnRef>
+              <a:fillRef idx="0">
+                <a:schemeClr val="accent1"/>
+              </a:fillRef>
+              <a:effectRef idx="1">
+                <a:schemeClr val="accent1"/>
+              </a:effectRef>
+              <a:fontRef idx="minor">
+                <a:schemeClr val="tx1"/>
+              </a:fontRef>
+            </p:style>
+          </p:cxnSp>
+          <p:cxnSp>
+            <p:nvCxnSpPr>
+              <p:cNvPr id="250" name="Gerade Verbindung mit Pfeil 249"/>
+              <p:cNvCxnSpPr>
+                <a:endCxn id="118" idx="1"/>
+              </p:cNvCxnSpPr>
+              <p:nvPr/>
+            </p:nvCxnSpPr>
+            <p:spPr>
+              <a:xfrm>
+                <a:off x="11881470" y="16706081"/>
+                <a:ext cx="576064" cy="0"/>
+              </a:xfrm>
+              <a:prstGeom prst="straightConnector1">
+                <a:avLst/>
+              </a:prstGeom>
+              <a:ln>
+                <a:solidFill>
+                  <a:srgbClr val="1F497D"/>
+                </a:solidFill>
+                <a:tailEnd type="arrow"/>
+              </a:ln>
+            </p:spPr>
+            <p:style>
+              <a:lnRef idx="2">
+                <a:schemeClr val="accent1"/>
+              </a:lnRef>
+              <a:fillRef idx="0">
+                <a:schemeClr val="accent1"/>
+              </a:fillRef>
+              <a:effectRef idx="1">
+                <a:schemeClr val="accent1"/>
+              </a:effectRef>
+              <a:fontRef idx="minor">
+                <a:schemeClr val="tx1"/>
+              </a:fontRef>
+            </p:style>
+          </p:cxnSp>
+          <p:cxnSp>
+            <p:nvCxnSpPr>
+              <p:cNvPr id="312" name="Gewinkelte Verbindung 311"/>
+              <p:cNvCxnSpPr>
+                <a:endCxn id="120" idx="0"/>
+              </p:cNvCxnSpPr>
+              <p:nvPr/>
+            </p:nvCxnSpPr>
+            <p:spPr>
+              <a:xfrm>
+                <a:off x="11881470" y="15265921"/>
+                <a:ext cx="1008112" cy="216024"/>
+              </a:xfrm>
+              <a:prstGeom prst="bentConnector2">
+                <a:avLst/>
+              </a:prstGeom>
+              <a:ln>
+                <a:solidFill>
+                  <a:srgbClr val="1F497D"/>
+                </a:solidFill>
+                <a:tailEnd type="arrow"/>
+              </a:ln>
+            </p:spPr>
+            <p:style>
+              <a:lnRef idx="2">
+                <a:schemeClr val="accent1"/>
+              </a:lnRef>
+              <a:fillRef idx="0">
+                <a:schemeClr val="accent1"/>
+              </a:fillRef>
+              <a:effectRef idx="1">
+                <a:schemeClr val="accent1"/>
+              </a:effectRef>
+              <a:fontRef idx="minor">
+                <a:schemeClr val="tx1"/>
+              </a:fontRef>
+            </p:style>
+          </p:cxnSp>
+          <p:cxnSp>
+            <p:nvCxnSpPr>
+              <p:cNvPr id="316" name="Gewinkelte Verbindung 315"/>
+              <p:cNvCxnSpPr>
+                <a:endCxn id="129" idx="0"/>
+              </p:cNvCxnSpPr>
+              <p:nvPr/>
+            </p:nvCxnSpPr>
+            <p:spPr>
+              <a:xfrm>
+                <a:off x="11881470" y="15265921"/>
+                <a:ext cx="4176464" cy="216024"/>
+              </a:xfrm>
+              <a:prstGeom prst="bentConnector2">
+                <a:avLst/>
+              </a:prstGeom>
+              <a:ln>
+                <a:solidFill>
+                  <a:srgbClr val="1F497D"/>
+                </a:solidFill>
+                <a:tailEnd type="arrow"/>
+              </a:ln>
+            </p:spPr>
+            <p:style>
+              <a:lnRef idx="2">
+                <a:schemeClr val="accent1"/>
+              </a:lnRef>
+              <a:fillRef idx="0">
+                <a:schemeClr val="accent1"/>
+              </a:fillRef>
+              <a:effectRef idx="1">
+                <a:schemeClr val="accent1"/>
+              </a:effectRef>
+              <a:fontRef idx="minor">
+                <a:schemeClr val="tx1"/>
+              </a:fontRef>
+            </p:style>
+          </p:cxnSp>
+          <p:cxnSp>
+            <p:nvCxnSpPr>
+              <p:cNvPr id="318" name="Gewinkelte Verbindung 317"/>
+              <p:cNvCxnSpPr>
+                <a:endCxn id="126" idx="0"/>
+              </p:cNvCxnSpPr>
+              <p:nvPr/>
+            </p:nvCxnSpPr>
+            <p:spPr>
+              <a:xfrm>
+                <a:off x="11881470" y="15265921"/>
+                <a:ext cx="5832648" cy="216024"/>
+              </a:xfrm>
+              <a:prstGeom prst="bentConnector2">
+                <a:avLst/>
+              </a:prstGeom>
+              <a:ln>
+                <a:solidFill>
+                  <a:srgbClr val="1F497D"/>
+                </a:solidFill>
+                <a:tailEnd type="arrow"/>
+              </a:ln>
+            </p:spPr>
+            <p:style>
+              <a:lnRef idx="2">
+                <a:schemeClr val="accent1"/>
+              </a:lnRef>
+              <a:fillRef idx="0">
+                <a:schemeClr val="accent1"/>
+              </a:fillRef>
+              <a:effectRef idx="1">
+                <a:schemeClr val="accent1"/>
+              </a:effectRef>
+              <a:fontRef idx="minor">
+                <a:schemeClr val="tx1"/>
+              </a:fontRef>
+            </p:style>
+          </p:cxnSp>
+          <p:cxnSp>
+            <p:nvCxnSpPr>
+              <p:cNvPr id="324" name="Gewinkelte Verbindung 323"/>
+              <p:cNvCxnSpPr>
+                <a:stCxn id="120" idx="2"/>
+              </p:cNvCxnSpPr>
+              <p:nvPr/>
+            </p:nvCxnSpPr>
+            <p:spPr>
+              <a:xfrm rot="16200000" flipH="1">
+                <a:off x="15589882" y="13357709"/>
+                <a:ext cx="144016" cy="5544616"/>
+              </a:xfrm>
+              <a:prstGeom prst="bentConnector2">
+                <a:avLst/>
+              </a:prstGeom>
+              <a:ln>
+                <a:solidFill>
+                  <a:srgbClr val="1F497D"/>
+                </a:solidFill>
+              </a:ln>
+            </p:spPr>
+            <p:style>
+              <a:lnRef idx="2">
+                <a:schemeClr val="accent1"/>
+              </a:lnRef>
+              <a:fillRef idx="0">
+                <a:schemeClr val="accent1"/>
+              </a:fillRef>
+              <a:effectRef idx="1">
+                <a:schemeClr val="accent1"/>
+              </a:effectRef>
+              <a:fontRef idx="minor">
+                <a:schemeClr val="tx1"/>
+              </a:fontRef>
+            </p:style>
+          </p:cxnSp>
+        </p:grpSp>
+        <p:cxnSp>
+          <p:nvCxnSpPr>
+            <p:cNvPr id="416" name="Gewinkelte Verbindung 415"/>
+            <p:cNvCxnSpPr>
+              <a:stCxn id="204" idx="0"/>
+            </p:cNvCxnSpPr>
+            <p:nvPr/>
+          </p:nvCxnSpPr>
+          <p:spPr>
+            <a:xfrm rot="5400000" flipH="1" flipV="1">
+              <a:off x="18254178" y="15445941"/>
+              <a:ext cx="1080120" cy="720080"/>
+            </a:xfrm>
+            <a:prstGeom prst="bentConnector3">
+              <a:avLst>
+                <a:gd name="adj1" fmla="val 99270"/>
+              </a:avLst>
+            </a:prstGeom>
+            <a:ln>
+              <a:solidFill>
+                <a:srgbClr val="1F497D"/>
+              </a:solidFill>
+              <a:tailEnd type="arrow"/>
+            </a:ln>
+          </p:spPr>
+          <p:style>
+            <a:lnRef idx="2">
+              <a:schemeClr val="accent1"/>
+            </a:lnRef>
+            <a:fillRef idx="0">
+              <a:schemeClr val="accent1"/>
+            </a:fillRef>
+            <a:effectRef idx="1">
+              <a:schemeClr val="accent1"/>
+            </a:effectRef>
+            <a:fontRef idx="minor">
+              <a:schemeClr val="tx1"/>
+            </a:fontRef>
+          </p:style>
+        </p:cxnSp>
+        <p:cxnSp>
+          <p:nvCxnSpPr>
+            <p:cNvPr id="421" name="Gerade Verbindung 420"/>
+            <p:cNvCxnSpPr/>
+            <p:nvPr/>
+          </p:nvCxnSpPr>
+          <p:spPr>
+            <a:xfrm>
+              <a:off x="17570102" y="16202025"/>
+              <a:ext cx="0" cy="432048"/>
+            </a:xfrm>
+            <a:prstGeom prst="line">
+              <a:avLst/>
+            </a:prstGeom>
+          </p:spPr>
+          <p:style>
+            <a:lnRef idx="2">
+              <a:schemeClr val="accent1"/>
+            </a:lnRef>
+            <a:fillRef idx="0">
+              <a:schemeClr val="accent1"/>
+            </a:fillRef>
+            <a:effectRef idx="1">
+              <a:schemeClr val="accent1"/>
+            </a:effectRef>
+            <a:fontRef idx="minor">
+              <a:schemeClr val="tx1"/>
+            </a:fontRef>
+          </p:style>
+        </p:cxnSp>
+      </p:grpSp>
+      <p:grpSp>
+        <p:nvGrpSpPr>
+          <p:cNvPr id="481" name="Gruppierung 480"/>
+          <p:cNvGrpSpPr/>
+          <p:nvPr/>
+        </p:nvGrpSpPr>
+        <p:grpSpPr>
+          <a:xfrm>
+            <a:off x="12700226" y="17498169"/>
+            <a:ext cx="7318148" cy="936104"/>
+            <a:chOff x="12313516" y="18146241"/>
+            <a:chExt cx="7318148" cy="936104"/>
+          </a:xfrm>
+        </p:grpSpPr>
+        <p:grpSp>
+          <p:nvGrpSpPr>
+            <p:cNvPr id="427" name="Gruppierung 426"/>
+            <p:cNvGrpSpPr/>
+            <p:nvPr/>
+          </p:nvGrpSpPr>
+          <p:grpSpPr>
+            <a:xfrm>
+              <a:off x="12313516" y="18146241"/>
+              <a:ext cx="3888434" cy="936104"/>
+              <a:chOff x="11881470" y="15265921"/>
+              <a:chExt cx="8075981" cy="1944216"/>
+            </a:xfrm>
+          </p:grpSpPr>
+          <p:grpSp>
+            <p:nvGrpSpPr>
+              <p:cNvPr id="428" name="Gruppierung 427"/>
+              <p:cNvGrpSpPr/>
+              <p:nvPr/>
+            </p:nvGrpSpPr>
+            <p:grpSpPr>
+              <a:xfrm>
+                <a:off x="11881470" y="15265921"/>
+                <a:ext cx="6984776" cy="1944216"/>
+                <a:chOff x="11881470" y="15265921"/>
+                <a:chExt cx="6984776" cy="1944216"/>
+              </a:xfrm>
+            </p:grpSpPr>
+            <p:sp>
+              <p:nvSpPr>
+                <p:cNvPr id="431" name="Rechteck 430"/>
+                <p:cNvSpPr/>
+                <p:nvPr/>
+              </p:nvSpPr>
+              <p:spPr>
+                <a:xfrm>
+                  <a:off x="12457534" y="16418049"/>
+                  <a:ext cx="864096" cy="576064"/>
+                </a:xfrm>
+                <a:prstGeom prst="rect">
+                  <a:avLst/>
+                </a:prstGeom>
+                <a:solidFill>
+                  <a:schemeClr val="accent1">
+                    <a:lumMod val="40000"/>
+                    <a:lumOff val="60000"/>
+                  </a:schemeClr>
+                </a:solidFill>
+                <a:ln>
+                  <a:solidFill>
+                    <a:srgbClr val="1F497D"/>
+                  </a:solidFill>
+                </a:ln>
+              </p:spPr>
+              <p:style>
+                <a:lnRef idx="1">
+                  <a:schemeClr val="accent1"/>
+                </a:lnRef>
+                <a:fillRef idx="3">
+                  <a:schemeClr val="accent1"/>
+                </a:fillRef>
+                <a:effectRef idx="2">
+                  <a:schemeClr val="accent1"/>
+                </a:effectRef>
+                <a:fontRef idx="minor">
+                  <a:schemeClr val="lt1"/>
+                </a:fontRef>
+              </p:style>
+              <p:txBody>
+                <a:bodyPr rtlCol="0" anchor="ctr"/>
+                <a:lstStyle/>
+                <a:p>
+                  <a:pPr algn="ctr"/>
+                  <a:r>
+                    <a:rPr lang="de-DE" sz="1000" dirty="0" smtClean="0">
+                      <a:solidFill>
+                        <a:srgbClr val="000000"/>
+                      </a:solidFill>
+                      <a:latin typeface="Verdana"/>
+                      <a:cs typeface="Verdana"/>
+                    </a:rPr>
+                    <a:t>A</a:t>
+                  </a:r>
+                  <a:endParaRPr lang="de-DE" sz="1000" dirty="0">
+                    <a:solidFill>
+                      <a:srgbClr val="000000"/>
+                    </a:solidFill>
+                    <a:latin typeface="Verdana"/>
+                    <a:cs typeface="Verdana"/>
+                  </a:endParaRPr>
+                </a:p>
+              </p:txBody>
+            </p:sp>
+            <p:sp>
+              <p:nvSpPr>
+                <p:cNvPr id="432" name="Rechteck 431"/>
+                <p:cNvSpPr/>
+                <p:nvPr/>
+              </p:nvSpPr>
+              <p:spPr>
+                <a:xfrm>
+                  <a:off x="12457534" y="15481945"/>
+                  <a:ext cx="864096" cy="576064"/>
+                </a:xfrm>
+                <a:prstGeom prst="rect">
+                  <a:avLst/>
+                </a:prstGeom>
+                <a:solidFill>
+                  <a:schemeClr val="accent1">
+                    <a:lumMod val="40000"/>
+                    <a:lumOff val="60000"/>
+                  </a:schemeClr>
+                </a:solidFill>
+                <a:ln>
+                  <a:solidFill>
+                    <a:srgbClr val="1F497D"/>
+                  </a:solidFill>
+                </a:ln>
+              </p:spPr>
+              <p:style>
+                <a:lnRef idx="1">
+                  <a:schemeClr val="accent1"/>
+                </a:lnRef>
+                <a:fillRef idx="3">
+                  <a:schemeClr val="accent1"/>
+                </a:fillRef>
+                <a:effectRef idx="2">
+                  <a:schemeClr val="accent1"/>
+                </a:effectRef>
+                <a:fontRef idx="minor">
+                  <a:schemeClr val="lt1"/>
+                </a:fontRef>
+              </p:style>
+              <p:txBody>
+                <a:bodyPr rtlCol="0" anchor="ctr"/>
+                <a:lstStyle/>
+                <a:p>
+                  <a:pPr algn="ctr">
+                    <a:lnSpc>
+                      <a:spcPct val="50000"/>
+                    </a:lnSpc>
+                  </a:pPr>
+                  <a:r>
+                    <a:rPr lang="de-DE" sz="1000" dirty="0" err="1" smtClean="0">
+                      <a:solidFill>
+                        <a:srgbClr val="000000"/>
+                      </a:solidFill>
+                      <a:latin typeface="Verdana"/>
+                      <a:cs typeface="Verdana"/>
+                    </a:rPr>
+                    <a:t>u</a:t>
+                  </a:r>
+                  <a:r>
+                    <a:rPr lang="de-DE" sz="1000" baseline="-25000" dirty="0" err="1" smtClean="0">
+                      <a:solidFill>
+                        <a:srgbClr val="000000"/>
+                      </a:solidFill>
+                      <a:latin typeface="Verdana"/>
+                      <a:cs typeface="Verdana"/>
+                    </a:rPr>
+                    <a:t>i</a:t>
+                  </a:r>
+                  <a:endParaRPr lang="de-DE" sz="1000" dirty="0">
+                    <a:solidFill>
+                      <a:srgbClr val="000000"/>
+                    </a:solidFill>
+                    <a:latin typeface="Verdana"/>
+                    <a:cs typeface="Verdana"/>
+                  </a:endParaRPr>
+                </a:p>
+              </p:txBody>
+            </p:sp>
+            <p:sp>
+              <p:nvSpPr>
+                <p:cNvPr id="433" name="Rechteck 432"/>
+                <p:cNvSpPr/>
+                <p:nvPr/>
+              </p:nvSpPr>
+              <p:spPr>
+                <a:xfrm>
+                  <a:off x="14257734" y="15481945"/>
+                  <a:ext cx="864096" cy="576064"/>
+                </a:xfrm>
+                <a:prstGeom prst="rect">
+                  <a:avLst/>
+                </a:prstGeom>
+                <a:solidFill>
+                  <a:schemeClr val="accent1">
+                    <a:lumMod val="40000"/>
+                    <a:lumOff val="60000"/>
+                  </a:schemeClr>
+                </a:solidFill>
+                <a:ln>
+                  <a:solidFill>
+                    <a:srgbClr val="1F497D"/>
+                  </a:solidFill>
+                </a:ln>
+              </p:spPr>
+              <p:style>
+                <a:lnRef idx="1">
+                  <a:schemeClr val="accent1"/>
+                </a:lnRef>
+                <a:fillRef idx="3">
+                  <a:schemeClr val="accent1"/>
+                </a:fillRef>
+                <a:effectRef idx="2">
+                  <a:schemeClr val="accent1"/>
+                </a:effectRef>
+                <a:fontRef idx="minor">
+                  <a:schemeClr val="lt1"/>
+                </a:fontRef>
+              </p:style>
+              <p:txBody>
+                <a:bodyPr rtlCol="0" anchor="ctr"/>
+                <a:lstStyle/>
+                <a:p>
+                  <a:pPr algn="ctr">
+                    <a:lnSpc>
+                      <a:spcPct val="50000"/>
+                    </a:lnSpc>
+                  </a:pPr>
+                  <a:r>
+                    <a:rPr lang="de-DE" sz="1000" dirty="0" err="1" smtClean="0">
+                      <a:solidFill>
+                        <a:srgbClr val="000000"/>
+                      </a:solidFill>
+                      <a:latin typeface="Verdana"/>
+                      <a:cs typeface="Verdana"/>
+                    </a:rPr>
+                    <a:t>w</a:t>
+                  </a:r>
+                  <a:r>
+                    <a:rPr lang="de-DE" sz="1000" baseline="-25000" dirty="0" err="1" smtClean="0">
+                      <a:solidFill>
+                        <a:srgbClr val="000000"/>
+                      </a:solidFill>
+                      <a:latin typeface="Verdana"/>
+                      <a:cs typeface="Verdana"/>
+                    </a:rPr>
+                    <a:t>i</a:t>
+                  </a:r>
+                  <a:endParaRPr lang="de-DE" sz="1000" dirty="0">
+                    <a:solidFill>
+                      <a:srgbClr val="000000"/>
+                    </a:solidFill>
+                    <a:latin typeface="Verdana"/>
+                    <a:cs typeface="Verdana"/>
+                  </a:endParaRPr>
+                </a:p>
+              </p:txBody>
+            </p:sp>
+            <p:sp>
+              <p:nvSpPr>
+                <p:cNvPr id="434" name="Rechteck 433"/>
+                <p:cNvSpPr/>
+                <p:nvPr/>
+              </p:nvSpPr>
+              <p:spPr>
+                <a:xfrm>
+                  <a:off x="17282070" y="15481945"/>
+                  <a:ext cx="864096" cy="576064"/>
+                </a:xfrm>
+                <a:prstGeom prst="rect">
+                  <a:avLst/>
+                </a:prstGeom>
+                <a:solidFill>
+                  <a:schemeClr val="accent1">
+                    <a:lumMod val="40000"/>
+                    <a:lumOff val="60000"/>
+                  </a:schemeClr>
+                </a:solidFill>
+                <a:ln>
+                  <a:solidFill>
+                    <a:srgbClr val="1F497D"/>
+                  </a:solidFill>
+                </a:ln>
+              </p:spPr>
+              <p:style>
+                <a:lnRef idx="1">
+                  <a:schemeClr val="accent1"/>
+                </a:lnRef>
+                <a:fillRef idx="3">
+                  <a:schemeClr val="accent1"/>
+                </a:fillRef>
+                <a:effectRef idx="2">
+                  <a:schemeClr val="accent1"/>
+                </a:effectRef>
+                <a:fontRef idx="minor">
+                  <a:schemeClr val="lt1"/>
+                </a:fontRef>
+              </p:style>
+              <p:txBody>
+                <a:bodyPr rtlCol="0" anchor="ctr"/>
+                <a:lstStyle/>
+                <a:p>
+                  <a:pPr algn="ctr">
+                    <a:lnSpc>
+                      <a:spcPct val="70000"/>
+                    </a:lnSpc>
+                  </a:pPr>
+                  <a:r>
+                    <a:rPr lang="de-DE" sz="1000" dirty="0" smtClean="0">
+                      <a:solidFill>
+                        <a:srgbClr val="000000"/>
+                      </a:solidFill>
+                      <a:latin typeface="Verdana"/>
+                      <a:cs typeface="Verdana"/>
+                    </a:rPr>
+                    <a:t>b</a:t>
+                  </a:r>
+                  <a:r>
+                    <a:rPr lang="de-DE" sz="1000" baseline="-25000" dirty="0" smtClean="0">
+                      <a:solidFill>
+                        <a:srgbClr val="000000"/>
+                      </a:solidFill>
+                      <a:latin typeface="Verdana"/>
+                      <a:cs typeface="Verdana"/>
+                    </a:rPr>
+                    <a:t>i</a:t>
+                  </a:r>
+                  <a:endParaRPr lang="de-DE" sz="1000" dirty="0">
+                    <a:solidFill>
+                      <a:srgbClr val="000000"/>
+                    </a:solidFill>
+                    <a:latin typeface="Verdana"/>
+                    <a:cs typeface="Verdana"/>
+                  </a:endParaRPr>
+                </a:p>
+              </p:txBody>
+            </p:sp>
+            <p:sp>
+              <p:nvSpPr>
+                <p:cNvPr id="435" name="Rechteck 434"/>
+                <p:cNvSpPr/>
+                <p:nvPr/>
+              </p:nvSpPr>
+              <p:spPr>
+                <a:xfrm>
+                  <a:off x="15625886" y="15481945"/>
+                  <a:ext cx="864096" cy="576064"/>
+                </a:xfrm>
+                <a:prstGeom prst="rect">
+                  <a:avLst/>
+                </a:prstGeom>
+                <a:solidFill>
+                  <a:schemeClr val="accent1">
+                    <a:lumMod val="40000"/>
+                    <a:lumOff val="60000"/>
+                  </a:schemeClr>
+                </a:solidFill>
+                <a:ln>
+                  <a:solidFill>
+                    <a:srgbClr val="1F497D"/>
+                  </a:solidFill>
+                </a:ln>
+              </p:spPr>
+              <p:style>
+                <a:lnRef idx="1">
+                  <a:schemeClr val="accent1"/>
+                </a:lnRef>
+                <a:fillRef idx="3">
+                  <a:schemeClr val="accent1"/>
+                </a:fillRef>
+                <a:effectRef idx="2">
+                  <a:schemeClr val="accent1"/>
+                </a:effectRef>
+                <a:fontRef idx="minor">
+                  <a:schemeClr val="lt1"/>
+                </a:fontRef>
+              </p:style>
+              <p:txBody>
+                <a:bodyPr rtlCol="0" anchor="ctr"/>
+                <a:lstStyle/>
+                <a:p>
+                  <a:pPr algn="ctr">
+                    <a:lnSpc>
+                      <a:spcPct val="50000"/>
+                    </a:lnSpc>
+                  </a:pPr>
+                  <a:r>
+                    <a:rPr lang="de-DE" sz="1000" dirty="0">
+                      <a:solidFill>
+                        <a:srgbClr val="000000"/>
+                      </a:solidFill>
+                      <a:latin typeface="Verdana"/>
+                      <a:cs typeface="Verdana"/>
+                    </a:rPr>
+                    <a:t>u</a:t>
+                  </a:r>
+                  <a:r>
+                    <a:rPr lang="de-DE" sz="1000" baseline="-25000" dirty="0" smtClean="0">
+                      <a:solidFill>
+                        <a:srgbClr val="000000"/>
+                      </a:solidFill>
+                      <a:latin typeface="Verdana"/>
+                      <a:cs typeface="Verdana"/>
+                    </a:rPr>
+                    <a:t>i-1</a:t>
+                  </a:r>
+                  <a:endParaRPr lang="de-DE" sz="1000" dirty="0">
+                    <a:solidFill>
+                      <a:srgbClr val="000000"/>
+                    </a:solidFill>
+                    <a:latin typeface="Verdana"/>
+                    <a:cs typeface="Verdana"/>
+                  </a:endParaRPr>
+                </a:p>
+              </p:txBody>
+            </p:sp>
+            <p:sp>
+              <p:nvSpPr>
+                <p:cNvPr id="436" name="Rechteck 435"/>
+                <p:cNvSpPr/>
+                <p:nvPr/>
+              </p:nvSpPr>
+              <p:spPr>
+                <a:xfrm>
+                  <a:off x="14257734" y="16346041"/>
+                  <a:ext cx="864096" cy="576064"/>
+                </a:xfrm>
+                <a:prstGeom prst="rect">
+                  <a:avLst/>
+                </a:prstGeom>
+                <a:solidFill>
+                  <a:schemeClr val="accent1">
+                    <a:lumMod val="40000"/>
+                    <a:lumOff val="60000"/>
+                  </a:schemeClr>
+                </a:solidFill>
+                <a:ln w="57150" cmpd="sng">
+                  <a:solidFill>
+                    <a:srgbClr val="1F497D"/>
+                  </a:solidFill>
+                </a:ln>
+              </p:spPr>
+              <p:style>
+                <a:lnRef idx="1">
+                  <a:schemeClr val="accent1"/>
+                </a:lnRef>
+                <a:fillRef idx="3">
+                  <a:schemeClr val="accent1"/>
+                </a:fillRef>
+                <a:effectRef idx="2">
+                  <a:schemeClr val="accent1"/>
+                </a:effectRef>
+                <a:fontRef idx="minor">
+                  <a:schemeClr val="lt1"/>
+                </a:fontRef>
+              </p:style>
+              <p:txBody>
+                <a:bodyPr rtlCol="0" anchor="ctr"/>
+                <a:lstStyle/>
+                <a:p>
+                  <a:pPr algn="ctr">
+                    <a:lnSpc>
+                      <a:spcPct val="70000"/>
+                    </a:lnSpc>
+                  </a:pPr>
+                  <a:r>
+                    <a:rPr lang="de-DE" sz="1000" dirty="0" smtClean="0">
+                      <a:solidFill>
+                        <a:srgbClr val="000000"/>
+                      </a:solidFill>
+                      <a:latin typeface="Verdana"/>
+                      <a:cs typeface="Verdana"/>
+                    </a:rPr>
+                    <a:t>a</a:t>
+                  </a:r>
+                  <a:r>
+                    <a:rPr lang="de-DE" sz="1000" baseline="-25000" dirty="0" smtClean="0">
+                      <a:solidFill>
+                        <a:srgbClr val="000000"/>
+                      </a:solidFill>
+                      <a:latin typeface="Verdana"/>
+                      <a:cs typeface="Verdana"/>
+                    </a:rPr>
+                    <a:t>i</a:t>
+                  </a:r>
+                  <a:endParaRPr lang="de-DE" sz="1000" dirty="0">
+                    <a:solidFill>
+                      <a:srgbClr val="000000"/>
+                    </a:solidFill>
+                    <a:latin typeface="Verdana"/>
+                    <a:cs typeface="Verdana"/>
+                  </a:endParaRPr>
+                </a:p>
+              </p:txBody>
+            </p:sp>
+            <p:cxnSp>
+              <p:nvCxnSpPr>
+                <p:cNvPr id="437" name="Gerade Verbindung mit Pfeil 436"/>
+                <p:cNvCxnSpPr>
+                  <a:stCxn id="432" idx="3"/>
+                  <a:endCxn id="436" idx="1"/>
+                </p:cNvCxnSpPr>
+                <p:nvPr/>
+              </p:nvCxnSpPr>
+              <p:spPr>
+                <a:xfrm>
+                  <a:off x="13321630" y="15769977"/>
+                  <a:ext cx="936104" cy="864096"/>
+                </a:xfrm>
+                <a:prstGeom prst="straightConnector1">
+                  <a:avLst/>
+                </a:prstGeom>
+                <a:ln>
+                  <a:solidFill>
+                    <a:srgbClr val="1F497D"/>
+                  </a:solidFill>
+                  <a:tailEnd type="arrow"/>
+                </a:ln>
+              </p:spPr>
+              <p:style>
+                <a:lnRef idx="2">
+                  <a:schemeClr val="accent1"/>
+                </a:lnRef>
+                <a:fillRef idx="0">
+                  <a:schemeClr val="accent1"/>
+                </a:fillRef>
+                <a:effectRef idx="1">
+                  <a:schemeClr val="accent1"/>
+                </a:effectRef>
+                <a:fontRef idx="minor">
+                  <a:schemeClr val="tx1"/>
+                </a:fontRef>
+              </p:style>
+            </p:cxnSp>
+            <p:cxnSp>
+              <p:nvCxnSpPr>
+                <p:cNvPr id="438" name="Gerade Verbindung mit Pfeil 437"/>
+                <p:cNvCxnSpPr>
+                  <a:stCxn id="433" idx="2"/>
+                  <a:endCxn id="436" idx="0"/>
+                </p:cNvCxnSpPr>
+                <p:nvPr/>
+              </p:nvCxnSpPr>
+              <p:spPr>
+                <a:xfrm>
+                  <a:off x="14689782" y="16058009"/>
+                  <a:ext cx="0" cy="288032"/>
+                </a:xfrm>
+                <a:prstGeom prst="straightConnector1">
+                  <a:avLst/>
+                </a:prstGeom>
+                <a:ln>
+                  <a:solidFill>
+                    <a:srgbClr val="1F497D"/>
+                  </a:solidFill>
+                  <a:tailEnd type="arrow"/>
+                </a:ln>
+              </p:spPr>
+              <p:style>
+                <a:lnRef idx="2">
+                  <a:schemeClr val="accent1"/>
+                </a:lnRef>
+                <a:fillRef idx="0">
+                  <a:schemeClr val="accent1"/>
+                </a:fillRef>
+                <a:effectRef idx="1">
+                  <a:schemeClr val="accent1"/>
+                </a:effectRef>
+                <a:fontRef idx="minor">
+                  <a:schemeClr val="tx1"/>
+                </a:fontRef>
+              </p:style>
+            </p:cxnSp>
+            <p:cxnSp>
+              <p:nvCxnSpPr>
+                <p:cNvPr id="439" name="Gerade Verbindung mit Pfeil 438"/>
+                <p:cNvCxnSpPr>
+                  <a:stCxn id="431" idx="3"/>
+                  <a:endCxn id="433" idx="1"/>
+                </p:cNvCxnSpPr>
+                <p:nvPr/>
+              </p:nvCxnSpPr>
+              <p:spPr>
+                <a:xfrm flipV="1">
+                  <a:off x="13321630" y="15769977"/>
+                  <a:ext cx="936104" cy="936104"/>
+                </a:xfrm>
+                <a:prstGeom prst="straightConnector1">
+                  <a:avLst/>
+                </a:prstGeom>
+                <a:ln>
+                  <a:solidFill>
+                    <a:srgbClr val="1F497D"/>
+                  </a:solidFill>
+                  <a:tailEnd type="arrow"/>
+                </a:ln>
+              </p:spPr>
+              <p:style>
+                <a:lnRef idx="2">
+                  <a:schemeClr val="accent1"/>
+                </a:lnRef>
+                <a:fillRef idx="0">
+                  <a:schemeClr val="accent1"/>
+                </a:fillRef>
+                <a:effectRef idx="1">
+                  <a:schemeClr val="accent1"/>
+                </a:effectRef>
+                <a:fontRef idx="minor">
+                  <a:schemeClr val="tx1"/>
+                </a:fontRef>
+              </p:style>
+            </p:cxnSp>
+            <p:cxnSp>
+              <p:nvCxnSpPr>
+                <p:cNvPr id="440" name="Gerade Verbindung mit Pfeil 439"/>
+                <p:cNvCxnSpPr>
+                  <a:stCxn id="432" idx="3"/>
+                  <a:endCxn id="433" idx="1"/>
+                </p:cNvCxnSpPr>
+                <p:nvPr/>
+              </p:nvCxnSpPr>
+              <p:spPr>
+                <a:xfrm>
+                  <a:off x="13321630" y="15769977"/>
+                  <a:ext cx="936104" cy="0"/>
+                </a:xfrm>
+                <a:prstGeom prst="straightConnector1">
+                  <a:avLst/>
+                </a:prstGeom>
+                <a:ln>
+                  <a:solidFill>
+                    <a:srgbClr val="1F497D"/>
+                  </a:solidFill>
+                  <a:tailEnd type="arrow"/>
+                </a:ln>
+              </p:spPr>
+              <p:style>
+                <a:lnRef idx="2">
+                  <a:schemeClr val="accent1"/>
+                </a:lnRef>
+                <a:fillRef idx="0">
+                  <a:schemeClr val="accent1"/>
+                </a:fillRef>
+                <a:effectRef idx="1">
+                  <a:schemeClr val="accent1"/>
+                </a:effectRef>
+                <a:fontRef idx="minor">
+                  <a:schemeClr val="tx1"/>
+                </a:fontRef>
+              </p:style>
+            </p:cxnSp>
+            <p:sp>
+              <p:nvSpPr>
+                <p:cNvPr id="441" name="Rechteck 440"/>
+                <p:cNvSpPr/>
+                <p:nvPr/>
+              </p:nvSpPr>
+              <p:spPr>
+                <a:xfrm>
+                  <a:off x="16417974" y="16346041"/>
+                  <a:ext cx="864096" cy="576064"/>
+                </a:xfrm>
+                <a:prstGeom prst="rect">
+                  <a:avLst/>
+                </a:prstGeom>
+                <a:solidFill>
+                  <a:schemeClr val="accent1">
+                    <a:lumMod val="40000"/>
+                    <a:lumOff val="60000"/>
+                  </a:schemeClr>
+                </a:solidFill>
+                <a:ln w="57150" cmpd="sng">
+                  <a:solidFill>
+                    <a:srgbClr val="1F497D"/>
+                  </a:solidFill>
+                </a:ln>
+              </p:spPr>
+              <p:style>
+                <a:lnRef idx="1">
+                  <a:schemeClr val="accent1"/>
+                </a:lnRef>
+                <a:fillRef idx="3">
+                  <a:schemeClr val="accent1"/>
+                </a:fillRef>
+                <a:effectRef idx="2">
+                  <a:schemeClr val="accent1"/>
+                </a:effectRef>
+                <a:fontRef idx="minor">
+                  <a:schemeClr val="lt1"/>
+                </a:fontRef>
+              </p:style>
+              <p:txBody>
+                <a:bodyPr rtlCol="0" anchor="ctr"/>
+                <a:lstStyle/>
+                <a:p>
+                  <a:pPr algn="ctr">
+                    <a:lnSpc>
+                      <a:spcPct val="50000"/>
+                    </a:lnSpc>
+                  </a:pPr>
+                  <a:r>
+                    <a:rPr lang="de-DE" sz="1000" dirty="0" smtClean="0">
+                      <a:solidFill>
+                        <a:srgbClr val="000000"/>
+                      </a:solidFill>
+                      <a:latin typeface="Verdana"/>
+                      <a:cs typeface="Verdana"/>
+                    </a:rPr>
+                    <a:t>u</a:t>
+                  </a:r>
+                  <a:r>
+                    <a:rPr lang="de-DE" sz="1000" baseline="-25000" dirty="0" smtClean="0">
+                      <a:solidFill>
+                        <a:srgbClr val="000000"/>
+                      </a:solidFill>
+                      <a:latin typeface="Verdana"/>
+                      <a:cs typeface="Verdana"/>
+                    </a:rPr>
+                    <a:t>i+1</a:t>
+                  </a:r>
+                  <a:endParaRPr lang="de-DE" sz="1000" dirty="0">
+                    <a:solidFill>
+                      <a:srgbClr val="000000"/>
+                    </a:solidFill>
+                    <a:latin typeface="Verdana"/>
+                    <a:cs typeface="Verdana"/>
+                  </a:endParaRPr>
+                </a:p>
+              </p:txBody>
+            </p:sp>
+            <p:cxnSp>
+              <p:nvCxnSpPr>
+                <p:cNvPr id="442" name="Gewinkelte Verbindung 441"/>
+                <p:cNvCxnSpPr>
+                  <a:endCxn id="441" idx="2"/>
+                </p:cNvCxnSpPr>
+                <p:nvPr/>
+              </p:nvCxnSpPr>
+              <p:spPr>
+                <a:xfrm>
+                  <a:off x="12457534" y="15841985"/>
+                  <a:ext cx="4392488" cy="1080120"/>
+                </a:xfrm>
+                <a:prstGeom prst="bentConnector4">
+                  <a:avLst>
+                    <a:gd name="adj1" fmla="val -4760"/>
+                    <a:gd name="adj2" fmla="val 125643"/>
+                  </a:avLst>
+                </a:prstGeom>
+                <a:ln>
+                  <a:solidFill>
+                    <a:srgbClr val="1F497D"/>
+                  </a:solidFill>
+                  <a:tailEnd type="arrow"/>
+                </a:ln>
+              </p:spPr>
+              <p:style>
+                <a:lnRef idx="2">
+                  <a:schemeClr val="accent1"/>
+                </a:lnRef>
+                <a:fillRef idx="0">
+                  <a:schemeClr val="accent1"/>
+                </a:fillRef>
+                <a:effectRef idx="1">
+                  <a:schemeClr val="accent1"/>
+                </a:effectRef>
+                <a:fontRef idx="minor">
+                  <a:schemeClr val="tx1"/>
+                </a:fontRef>
+              </p:style>
+            </p:cxnSp>
+            <p:cxnSp>
+              <p:nvCxnSpPr>
+                <p:cNvPr id="443" name="Gerade Verbindung 442"/>
+                <p:cNvCxnSpPr>
+                  <a:stCxn id="436" idx="2"/>
+                </p:cNvCxnSpPr>
+                <p:nvPr/>
+              </p:nvCxnSpPr>
+              <p:spPr>
+                <a:xfrm>
+                  <a:off x="14689782" y="16922105"/>
+                  <a:ext cx="0" cy="288032"/>
+                </a:xfrm>
+                <a:prstGeom prst="line">
+                  <a:avLst/>
+                </a:prstGeom>
+                <a:ln>
+                  <a:solidFill>
+                    <a:srgbClr val="1F497D"/>
+                  </a:solidFill>
+                </a:ln>
+              </p:spPr>
+              <p:style>
+                <a:lnRef idx="2">
+                  <a:schemeClr val="accent1"/>
+                </a:lnRef>
+                <a:fillRef idx="0">
+                  <a:schemeClr val="accent1"/>
+                </a:fillRef>
+                <a:effectRef idx="1">
+                  <a:schemeClr val="accent1"/>
+                </a:effectRef>
+                <a:fontRef idx="minor">
+                  <a:schemeClr val="tx1"/>
+                </a:fontRef>
+              </p:style>
+            </p:cxnSp>
+            <p:cxnSp>
+              <p:nvCxnSpPr>
+                <p:cNvPr id="444" name="Gewinkelte Verbindung 443"/>
+                <p:cNvCxnSpPr>
+                  <a:stCxn id="435" idx="3"/>
+                  <a:endCxn id="441" idx="0"/>
+                </p:cNvCxnSpPr>
+                <p:nvPr/>
+              </p:nvCxnSpPr>
+              <p:spPr>
+                <a:xfrm>
+                  <a:off x="16489982" y="15769977"/>
+                  <a:ext cx="360040" cy="576064"/>
+                </a:xfrm>
+                <a:prstGeom prst="bentConnector2">
+                  <a:avLst/>
+                </a:prstGeom>
+                <a:ln>
+                  <a:solidFill>
+                    <a:srgbClr val="1F497D"/>
+                  </a:solidFill>
+                  <a:tailEnd type="arrow"/>
+                </a:ln>
+              </p:spPr>
+              <p:style>
+                <a:lnRef idx="2">
+                  <a:schemeClr val="accent1"/>
+                </a:lnRef>
+                <a:fillRef idx="0">
+                  <a:schemeClr val="accent1"/>
+                </a:fillRef>
+                <a:effectRef idx="1">
+                  <a:schemeClr val="accent1"/>
+                </a:effectRef>
+                <a:fontRef idx="minor">
+                  <a:schemeClr val="tx1"/>
+                </a:fontRef>
+              </p:style>
+            </p:cxnSp>
+            <p:cxnSp>
+              <p:nvCxnSpPr>
+                <p:cNvPr id="445" name="Gewinkelte Verbindung 444"/>
+                <p:cNvCxnSpPr>
+                  <a:stCxn id="434" idx="1"/>
+                  <a:endCxn id="441" idx="0"/>
+                </p:cNvCxnSpPr>
+                <p:nvPr/>
+              </p:nvCxnSpPr>
+              <p:spPr>
+                <a:xfrm rot="10800000" flipV="1">
+                  <a:off x="16850022" y="15769977"/>
+                  <a:ext cx="432048" cy="576064"/>
+                </a:xfrm>
+                <a:prstGeom prst="bentConnector2">
+                  <a:avLst/>
+                </a:prstGeom>
+                <a:ln>
+                  <a:solidFill>
+                    <a:srgbClr val="1F497D"/>
+                  </a:solidFill>
+                  <a:tailEnd type="arrow"/>
+                </a:ln>
+              </p:spPr>
+              <p:style>
+                <a:lnRef idx="2">
+                  <a:schemeClr val="accent1"/>
+                </a:lnRef>
+                <a:fillRef idx="0">
+                  <a:schemeClr val="accent1"/>
+                </a:fillRef>
+                <a:effectRef idx="1">
+                  <a:schemeClr val="accent1"/>
+                </a:effectRef>
+                <a:fontRef idx="minor">
+                  <a:schemeClr val="tx1"/>
+                </a:fontRef>
+              </p:style>
+            </p:cxnSp>
+            <p:sp>
+              <p:nvSpPr>
+                <p:cNvPr id="446" name="Rechteck 445"/>
+                <p:cNvSpPr/>
+                <p:nvPr/>
+              </p:nvSpPr>
+              <p:spPr>
+                <a:xfrm>
+                  <a:off x="18002150" y="16346041"/>
+                  <a:ext cx="864096" cy="576064"/>
+                </a:xfrm>
+                <a:prstGeom prst="rect">
+                  <a:avLst/>
+                </a:prstGeom>
+                <a:solidFill>
+                  <a:schemeClr val="accent1">
+                    <a:lumMod val="40000"/>
+                    <a:lumOff val="60000"/>
+                  </a:schemeClr>
+                </a:solidFill>
+                <a:ln w="57150" cmpd="sng">
+                  <a:solidFill>
+                    <a:srgbClr val="1F497D"/>
+                  </a:solidFill>
+                </a:ln>
+              </p:spPr>
+              <p:style>
+                <a:lnRef idx="1">
+                  <a:schemeClr val="accent1"/>
+                </a:lnRef>
+                <a:fillRef idx="3">
+                  <a:schemeClr val="accent1"/>
+                </a:fillRef>
+                <a:effectRef idx="2">
+                  <a:schemeClr val="accent1"/>
+                </a:effectRef>
+                <a:fontRef idx="minor">
+                  <a:schemeClr val="lt1"/>
+                </a:fontRef>
+              </p:style>
+              <p:txBody>
+                <a:bodyPr rtlCol="0" anchor="ctr"/>
+                <a:lstStyle/>
+                <a:p>
+                  <a:pPr algn="ctr">
+                    <a:lnSpc>
+                      <a:spcPct val="70000"/>
+                    </a:lnSpc>
+                  </a:pPr>
+                  <a:r>
+                    <a:rPr lang="de-DE" sz="1000" dirty="0" smtClean="0">
+                      <a:solidFill>
+                        <a:srgbClr val="000000"/>
+                      </a:solidFill>
+                      <a:latin typeface="Verdana"/>
+                      <a:cs typeface="Verdana"/>
+                    </a:rPr>
+                    <a:t>b</a:t>
+                  </a:r>
+                  <a:r>
+                    <a:rPr lang="de-DE" sz="1000" baseline="-25000" dirty="0" smtClean="0">
+                      <a:solidFill>
+                        <a:srgbClr val="000000"/>
+                      </a:solidFill>
+                      <a:latin typeface="Verdana"/>
+                      <a:cs typeface="Verdana"/>
+                    </a:rPr>
+                    <a:t>i+1</a:t>
+                  </a:r>
+                  <a:endParaRPr lang="de-DE" sz="1000" dirty="0">
+                    <a:solidFill>
+                      <a:srgbClr val="000000"/>
+                    </a:solidFill>
+                    <a:latin typeface="Verdana"/>
+                    <a:cs typeface="Verdana"/>
+                  </a:endParaRPr>
+                </a:p>
+              </p:txBody>
+            </p:sp>
+            <p:cxnSp>
+              <p:nvCxnSpPr>
+                <p:cNvPr id="447" name="Gerade Verbindung mit Pfeil 446"/>
+                <p:cNvCxnSpPr>
+                  <a:stCxn id="441" idx="3"/>
+                  <a:endCxn id="446" idx="1"/>
+                </p:cNvCxnSpPr>
+                <p:nvPr/>
+              </p:nvCxnSpPr>
+              <p:spPr>
+                <a:xfrm>
+                  <a:off x="17282070" y="16634073"/>
+                  <a:ext cx="720080" cy="0"/>
+                </a:xfrm>
+                <a:prstGeom prst="straightConnector1">
+                  <a:avLst/>
+                </a:prstGeom>
+                <a:ln>
+                  <a:solidFill>
+                    <a:srgbClr val="1F497D"/>
+                  </a:solidFill>
+                  <a:tailEnd type="arrow"/>
+                </a:ln>
+              </p:spPr>
+              <p:style>
+                <a:lnRef idx="2">
+                  <a:schemeClr val="accent1"/>
+                </a:lnRef>
+                <a:fillRef idx="0">
+                  <a:schemeClr val="accent1"/>
+                </a:fillRef>
+                <a:effectRef idx="1">
+                  <a:schemeClr val="accent1"/>
+                </a:effectRef>
+                <a:fontRef idx="minor">
+                  <a:schemeClr val="tx1"/>
+                </a:fontRef>
+              </p:style>
+            </p:cxnSp>
+            <p:cxnSp>
+              <p:nvCxnSpPr>
+                <p:cNvPr id="448" name="Gerade Verbindung mit Pfeil 447"/>
+                <p:cNvCxnSpPr>
+                  <a:endCxn id="431" idx="1"/>
+                </p:cNvCxnSpPr>
+                <p:nvPr/>
+              </p:nvCxnSpPr>
+              <p:spPr>
+                <a:xfrm>
+                  <a:off x="11881470" y="16706081"/>
+                  <a:ext cx="576064" cy="0"/>
+                </a:xfrm>
+                <a:prstGeom prst="straightConnector1">
+                  <a:avLst/>
+                </a:prstGeom>
+                <a:ln>
+                  <a:solidFill>
+                    <a:srgbClr val="1F497D"/>
+                  </a:solidFill>
+                  <a:tailEnd type="arrow"/>
+                </a:ln>
+              </p:spPr>
+              <p:style>
+                <a:lnRef idx="2">
+                  <a:schemeClr val="accent1"/>
+                </a:lnRef>
+                <a:fillRef idx="0">
+                  <a:schemeClr val="accent1"/>
+                </a:fillRef>
+                <a:effectRef idx="1">
+                  <a:schemeClr val="accent1"/>
+                </a:effectRef>
+                <a:fontRef idx="minor">
+                  <a:schemeClr val="tx1"/>
+                </a:fontRef>
+              </p:style>
+            </p:cxnSp>
+            <p:cxnSp>
+              <p:nvCxnSpPr>
+                <p:cNvPr id="449" name="Gewinkelte Verbindung 448"/>
+                <p:cNvCxnSpPr>
+                  <a:endCxn id="432" idx="0"/>
+                </p:cNvCxnSpPr>
+                <p:nvPr/>
+              </p:nvCxnSpPr>
+              <p:spPr>
+                <a:xfrm>
+                  <a:off x="11881470" y="15265921"/>
+                  <a:ext cx="1008112" cy="216024"/>
+                </a:xfrm>
+                <a:prstGeom prst="bentConnector2">
+                  <a:avLst/>
+                </a:prstGeom>
+                <a:ln>
+                  <a:solidFill>
+                    <a:srgbClr val="1F497D"/>
+                  </a:solidFill>
+                  <a:tailEnd type="arrow"/>
+                </a:ln>
+              </p:spPr>
+              <p:style>
+                <a:lnRef idx="2">
+                  <a:schemeClr val="accent1"/>
+                </a:lnRef>
+                <a:fillRef idx="0">
+                  <a:schemeClr val="accent1"/>
+                </a:fillRef>
+                <a:effectRef idx="1">
+                  <a:schemeClr val="accent1"/>
+                </a:effectRef>
+                <a:fontRef idx="minor">
+                  <a:schemeClr val="tx1"/>
+                </a:fontRef>
+              </p:style>
+            </p:cxnSp>
+            <p:cxnSp>
+              <p:nvCxnSpPr>
+                <p:cNvPr id="450" name="Gewinkelte Verbindung 449"/>
+                <p:cNvCxnSpPr>
+                  <a:endCxn id="435" idx="0"/>
+                </p:cNvCxnSpPr>
+                <p:nvPr/>
+              </p:nvCxnSpPr>
+              <p:spPr>
+                <a:xfrm>
+                  <a:off x="11881470" y="15265921"/>
+                  <a:ext cx="4176464" cy="216024"/>
+                </a:xfrm>
+                <a:prstGeom prst="bentConnector2">
+                  <a:avLst/>
+                </a:prstGeom>
+                <a:ln>
+                  <a:solidFill>
+                    <a:srgbClr val="1F497D"/>
+                  </a:solidFill>
+                  <a:tailEnd type="arrow"/>
+                </a:ln>
+              </p:spPr>
+              <p:style>
+                <a:lnRef idx="2">
+                  <a:schemeClr val="accent1"/>
+                </a:lnRef>
+                <a:fillRef idx="0">
+                  <a:schemeClr val="accent1"/>
+                </a:fillRef>
+                <a:effectRef idx="1">
+                  <a:schemeClr val="accent1"/>
+                </a:effectRef>
+                <a:fontRef idx="minor">
+                  <a:schemeClr val="tx1"/>
+                </a:fontRef>
+              </p:style>
+            </p:cxnSp>
+            <p:cxnSp>
+              <p:nvCxnSpPr>
+                <p:cNvPr id="451" name="Gewinkelte Verbindung 450"/>
+                <p:cNvCxnSpPr>
+                  <a:endCxn id="434" idx="0"/>
+                </p:cNvCxnSpPr>
+                <p:nvPr/>
+              </p:nvCxnSpPr>
+              <p:spPr>
+                <a:xfrm>
+                  <a:off x="11881470" y="15265921"/>
+                  <a:ext cx="5832648" cy="216024"/>
+                </a:xfrm>
+                <a:prstGeom prst="bentConnector2">
+                  <a:avLst/>
+                </a:prstGeom>
+                <a:ln>
+                  <a:solidFill>
+                    <a:srgbClr val="1F497D"/>
+                  </a:solidFill>
+                  <a:tailEnd type="arrow"/>
+                </a:ln>
+              </p:spPr>
+              <p:style>
+                <a:lnRef idx="2">
+                  <a:schemeClr val="accent1"/>
+                </a:lnRef>
+                <a:fillRef idx="0">
+                  <a:schemeClr val="accent1"/>
+                </a:fillRef>
+                <a:effectRef idx="1">
+                  <a:schemeClr val="accent1"/>
+                </a:effectRef>
+                <a:fontRef idx="minor">
+                  <a:schemeClr val="tx1"/>
+                </a:fontRef>
+              </p:style>
+            </p:cxnSp>
+            <p:cxnSp>
+              <p:nvCxnSpPr>
+                <p:cNvPr id="452" name="Gewinkelte Verbindung 451"/>
+                <p:cNvCxnSpPr>
+                  <a:stCxn id="432" idx="2"/>
+                </p:cNvCxnSpPr>
+                <p:nvPr/>
+              </p:nvCxnSpPr>
+              <p:spPr>
+                <a:xfrm rot="16200000" flipH="1">
+                  <a:off x="15589882" y="13357709"/>
+                  <a:ext cx="144016" cy="5544616"/>
+                </a:xfrm>
+                <a:prstGeom prst="bentConnector2">
+                  <a:avLst/>
+                </a:prstGeom>
+                <a:ln>
+                  <a:solidFill>
+                    <a:srgbClr val="1F497D"/>
+                  </a:solidFill>
+                </a:ln>
+              </p:spPr>
+              <p:style>
+                <a:lnRef idx="2">
+                  <a:schemeClr val="accent1"/>
+                </a:lnRef>
+                <a:fillRef idx="0">
+                  <a:schemeClr val="accent1"/>
+                </a:fillRef>
+                <a:effectRef idx="1">
+                  <a:schemeClr val="accent1"/>
+                </a:effectRef>
+                <a:fontRef idx="minor">
+                  <a:schemeClr val="tx1"/>
+                </a:fontRef>
+              </p:style>
+            </p:cxnSp>
+          </p:grpSp>
+          <p:cxnSp>
+            <p:nvCxnSpPr>
+              <p:cNvPr id="429" name="Gewinkelte Verbindung 428"/>
+              <p:cNvCxnSpPr>
+                <a:stCxn id="446" idx="0"/>
+              </p:cNvCxnSpPr>
+              <p:nvPr/>
+            </p:nvCxnSpPr>
+            <p:spPr>
+              <a:xfrm rot="5400000" flipH="1" flipV="1">
+                <a:off x="18655765" y="15044355"/>
+                <a:ext cx="1080120" cy="1523253"/>
+              </a:xfrm>
+              <a:prstGeom prst="bentConnector2">
+                <a:avLst/>
+              </a:prstGeom>
+              <a:ln>
+                <a:solidFill>
+                  <a:srgbClr val="1F497D"/>
+                </a:solidFill>
+                <a:tailEnd type="arrow"/>
+              </a:ln>
+            </p:spPr>
+            <p:style>
+              <a:lnRef idx="2">
+                <a:schemeClr val="accent1"/>
+              </a:lnRef>
+              <a:fillRef idx="0">
+                <a:schemeClr val="accent1"/>
+              </a:fillRef>
+              <a:effectRef idx="1">
+                <a:schemeClr val="accent1"/>
+              </a:effectRef>
+              <a:fontRef idx="minor">
+                <a:schemeClr val="tx1"/>
+              </a:fontRef>
+            </p:style>
+          </p:cxnSp>
+          <p:cxnSp>
+            <p:nvCxnSpPr>
+              <p:cNvPr id="430" name="Gerade Verbindung 429"/>
+              <p:cNvCxnSpPr/>
+              <p:nvPr/>
+            </p:nvCxnSpPr>
+            <p:spPr>
+              <a:xfrm>
+                <a:off x="17570102" y="16202025"/>
+                <a:ext cx="0" cy="432048"/>
+              </a:xfrm>
+              <a:prstGeom prst="line">
+                <a:avLst/>
+              </a:prstGeom>
+            </p:spPr>
+            <p:style>
+              <a:lnRef idx="2">
+                <a:schemeClr val="accent1"/>
+              </a:lnRef>
+              <a:fillRef idx="0">
+                <a:schemeClr val="accent1"/>
+              </a:fillRef>
+              <a:effectRef idx="1">
+                <a:schemeClr val="accent1"/>
+              </a:effectRef>
+              <a:fontRef idx="minor">
+                <a:schemeClr val="tx1"/>
+              </a:fontRef>
+            </p:style>
+          </p:cxnSp>
+        </p:grpSp>
+        <p:grpSp>
+          <p:nvGrpSpPr>
+            <p:cNvPr id="453" name="Gruppierung 452"/>
+            <p:cNvGrpSpPr/>
+            <p:nvPr/>
+          </p:nvGrpSpPr>
+          <p:grpSpPr>
+            <a:xfrm>
+              <a:off x="16129942" y="18146241"/>
+              <a:ext cx="3501722" cy="936104"/>
+              <a:chOff x="11881470" y="15265921"/>
+              <a:chExt cx="7272808" cy="1944216"/>
+            </a:xfrm>
+          </p:grpSpPr>
+          <p:grpSp>
+            <p:nvGrpSpPr>
+              <p:cNvPr id="454" name="Gruppierung 453"/>
+              <p:cNvGrpSpPr/>
+              <p:nvPr/>
+            </p:nvGrpSpPr>
+            <p:grpSpPr>
+              <a:xfrm>
+                <a:off x="11881470" y="15265921"/>
+                <a:ext cx="6984776" cy="1944216"/>
+                <a:chOff x="11881470" y="15265921"/>
+                <a:chExt cx="6984776" cy="1944216"/>
+              </a:xfrm>
+            </p:grpSpPr>
+            <p:sp>
+              <p:nvSpPr>
+                <p:cNvPr id="457" name="Rechteck 456"/>
+                <p:cNvSpPr/>
+                <p:nvPr/>
+              </p:nvSpPr>
+              <p:spPr>
+                <a:xfrm>
+                  <a:off x="12457534" y="16418049"/>
+                  <a:ext cx="864096" cy="576064"/>
+                </a:xfrm>
+                <a:prstGeom prst="rect">
+                  <a:avLst/>
+                </a:prstGeom>
+                <a:solidFill>
+                  <a:schemeClr val="accent1">
+                    <a:lumMod val="40000"/>
+                    <a:lumOff val="60000"/>
+                  </a:schemeClr>
+                </a:solidFill>
+                <a:ln>
+                  <a:solidFill>
+                    <a:srgbClr val="1F497D"/>
+                  </a:solidFill>
+                </a:ln>
+              </p:spPr>
+              <p:style>
+                <a:lnRef idx="1">
+                  <a:schemeClr val="accent1"/>
+                </a:lnRef>
+                <a:fillRef idx="3">
+                  <a:schemeClr val="accent1"/>
+                </a:fillRef>
+                <a:effectRef idx="2">
+                  <a:schemeClr val="accent1"/>
+                </a:effectRef>
+                <a:fontRef idx="minor">
+                  <a:schemeClr val="lt1"/>
+                </a:fontRef>
+              </p:style>
+              <p:txBody>
+                <a:bodyPr rtlCol="0" anchor="ctr"/>
+                <a:lstStyle/>
+                <a:p>
+                  <a:pPr algn="ctr"/>
+                  <a:r>
+                    <a:rPr lang="de-DE" sz="1000" dirty="0" smtClean="0">
+                      <a:solidFill>
+                        <a:srgbClr val="000000"/>
+                      </a:solidFill>
+                      <a:latin typeface="Verdana"/>
+                      <a:cs typeface="Verdana"/>
+                    </a:rPr>
+                    <a:t>A</a:t>
+                  </a:r>
+                  <a:endParaRPr lang="de-DE" sz="1000" dirty="0">
+                    <a:solidFill>
+                      <a:srgbClr val="000000"/>
+                    </a:solidFill>
+                    <a:latin typeface="Verdana"/>
+                    <a:cs typeface="Verdana"/>
+                  </a:endParaRPr>
+                </a:p>
+              </p:txBody>
+            </p:sp>
+            <p:sp>
+              <p:nvSpPr>
+                <p:cNvPr id="458" name="Rechteck 457"/>
+                <p:cNvSpPr/>
+                <p:nvPr/>
+              </p:nvSpPr>
+              <p:spPr>
+                <a:xfrm>
+                  <a:off x="12457534" y="15481945"/>
+                  <a:ext cx="864096" cy="576064"/>
+                </a:xfrm>
+                <a:prstGeom prst="rect">
+                  <a:avLst/>
+                </a:prstGeom>
+                <a:solidFill>
+                  <a:schemeClr val="accent1">
+                    <a:lumMod val="40000"/>
+                    <a:lumOff val="60000"/>
+                  </a:schemeClr>
+                </a:solidFill>
+                <a:ln>
+                  <a:solidFill>
+                    <a:srgbClr val="1F497D"/>
+                  </a:solidFill>
+                </a:ln>
+              </p:spPr>
+              <p:style>
+                <a:lnRef idx="1">
+                  <a:schemeClr val="accent1"/>
+                </a:lnRef>
+                <a:fillRef idx="3">
+                  <a:schemeClr val="accent1"/>
+                </a:fillRef>
+                <a:effectRef idx="2">
+                  <a:schemeClr val="accent1"/>
+                </a:effectRef>
+                <a:fontRef idx="minor">
+                  <a:schemeClr val="lt1"/>
+                </a:fontRef>
+              </p:style>
+              <p:txBody>
+                <a:bodyPr rtlCol="0" anchor="ctr"/>
+                <a:lstStyle/>
+                <a:p>
+                  <a:pPr algn="ctr">
+                    <a:lnSpc>
+                      <a:spcPct val="50000"/>
+                    </a:lnSpc>
+                  </a:pPr>
+                  <a:r>
+                    <a:rPr lang="de-DE" sz="1000" dirty="0" err="1" smtClean="0">
+                      <a:solidFill>
+                        <a:srgbClr val="000000"/>
+                      </a:solidFill>
+                      <a:latin typeface="Verdana"/>
+                      <a:cs typeface="Verdana"/>
+                    </a:rPr>
+                    <a:t>u</a:t>
+                  </a:r>
+                  <a:r>
+                    <a:rPr lang="de-DE" sz="1000" baseline="-25000" dirty="0" err="1" smtClean="0">
+                      <a:solidFill>
+                        <a:srgbClr val="000000"/>
+                      </a:solidFill>
+                      <a:latin typeface="Verdana"/>
+                      <a:cs typeface="Verdana"/>
+                    </a:rPr>
+                    <a:t>i</a:t>
+                  </a:r>
+                  <a:endParaRPr lang="de-DE" sz="1000" dirty="0">
+                    <a:solidFill>
+                      <a:srgbClr val="000000"/>
+                    </a:solidFill>
+                    <a:latin typeface="Verdana"/>
+                    <a:cs typeface="Verdana"/>
+                  </a:endParaRPr>
+                </a:p>
+              </p:txBody>
+            </p:sp>
+            <p:sp>
+              <p:nvSpPr>
+                <p:cNvPr id="459" name="Rechteck 458"/>
+                <p:cNvSpPr/>
+                <p:nvPr/>
+              </p:nvSpPr>
+              <p:spPr>
+                <a:xfrm>
+                  <a:off x="14257734" y="15481945"/>
+                  <a:ext cx="864096" cy="576064"/>
+                </a:xfrm>
+                <a:prstGeom prst="rect">
+                  <a:avLst/>
+                </a:prstGeom>
+                <a:solidFill>
+                  <a:schemeClr val="accent1">
+                    <a:lumMod val="40000"/>
+                    <a:lumOff val="60000"/>
+                  </a:schemeClr>
+                </a:solidFill>
+                <a:ln>
+                  <a:solidFill>
+                    <a:srgbClr val="1F497D"/>
+                  </a:solidFill>
+                </a:ln>
+              </p:spPr>
+              <p:style>
+                <a:lnRef idx="1">
+                  <a:schemeClr val="accent1"/>
+                </a:lnRef>
+                <a:fillRef idx="3">
+                  <a:schemeClr val="accent1"/>
+                </a:fillRef>
+                <a:effectRef idx="2">
+                  <a:schemeClr val="accent1"/>
+                </a:effectRef>
+                <a:fontRef idx="minor">
+                  <a:schemeClr val="lt1"/>
+                </a:fontRef>
+              </p:style>
+              <p:txBody>
+                <a:bodyPr rtlCol="0" anchor="ctr"/>
+                <a:lstStyle/>
+                <a:p>
+                  <a:pPr algn="ctr">
+                    <a:lnSpc>
+                      <a:spcPct val="50000"/>
+                    </a:lnSpc>
+                  </a:pPr>
+                  <a:r>
+                    <a:rPr lang="de-DE" sz="1000" dirty="0" err="1" smtClean="0">
+                      <a:solidFill>
+                        <a:srgbClr val="000000"/>
+                      </a:solidFill>
+                      <a:latin typeface="Verdana"/>
+                      <a:cs typeface="Verdana"/>
+                    </a:rPr>
+                    <a:t>w</a:t>
+                  </a:r>
+                  <a:r>
+                    <a:rPr lang="de-DE" sz="1000" baseline="-25000" dirty="0" err="1" smtClean="0">
+                      <a:solidFill>
+                        <a:srgbClr val="000000"/>
+                      </a:solidFill>
+                      <a:latin typeface="Verdana"/>
+                      <a:cs typeface="Verdana"/>
+                    </a:rPr>
+                    <a:t>i</a:t>
+                  </a:r>
+                  <a:endParaRPr lang="de-DE" sz="1000" dirty="0">
+                    <a:solidFill>
+                      <a:srgbClr val="000000"/>
+                    </a:solidFill>
+                    <a:latin typeface="Verdana"/>
+                    <a:cs typeface="Verdana"/>
+                  </a:endParaRPr>
+                </a:p>
+              </p:txBody>
+            </p:sp>
+            <p:sp>
+              <p:nvSpPr>
+                <p:cNvPr id="460" name="Rechteck 459"/>
+                <p:cNvSpPr/>
+                <p:nvPr/>
+              </p:nvSpPr>
+              <p:spPr>
+                <a:xfrm>
+                  <a:off x="17282070" y="15481945"/>
+                  <a:ext cx="864096" cy="576064"/>
+                </a:xfrm>
+                <a:prstGeom prst="rect">
+                  <a:avLst/>
+                </a:prstGeom>
+                <a:solidFill>
+                  <a:schemeClr val="accent1">
+                    <a:lumMod val="40000"/>
+                    <a:lumOff val="60000"/>
+                  </a:schemeClr>
+                </a:solidFill>
+                <a:ln>
+                  <a:solidFill>
+                    <a:srgbClr val="1F497D"/>
+                  </a:solidFill>
+                </a:ln>
+              </p:spPr>
+              <p:style>
+                <a:lnRef idx="1">
+                  <a:schemeClr val="accent1"/>
+                </a:lnRef>
+                <a:fillRef idx="3">
+                  <a:schemeClr val="accent1"/>
+                </a:fillRef>
+                <a:effectRef idx="2">
+                  <a:schemeClr val="accent1"/>
+                </a:effectRef>
+                <a:fontRef idx="minor">
+                  <a:schemeClr val="lt1"/>
+                </a:fontRef>
+              </p:style>
+              <p:txBody>
+                <a:bodyPr rtlCol="0" anchor="ctr"/>
+                <a:lstStyle/>
+                <a:p>
+                  <a:pPr algn="ctr">
+                    <a:lnSpc>
+                      <a:spcPct val="70000"/>
+                    </a:lnSpc>
+                  </a:pPr>
+                  <a:r>
+                    <a:rPr lang="de-DE" sz="1000" dirty="0" smtClean="0">
+                      <a:solidFill>
+                        <a:srgbClr val="000000"/>
+                      </a:solidFill>
+                      <a:latin typeface="Verdana"/>
+                      <a:cs typeface="Verdana"/>
+                    </a:rPr>
+                    <a:t>b</a:t>
+                  </a:r>
+                  <a:r>
+                    <a:rPr lang="de-DE" sz="1000" baseline="-25000" dirty="0" smtClean="0">
+                      <a:solidFill>
+                        <a:srgbClr val="000000"/>
+                      </a:solidFill>
+                      <a:latin typeface="Verdana"/>
+                      <a:cs typeface="Verdana"/>
+                    </a:rPr>
+                    <a:t>i</a:t>
+                  </a:r>
+                  <a:endParaRPr lang="de-DE" sz="1000" dirty="0">
+                    <a:solidFill>
+                      <a:srgbClr val="000000"/>
+                    </a:solidFill>
+                    <a:latin typeface="Verdana"/>
+                    <a:cs typeface="Verdana"/>
+                  </a:endParaRPr>
+                </a:p>
+              </p:txBody>
+            </p:sp>
+            <p:sp>
+              <p:nvSpPr>
+                <p:cNvPr id="461" name="Rechteck 460"/>
+                <p:cNvSpPr/>
+                <p:nvPr/>
+              </p:nvSpPr>
+              <p:spPr>
+                <a:xfrm>
+                  <a:off x="15625886" y="15481945"/>
+                  <a:ext cx="864096" cy="576064"/>
+                </a:xfrm>
+                <a:prstGeom prst="rect">
+                  <a:avLst/>
+                </a:prstGeom>
+                <a:solidFill>
+                  <a:schemeClr val="accent1">
+                    <a:lumMod val="40000"/>
+                    <a:lumOff val="60000"/>
+                  </a:schemeClr>
+                </a:solidFill>
+                <a:ln>
+                  <a:solidFill>
+                    <a:srgbClr val="1F497D"/>
+                  </a:solidFill>
+                </a:ln>
+              </p:spPr>
+              <p:style>
+                <a:lnRef idx="1">
+                  <a:schemeClr val="accent1"/>
+                </a:lnRef>
+                <a:fillRef idx="3">
+                  <a:schemeClr val="accent1"/>
+                </a:fillRef>
+                <a:effectRef idx="2">
+                  <a:schemeClr val="accent1"/>
+                </a:effectRef>
+                <a:fontRef idx="minor">
+                  <a:schemeClr val="lt1"/>
+                </a:fontRef>
+              </p:style>
+              <p:txBody>
+                <a:bodyPr rtlCol="0" anchor="ctr"/>
+                <a:lstStyle/>
+                <a:p>
+                  <a:pPr algn="ctr">
+                    <a:lnSpc>
+                      <a:spcPct val="50000"/>
+                    </a:lnSpc>
+                  </a:pPr>
+                  <a:r>
+                    <a:rPr lang="de-DE" sz="1000" dirty="0">
+                      <a:solidFill>
+                        <a:srgbClr val="000000"/>
+                      </a:solidFill>
+                      <a:latin typeface="Verdana"/>
+                      <a:cs typeface="Verdana"/>
+                    </a:rPr>
+                    <a:t>u</a:t>
+                  </a:r>
+                  <a:r>
+                    <a:rPr lang="de-DE" sz="1000" baseline="-25000" dirty="0" smtClean="0">
+                      <a:solidFill>
+                        <a:srgbClr val="000000"/>
+                      </a:solidFill>
+                      <a:latin typeface="Verdana"/>
+                      <a:cs typeface="Verdana"/>
+                    </a:rPr>
+                    <a:t>i-1</a:t>
+                  </a:r>
+                  <a:endParaRPr lang="de-DE" sz="1000" dirty="0">
+                    <a:solidFill>
+                      <a:srgbClr val="000000"/>
+                    </a:solidFill>
+                    <a:latin typeface="Verdana"/>
+                    <a:cs typeface="Verdana"/>
+                  </a:endParaRPr>
+                </a:p>
+              </p:txBody>
+            </p:sp>
+            <p:sp>
+              <p:nvSpPr>
+                <p:cNvPr id="462" name="Rechteck 461"/>
+                <p:cNvSpPr/>
+                <p:nvPr/>
+              </p:nvSpPr>
+              <p:spPr>
+                <a:xfrm>
+                  <a:off x="14257734" y="16346041"/>
+                  <a:ext cx="864096" cy="576064"/>
+                </a:xfrm>
+                <a:prstGeom prst="rect">
+                  <a:avLst/>
+                </a:prstGeom>
+                <a:solidFill>
+                  <a:schemeClr val="accent1">
+                    <a:lumMod val="40000"/>
+                    <a:lumOff val="60000"/>
+                  </a:schemeClr>
+                </a:solidFill>
+                <a:ln w="57150" cmpd="sng">
+                  <a:solidFill>
+                    <a:srgbClr val="1F497D"/>
+                  </a:solidFill>
+                </a:ln>
+              </p:spPr>
+              <p:style>
+                <a:lnRef idx="1">
+                  <a:schemeClr val="accent1"/>
+                </a:lnRef>
+                <a:fillRef idx="3">
+                  <a:schemeClr val="accent1"/>
+                </a:fillRef>
+                <a:effectRef idx="2">
+                  <a:schemeClr val="accent1"/>
+                </a:effectRef>
+                <a:fontRef idx="minor">
+                  <a:schemeClr val="lt1"/>
+                </a:fontRef>
+              </p:style>
+              <p:txBody>
+                <a:bodyPr rtlCol="0" anchor="ctr"/>
+                <a:lstStyle/>
+                <a:p>
+                  <a:pPr algn="ctr">
+                    <a:lnSpc>
+                      <a:spcPct val="70000"/>
+                    </a:lnSpc>
+                  </a:pPr>
+                  <a:r>
+                    <a:rPr lang="de-DE" sz="1000" dirty="0" smtClean="0">
+                      <a:solidFill>
+                        <a:srgbClr val="000000"/>
+                      </a:solidFill>
+                      <a:latin typeface="Verdana"/>
+                      <a:cs typeface="Verdana"/>
+                    </a:rPr>
+                    <a:t>a</a:t>
+                  </a:r>
+                  <a:r>
+                    <a:rPr lang="de-DE" sz="1000" baseline="-25000" dirty="0" smtClean="0">
+                      <a:solidFill>
+                        <a:srgbClr val="000000"/>
+                      </a:solidFill>
+                      <a:latin typeface="Verdana"/>
+                      <a:cs typeface="Verdana"/>
+                    </a:rPr>
+                    <a:t>i</a:t>
+                  </a:r>
+                  <a:endParaRPr lang="de-DE" sz="1000" dirty="0">
+                    <a:solidFill>
+                      <a:srgbClr val="000000"/>
+                    </a:solidFill>
+                    <a:latin typeface="Verdana"/>
+                    <a:cs typeface="Verdana"/>
+                  </a:endParaRPr>
+                </a:p>
+              </p:txBody>
+            </p:sp>
+            <p:cxnSp>
+              <p:nvCxnSpPr>
+                <p:cNvPr id="463" name="Gerade Verbindung mit Pfeil 462"/>
+                <p:cNvCxnSpPr>
+                  <a:stCxn id="458" idx="3"/>
+                  <a:endCxn id="462" idx="1"/>
+                </p:cNvCxnSpPr>
+                <p:nvPr/>
+              </p:nvCxnSpPr>
+              <p:spPr>
+                <a:xfrm>
+                  <a:off x="13321630" y="15769977"/>
+                  <a:ext cx="936104" cy="864096"/>
+                </a:xfrm>
+                <a:prstGeom prst="straightConnector1">
+                  <a:avLst/>
+                </a:prstGeom>
+                <a:ln>
+                  <a:solidFill>
+                    <a:srgbClr val="1F497D"/>
+                  </a:solidFill>
+                  <a:tailEnd type="arrow"/>
+                </a:ln>
+              </p:spPr>
+              <p:style>
+                <a:lnRef idx="2">
+                  <a:schemeClr val="accent1"/>
+                </a:lnRef>
+                <a:fillRef idx="0">
+                  <a:schemeClr val="accent1"/>
+                </a:fillRef>
+                <a:effectRef idx="1">
+                  <a:schemeClr val="accent1"/>
+                </a:effectRef>
+                <a:fontRef idx="minor">
+                  <a:schemeClr val="tx1"/>
+                </a:fontRef>
+              </p:style>
+            </p:cxnSp>
+            <p:cxnSp>
+              <p:nvCxnSpPr>
+                <p:cNvPr id="464" name="Gerade Verbindung mit Pfeil 463"/>
+                <p:cNvCxnSpPr>
+                  <a:stCxn id="459" idx="2"/>
+                  <a:endCxn id="462" idx="0"/>
+                </p:cNvCxnSpPr>
+                <p:nvPr/>
+              </p:nvCxnSpPr>
+              <p:spPr>
+                <a:xfrm>
+                  <a:off x="14689782" y="16058009"/>
+                  <a:ext cx="0" cy="288032"/>
+                </a:xfrm>
+                <a:prstGeom prst="straightConnector1">
+                  <a:avLst/>
+                </a:prstGeom>
+                <a:ln>
+                  <a:solidFill>
+                    <a:srgbClr val="1F497D"/>
+                  </a:solidFill>
+                  <a:tailEnd type="arrow"/>
+                </a:ln>
+              </p:spPr>
+              <p:style>
+                <a:lnRef idx="2">
+                  <a:schemeClr val="accent1"/>
+                </a:lnRef>
+                <a:fillRef idx="0">
+                  <a:schemeClr val="accent1"/>
+                </a:fillRef>
+                <a:effectRef idx="1">
+                  <a:schemeClr val="accent1"/>
+                </a:effectRef>
+                <a:fontRef idx="minor">
+                  <a:schemeClr val="tx1"/>
+                </a:fontRef>
+              </p:style>
+            </p:cxnSp>
+            <p:cxnSp>
+              <p:nvCxnSpPr>
+                <p:cNvPr id="465" name="Gerade Verbindung mit Pfeil 464"/>
+                <p:cNvCxnSpPr>
+                  <a:stCxn id="457" idx="3"/>
+                  <a:endCxn id="459" idx="1"/>
+                </p:cNvCxnSpPr>
+                <p:nvPr/>
+              </p:nvCxnSpPr>
+              <p:spPr>
+                <a:xfrm flipV="1">
+                  <a:off x="13321630" y="15769977"/>
+                  <a:ext cx="936104" cy="936104"/>
+                </a:xfrm>
+                <a:prstGeom prst="straightConnector1">
+                  <a:avLst/>
+                </a:prstGeom>
+                <a:ln>
+                  <a:solidFill>
+                    <a:srgbClr val="1F497D"/>
+                  </a:solidFill>
+                  <a:tailEnd type="arrow"/>
+                </a:ln>
+              </p:spPr>
+              <p:style>
+                <a:lnRef idx="2">
+                  <a:schemeClr val="accent1"/>
+                </a:lnRef>
+                <a:fillRef idx="0">
+                  <a:schemeClr val="accent1"/>
+                </a:fillRef>
+                <a:effectRef idx="1">
+                  <a:schemeClr val="accent1"/>
+                </a:effectRef>
+                <a:fontRef idx="minor">
+                  <a:schemeClr val="tx1"/>
+                </a:fontRef>
+              </p:style>
+            </p:cxnSp>
+            <p:cxnSp>
+              <p:nvCxnSpPr>
+                <p:cNvPr id="466" name="Gerade Verbindung mit Pfeil 465"/>
+                <p:cNvCxnSpPr>
+                  <a:stCxn id="458" idx="3"/>
+                  <a:endCxn id="459" idx="1"/>
+                </p:cNvCxnSpPr>
+                <p:nvPr/>
+              </p:nvCxnSpPr>
+              <p:spPr>
+                <a:xfrm>
+                  <a:off x="13321630" y="15769977"/>
+                  <a:ext cx="936104" cy="0"/>
+                </a:xfrm>
+                <a:prstGeom prst="straightConnector1">
+                  <a:avLst/>
+                </a:prstGeom>
+                <a:ln>
+                  <a:solidFill>
+                    <a:srgbClr val="1F497D"/>
+                  </a:solidFill>
+                  <a:tailEnd type="arrow"/>
+                </a:ln>
+              </p:spPr>
+              <p:style>
+                <a:lnRef idx="2">
+                  <a:schemeClr val="accent1"/>
+                </a:lnRef>
+                <a:fillRef idx="0">
+                  <a:schemeClr val="accent1"/>
+                </a:fillRef>
+                <a:effectRef idx="1">
+                  <a:schemeClr val="accent1"/>
+                </a:effectRef>
+                <a:fontRef idx="minor">
+                  <a:schemeClr val="tx1"/>
+                </a:fontRef>
+              </p:style>
+            </p:cxnSp>
+            <p:sp>
+              <p:nvSpPr>
+                <p:cNvPr id="467" name="Rechteck 466"/>
+                <p:cNvSpPr/>
+                <p:nvPr/>
+              </p:nvSpPr>
+              <p:spPr>
+                <a:xfrm>
+                  <a:off x="16417974" y="16346041"/>
+                  <a:ext cx="864096" cy="576064"/>
+                </a:xfrm>
+                <a:prstGeom prst="rect">
+                  <a:avLst/>
+                </a:prstGeom>
+                <a:solidFill>
+                  <a:schemeClr val="accent1">
+                    <a:lumMod val="40000"/>
+                    <a:lumOff val="60000"/>
+                  </a:schemeClr>
+                </a:solidFill>
+                <a:ln w="57150" cmpd="sng">
+                  <a:solidFill>
+                    <a:srgbClr val="1F497D"/>
+                  </a:solidFill>
+                </a:ln>
+              </p:spPr>
+              <p:style>
+                <a:lnRef idx="1">
+                  <a:schemeClr val="accent1"/>
+                </a:lnRef>
+                <a:fillRef idx="3">
+                  <a:schemeClr val="accent1"/>
+                </a:fillRef>
+                <a:effectRef idx="2">
+                  <a:schemeClr val="accent1"/>
+                </a:effectRef>
+                <a:fontRef idx="minor">
+                  <a:schemeClr val="lt1"/>
+                </a:fontRef>
+              </p:style>
+              <p:txBody>
+                <a:bodyPr rtlCol="0" anchor="ctr"/>
+                <a:lstStyle/>
+                <a:p>
+                  <a:pPr algn="ctr">
+                    <a:lnSpc>
+                      <a:spcPct val="50000"/>
+                    </a:lnSpc>
+                  </a:pPr>
+                  <a:r>
+                    <a:rPr lang="de-DE" sz="1000" dirty="0" smtClean="0">
+                      <a:solidFill>
+                        <a:srgbClr val="000000"/>
+                      </a:solidFill>
+                      <a:latin typeface="Verdana"/>
+                      <a:cs typeface="Verdana"/>
+                    </a:rPr>
+                    <a:t>u</a:t>
+                  </a:r>
+                  <a:r>
+                    <a:rPr lang="de-DE" sz="1000" baseline="-25000" dirty="0" smtClean="0">
+                      <a:solidFill>
+                        <a:srgbClr val="000000"/>
+                      </a:solidFill>
+                      <a:latin typeface="Verdana"/>
+                      <a:cs typeface="Verdana"/>
+                    </a:rPr>
+                    <a:t>i+1</a:t>
+                  </a:r>
+                  <a:endParaRPr lang="de-DE" sz="1000" dirty="0">
+                    <a:solidFill>
+                      <a:srgbClr val="000000"/>
+                    </a:solidFill>
+                    <a:latin typeface="Verdana"/>
+                    <a:cs typeface="Verdana"/>
+                  </a:endParaRPr>
+                </a:p>
+              </p:txBody>
+            </p:sp>
+            <p:cxnSp>
+              <p:nvCxnSpPr>
+                <p:cNvPr id="468" name="Gewinkelte Verbindung 467"/>
+                <p:cNvCxnSpPr>
+                  <a:endCxn id="467" idx="2"/>
+                </p:cNvCxnSpPr>
+                <p:nvPr/>
+              </p:nvCxnSpPr>
+              <p:spPr>
+                <a:xfrm>
+                  <a:off x="12457534" y="15841985"/>
+                  <a:ext cx="4392488" cy="1080120"/>
+                </a:xfrm>
+                <a:prstGeom prst="bentConnector4">
+                  <a:avLst>
+                    <a:gd name="adj1" fmla="val -4760"/>
+                    <a:gd name="adj2" fmla="val 125643"/>
+                  </a:avLst>
+                </a:prstGeom>
+                <a:ln>
+                  <a:solidFill>
+                    <a:srgbClr val="1F497D"/>
+                  </a:solidFill>
+                  <a:tailEnd type="arrow"/>
+                </a:ln>
+              </p:spPr>
+              <p:style>
+                <a:lnRef idx="2">
+                  <a:schemeClr val="accent1"/>
+                </a:lnRef>
+                <a:fillRef idx="0">
+                  <a:schemeClr val="accent1"/>
+                </a:fillRef>
+                <a:effectRef idx="1">
+                  <a:schemeClr val="accent1"/>
+                </a:effectRef>
+                <a:fontRef idx="minor">
+                  <a:schemeClr val="tx1"/>
+                </a:fontRef>
+              </p:style>
+            </p:cxnSp>
+            <p:cxnSp>
+              <p:nvCxnSpPr>
+                <p:cNvPr id="469" name="Gerade Verbindung 468"/>
+                <p:cNvCxnSpPr>
+                  <a:stCxn id="462" idx="2"/>
+                </p:cNvCxnSpPr>
+                <p:nvPr/>
+              </p:nvCxnSpPr>
+              <p:spPr>
+                <a:xfrm>
+                  <a:off x="14689782" y="16922105"/>
+                  <a:ext cx="0" cy="288032"/>
+                </a:xfrm>
+                <a:prstGeom prst="line">
+                  <a:avLst/>
+                </a:prstGeom>
+                <a:ln>
+                  <a:solidFill>
+                    <a:srgbClr val="1F497D"/>
+                  </a:solidFill>
+                </a:ln>
+              </p:spPr>
+              <p:style>
+                <a:lnRef idx="2">
+                  <a:schemeClr val="accent1"/>
+                </a:lnRef>
+                <a:fillRef idx="0">
+                  <a:schemeClr val="accent1"/>
+                </a:fillRef>
+                <a:effectRef idx="1">
+                  <a:schemeClr val="accent1"/>
+                </a:effectRef>
+                <a:fontRef idx="minor">
+                  <a:schemeClr val="tx1"/>
+                </a:fontRef>
+              </p:style>
+            </p:cxnSp>
+            <p:cxnSp>
+              <p:nvCxnSpPr>
+                <p:cNvPr id="470" name="Gewinkelte Verbindung 469"/>
+                <p:cNvCxnSpPr>
+                  <a:stCxn id="461" idx="3"/>
+                  <a:endCxn id="467" idx="0"/>
+                </p:cNvCxnSpPr>
+                <p:nvPr/>
+              </p:nvCxnSpPr>
+              <p:spPr>
+                <a:xfrm>
+                  <a:off x="16489982" y="15769977"/>
+                  <a:ext cx="360040" cy="576064"/>
+                </a:xfrm>
+                <a:prstGeom prst="bentConnector2">
+                  <a:avLst/>
+                </a:prstGeom>
+                <a:ln>
+                  <a:solidFill>
+                    <a:srgbClr val="1F497D"/>
+                  </a:solidFill>
+                  <a:tailEnd type="arrow"/>
+                </a:ln>
+              </p:spPr>
+              <p:style>
+                <a:lnRef idx="2">
+                  <a:schemeClr val="accent1"/>
+                </a:lnRef>
+                <a:fillRef idx="0">
+                  <a:schemeClr val="accent1"/>
+                </a:fillRef>
+                <a:effectRef idx="1">
+                  <a:schemeClr val="accent1"/>
+                </a:effectRef>
+                <a:fontRef idx="minor">
+                  <a:schemeClr val="tx1"/>
+                </a:fontRef>
+              </p:style>
+            </p:cxnSp>
+            <p:cxnSp>
+              <p:nvCxnSpPr>
+                <p:cNvPr id="471" name="Gewinkelte Verbindung 470"/>
+                <p:cNvCxnSpPr>
+                  <a:stCxn id="460" idx="1"/>
+                  <a:endCxn id="467" idx="0"/>
+                </p:cNvCxnSpPr>
+                <p:nvPr/>
+              </p:nvCxnSpPr>
+              <p:spPr>
+                <a:xfrm rot="10800000" flipV="1">
+                  <a:off x="16850022" y="15769977"/>
+                  <a:ext cx="432048" cy="576064"/>
+                </a:xfrm>
+                <a:prstGeom prst="bentConnector2">
+                  <a:avLst/>
+                </a:prstGeom>
+                <a:ln>
+                  <a:solidFill>
+                    <a:srgbClr val="1F497D"/>
+                  </a:solidFill>
+                  <a:tailEnd type="arrow"/>
+                </a:ln>
+              </p:spPr>
+              <p:style>
+                <a:lnRef idx="2">
+                  <a:schemeClr val="accent1"/>
+                </a:lnRef>
+                <a:fillRef idx="0">
+                  <a:schemeClr val="accent1"/>
+                </a:fillRef>
+                <a:effectRef idx="1">
+                  <a:schemeClr val="accent1"/>
+                </a:effectRef>
+                <a:fontRef idx="minor">
+                  <a:schemeClr val="tx1"/>
+                </a:fontRef>
+              </p:style>
+            </p:cxnSp>
+            <p:sp>
+              <p:nvSpPr>
+                <p:cNvPr id="472" name="Rechteck 471"/>
+                <p:cNvSpPr/>
+                <p:nvPr/>
+              </p:nvSpPr>
+              <p:spPr>
+                <a:xfrm>
+                  <a:off x="18002150" y="16346041"/>
+                  <a:ext cx="864096" cy="576064"/>
+                </a:xfrm>
+                <a:prstGeom prst="rect">
+                  <a:avLst/>
+                </a:prstGeom>
+                <a:solidFill>
+                  <a:schemeClr val="accent1">
+                    <a:lumMod val="40000"/>
+                    <a:lumOff val="60000"/>
+                  </a:schemeClr>
+                </a:solidFill>
+                <a:ln w="57150" cmpd="sng">
+                  <a:solidFill>
+                    <a:srgbClr val="1F497D"/>
+                  </a:solidFill>
+                </a:ln>
+              </p:spPr>
+              <p:style>
+                <a:lnRef idx="1">
+                  <a:schemeClr val="accent1"/>
+                </a:lnRef>
+                <a:fillRef idx="3">
+                  <a:schemeClr val="accent1"/>
+                </a:fillRef>
+                <a:effectRef idx="2">
+                  <a:schemeClr val="accent1"/>
+                </a:effectRef>
+                <a:fontRef idx="minor">
+                  <a:schemeClr val="lt1"/>
+                </a:fontRef>
+              </p:style>
+              <p:txBody>
+                <a:bodyPr rtlCol="0" anchor="ctr"/>
+                <a:lstStyle/>
+                <a:p>
+                  <a:pPr algn="ctr">
+                    <a:lnSpc>
+                      <a:spcPct val="70000"/>
+                    </a:lnSpc>
+                  </a:pPr>
+                  <a:r>
+                    <a:rPr lang="de-DE" sz="1000" dirty="0" smtClean="0">
+                      <a:solidFill>
+                        <a:srgbClr val="000000"/>
+                      </a:solidFill>
+                      <a:latin typeface="Verdana"/>
+                      <a:cs typeface="Verdana"/>
+                    </a:rPr>
+                    <a:t>b</a:t>
+                  </a:r>
+                  <a:r>
+                    <a:rPr lang="de-DE" sz="1000" baseline="-25000" dirty="0" smtClean="0">
+                      <a:solidFill>
+                        <a:srgbClr val="000000"/>
+                      </a:solidFill>
+                      <a:latin typeface="Verdana"/>
+                      <a:cs typeface="Verdana"/>
+                    </a:rPr>
+                    <a:t>i+1</a:t>
+                  </a:r>
+                  <a:endParaRPr lang="de-DE" sz="1000" dirty="0">
+                    <a:solidFill>
+                      <a:srgbClr val="000000"/>
+                    </a:solidFill>
+                    <a:latin typeface="Verdana"/>
+                    <a:cs typeface="Verdana"/>
+                  </a:endParaRPr>
+                </a:p>
+              </p:txBody>
+            </p:sp>
+            <p:cxnSp>
+              <p:nvCxnSpPr>
+                <p:cNvPr id="473" name="Gerade Verbindung mit Pfeil 472"/>
+                <p:cNvCxnSpPr>
+                  <a:stCxn id="467" idx="3"/>
+                  <a:endCxn id="472" idx="1"/>
+                </p:cNvCxnSpPr>
+                <p:nvPr/>
+              </p:nvCxnSpPr>
+              <p:spPr>
+                <a:xfrm>
+                  <a:off x="17282070" y="16634073"/>
+                  <a:ext cx="720080" cy="0"/>
+                </a:xfrm>
+                <a:prstGeom prst="straightConnector1">
+                  <a:avLst/>
+                </a:prstGeom>
+                <a:ln>
+                  <a:solidFill>
+                    <a:srgbClr val="1F497D"/>
+                  </a:solidFill>
+                  <a:tailEnd type="arrow"/>
+                </a:ln>
+              </p:spPr>
+              <p:style>
+                <a:lnRef idx="2">
+                  <a:schemeClr val="accent1"/>
+                </a:lnRef>
+                <a:fillRef idx="0">
+                  <a:schemeClr val="accent1"/>
+                </a:fillRef>
+                <a:effectRef idx="1">
+                  <a:schemeClr val="accent1"/>
+                </a:effectRef>
+                <a:fontRef idx="minor">
+                  <a:schemeClr val="tx1"/>
+                </a:fontRef>
+              </p:style>
+            </p:cxnSp>
+            <p:cxnSp>
+              <p:nvCxnSpPr>
+                <p:cNvPr id="474" name="Gerade Verbindung mit Pfeil 473"/>
+                <p:cNvCxnSpPr>
+                  <a:endCxn id="457" idx="1"/>
+                </p:cNvCxnSpPr>
+                <p:nvPr/>
+              </p:nvCxnSpPr>
+              <p:spPr>
+                <a:xfrm>
+                  <a:off x="11881470" y="16706081"/>
+                  <a:ext cx="576064" cy="0"/>
+                </a:xfrm>
+                <a:prstGeom prst="straightConnector1">
+                  <a:avLst/>
+                </a:prstGeom>
+                <a:ln>
+                  <a:solidFill>
+                    <a:srgbClr val="1F497D"/>
+                  </a:solidFill>
+                  <a:tailEnd type="arrow"/>
+                </a:ln>
+              </p:spPr>
+              <p:style>
+                <a:lnRef idx="2">
+                  <a:schemeClr val="accent1"/>
+                </a:lnRef>
+                <a:fillRef idx="0">
+                  <a:schemeClr val="accent1"/>
+                </a:fillRef>
+                <a:effectRef idx="1">
+                  <a:schemeClr val="accent1"/>
+                </a:effectRef>
+                <a:fontRef idx="minor">
+                  <a:schemeClr val="tx1"/>
+                </a:fontRef>
+              </p:style>
+            </p:cxnSp>
+            <p:cxnSp>
+              <p:nvCxnSpPr>
+                <p:cNvPr id="475" name="Gewinkelte Verbindung 474"/>
+                <p:cNvCxnSpPr>
+                  <a:endCxn id="458" idx="0"/>
+                </p:cNvCxnSpPr>
+                <p:nvPr/>
+              </p:nvCxnSpPr>
+              <p:spPr>
+                <a:xfrm>
+                  <a:off x="11881470" y="15265921"/>
+                  <a:ext cx="1008112" cy="216024"/>
+                </a:xfrm>
+                <a:prstGeom prst="bentConnector2">
+                  <a:avLst/>
+                </a:prstGeom>
+                <a:ln>
+                  <a:solidFill>
+                    <a:srgbClr val="1F497D"/>
+                  </a:solidFill>
+                  <a:tailEnd type="arrow"/>
+                </a:ln>
+              </p:spPr>
+              <p:style>
+                <a:lnRef idx="2">
+                  <a:schemeClr val="accent1"/>
+                </a:lnRef>
+                <a:fillRef idx="0">
+                  <a:schemeClr val="accent1"/>
+                </a:fillRef>
+                <a:effectRef idx="1">
+                  <a:schemeClr val="accent1"/>
+                </a:effectRef>
+                <a:fontRef idx="minor">
+                  <a:schemeClr val="tx1"/>
+                </a:fontRef>
+              </p:style>
+            </p:cxnSp>
+            <p:cxnSp>
+              <p:nvCxnSpPr>
+                <p:cNvPr id="476" name="Gewinkelte Verbindung 475"/>
+                <p:cNvCxnSpPr>
+                  <a:endCxn id="461" idx="0"/>
+                </p:cNvCxnSpPr>
+                <p:nvPr/>
+              </p:nvCxnSpPr>
+              <p:spPr>
+                <a:xfrm>
+                  <a:off x="11881470" y="15265921"/>
+                  <a:ext cx="4176464" cy="216024"/>
+                </a:xfrm>
+                <a:prstGeom prst="bentConnector2">
+                  <a:avLst/>
+                </a:prstGeom>
+                <a:ln>
+                  <a:solidFill>
+                    <a:srgbClr val="1F497D"/>
+                  </a:solidFill>
+                  <a:tailEnd type="arrow"/>
+                </a:ln>
+              </p:spPr>
+              <p:style>
+                <a:lnRef idx="2">
+                  <a:schemeClr val="accent1"/>
+                </a:lnRef>
+                <a:fillRef idx="0">
+                  <a:schemeClr val="accent1"/>
+                </a:fillRef>
+                <a:effectRef idx="1">
+                  <a:schemeClr val="accent1"/>
+                </a:effectRef>
+                <a:fontRef idx="minor">
+                  <a:schemeClr val="tx1"/>
+                </a:fontRef>
+              </p:style>
+            </p:cxnSp>
+            <p:cxnSp>
+              <p:nvCxnSpPr>
+                <p:cNvPr id="477" name="Gewinkelte Verbindung 476"/>
+                <p:cNvCxnSpPr>
+                  <a:endCxn id="460" idx="0"/>
+                </p:cNvCxnSpPr>
+                <p:nvPr/>
+              </p:nvCxnSpPr>
+              <p:spPr>
+                <a:xfrm>
+                  <a:off x="11881470" y="15265921"/>
+                  <a:ext cx="5832648" cy="216024"/>
+                </a:xfrm>
+                <a:prstGeom prst="bentConnector2">
+                  <a:avLst/>
+                </a:prstGeom>
+                <a:ln>
+                  <a:solidFill>
+                    <a:srgbClr val="1F497D"/>
+                  </a:solidFill>
+                  <a:tailEnd type="arrow"/>
+                </a:ln>
+              </p:spPr>
+              <p:style>
+                <a:lnRef idx="2">
+                  <a:schemeClr val="accent1"/>
+                </a:lnRef>
+                <a:fillRef idx="0">
+                  <a:schemeClr val="accent1"/>
+                </a:fillRef>
+                <a:effectRef idx="1">
+                  <a:schemeClr val="accent1"/>
+                </a:effectRef>
+                <a:fontRef idx="minor">
+                  <a:schemeClr val="tx1"/>
+                </a:fontRef>
+              </p:style>
+            </p:cxnSp>
+            <p:cxnSp>
+              <p:nvCxnSpPr>
+                <p:cNvPr id="478" name="Gewinkelte Verbindung 477"/>
+                <p:cNvCxnSpPr>
+                  <a:stCxn id="458" idx="2"/>
+                </p:cNvCxnSpPr>
+                <p:nvPr/>
+              </p:nvCxnSpPr>
+              <p:spPr>
+                <a:xfrm rot="16200000" flipH="1">
+                  <a:off x="15589882" y="13357709"/>
+                  <a:ext cx="144016" cy="5544616"/>
+                </a:xfrm>
+                <a:prstGeom prst="bentConnector2">
+                  <a:avLst/>
+                </a:prstGeom>
+                <a:ln>
+                  <a:solidFill>
+                    <a:srgbClr val="1F497D"/>
+                  </a:solidFill>
+                </a:ln>
+              </p:spPr>
+              <p:style>
+                <a:lnRef idx="2">
+                  <a:schemeClr val="accent1"/>
+                </a:lnRef>
+                <a:fillRef idx="0">
+                  <a:schemeClr val="accent1"/>
+                </a:fillRef>
+                <a:effectRef idx="1">
+                  <a:schemeClr val="accent1"/>
+                </a:effectRef>
+                <a:fontRef idx="minor">
+                  <a:schemeClr val="tx1"/>
+                </a:fontRef>
+              </p:style>
+            </p:cxnSp>
+          </p:grpSp>
+          <p:cxnSp>
+            <p:nvCxnSpPr>
+              <p:cNvPr id="455" name="Gewinkelte Verbindung 454"/>
+              <p:cNvCxnSpPr>
+                <a:stCxn id="472" idx="0"/>
+              </p:cNvCxnSpPr>
+              <p:nvPr/>
+            </p:nvCxnSpPr>
+            <p:spPr>
+              <a:xfrm rot="5400000" flipH="1" flipV="1">
+                <a:off x="18254178" y="15445941"/>
+                <a:ext cx="1080120" cy="720080"/>
+              </a:xfrm>
+              <a:prstGeom prst="bentConnector3">
+                <a:avLst>
+                  <a:gd name="adj1" fmla="val 99270"/>
+                </a:avLst>
+              </a:prstGeom>
+              <a:ln>
+                <a:solidFill>
+                  <a:srgbClr val="1F497D"/>
+                </a:solidFill>
+                <a:tailEnd type="arrow"/>
+              </a:ln>
+            </p:spPr>
+            <p:style>
+              <a:lnRef idx="2">
+                <a:schemeClr val="accent1"/>
+              </a:lnRef>
+              <a:fillRef idx="0">
+                <a:schemeClr val="accent1"/>
+              </a:fillRef>
+              <a:effectRef idx="1">
+                <a:schemeClr val="accent1"/>
+              </a:effectRef>
+              <a:fontRef idx="minor">
+                <a:schemeClr val="tx1"/>
+              </a:fontRef>
+            </p:style>
+          </p:cxnSp>
+          <p:cxnSp>
+            <p:nvCxnSpPr>
+              <p:cNvPr id="456" name="Gerade Verbindung 455"/>
+              <p:cNvCxnSpPr/>
+              <p:nvPr/>
+            </p:nvCxnSpPr>
+            <p:spPr>
+              <a:xfrm>
+                <a:off x="17570102" y="16202025"/>
+                <a:ext cx="0" cy="432048"/>
+              </a:xfrm>
+              <a:prstGeom prst="line">
+                <a:avLst/>
+              </a:prstGeom>
+            </p:spPr>
+            <p:style>
+              <a:lnRef idx="2">
+                <a:schemeClr val="accent1"/>
+              </a:lnRef>
+              <a:fillRef idx="0">
+                <a:schemeClr val="accent1"/>
+              </a:fillRef>
+              <a:effectRef idx="1">
+                <a:schemeClr val="accent1"/>
+              </a:effectRef>
+              <a:fontRef idx="minor">
+                <a:schemeClr val="tx1"/>
+              </a:fontRef>
+            </p:style>
+          </p:cxnSp>
+        </p:grpSp>
+      </p:grpSp>
+      <p:sp>
+        <p:nvSpPr>
+          <p:cNvPr id="482" name="Rechteck 481"/>
+          <p:cNvSpPr/>
+          <p:nvPr/>
+        </p:nvSpPr>
+        <p:spPr>
+          <a:xfrm>
+            <a:off x="11017374" y="19442386"/>
+            <a:ext cx="10585326" cy="5328592"/>
+          </a:xfrm>
+          <a:prstGeom prst="rect">
+            <a:avLst/>
+          </a:prstGeom>
+          <a:solidFill>
+            <a:schemeClr val="accent1">
+              <a:lumMod val="20000"/>
+              <a:lumOff val="80000"/>
+            </a:schemeClr>
+          </a:solidFill>
+          <a:ln w="76200" cmpd="sng">
+            <a:solidFill>
+              <a:schemeClr val="tx2"/>
+            </a:solidFill>
+          </a:ln>
+        </p:spPr>
+        <p:style>
+          <a:lnRef idx="1">
+            <a:schemeClr val="accent1"/>
+          </a:lnRef>
+          <a:fillRef idx="3">
+            <a:schemeClr val="accent1"/>
+          </a:fillRef>
+          <a:effectRef idx="2">
+            <a:schemeClr val="accent1"/>
+          </a:effectRef>
+          <a:fontRef idx="minor">
+            <a:schemeClr val="lt1"/>
+          </a:fontRef>
+        </p:style>
+        <p:txBody>
+          <a:bodyPr rtlCol="0" anchor="ctr"/>
+          <a:lstStyle/>
+          <a:p>
+            <a:pPr algn="ctr"/>
+            <a:endParaRPr lang="de-DE" dirty="0">
+              <a:solidFill>
+                <a:schemeClr val="tx2">
+                  <a:lumMod val="75000"/>
+                </a:schemeClr>
+              </a:solidFill>
+            </a:endParaRPr>
+          </a:p>
+        </p:txBody>
+      </p:sp>
+      <p:sp>
+        <p:nvSpPr>
+          <p:cNvPr id="483" name="Rechteck 482"/>
+          <p:cNvSpPr/>
+          <p:nvPr/>
+        </p:nvSpPr>
+        <p:spPr>
+          <a:xfrm>
+            <a:off x="11521431" y="19730418"/>
+            <a:ext cx="8641109" cy="707886"/>
+          </a:xfrm>
+          <a:prstGeom prst="rect">
+            <a:avLst/>
+          </a:prstGeom>
+        </p:spPr>
+        <p:txBody>
+          <a:bodyPr wrap="square">
+            <a:spAutoFit/>
+          </a:bodyPr>
+          <a:lstStyle/>
+          <a:p>
+            <a:r>
+              <a:rPr lang="de-DE" sz="4000" b="1" dirty="0">
+                <a:solidFill>
+                  <a:schemeClr val="tx2"/>
+                </a:solidFill>
+                <a:latin typeface="Verdana"/>
+                <a:cs typeface="Verdana"/>
+              </a:rPr>
+              <a:t>6</a:t>
+            </a:r>
+            <a:r>
+              <a:rPr lang="de-DE" sz="4000" b="1" dirty="0" smtClean="0">
+                <a:solidFill>
+                  <a:schemeClr val="tx2"/>
+                </a:solidFill>
+                <a:latin typeface="Verdana"/>
+                <a:cs typeface="Verdana"/>
+              </a:rPr>
+              <a:t>. </a:t>
+            </a:r>
+            <a:r>
+              <a:rPr lang="de-DE" sz="4000" b="1" dirty="0" err="1" smtClean="0">
+                <a:solidFill>
+                  <a:schemeClr val="tx2"/>
+                </a:solidFill>
+                <a:latin typeface="Verdana"/>
+                <a:cs typeface="Verdana"/>
+              </a:rPr>
+              <a:t>Results</a:t>
+            </a:r>
+            <a:endParaRPr lang="de-DE" sz="4000" b="1" dirty="0">
+              <a:solidFill>
+                <a:schemeClr val="tx2"/>
+              </a:solidFill>
+              <a:latin typeface="Verdana"/>
+              <a:cs typeface="Verdana"/>
+            </a:endParaRPr>
+          </a:p>
+        </p:txBody>
+      </p:sp>
+      <p:sp>
+        <p:nvSpPr>
+          <p:cNvPr id="484" name="Textfeld 483"/>
+          <p:cNvSpPr txBox="1"/>
+          <p:nvPr/>
+        </p:nvSpPr>
+        <p:spPr>
+          <a:xfrm>
+            <a:off x="11593588" y="20522506"/>
+            <a:ext cx="9504906" cy="3970318"/>
+          </a:xfrm>
+          <a:prstGeom prst="rect">
+            <a:avLst/>
+          </a:prstGeom>
+          <a:noFill/>
+        </p:spPr>
+        <p:txBody>
+          <a:bodyPr wrap="square" rtlCol="0">
+            <a:spAutoFit/>
+          </a:bodyPr>
+          <a:lstStyle/>
+          <a:p>
+            <a:pPr marL="571500" indent="-571500">
+              <a:buFont typeface="Arial"/>
+              <a:buChar char="•"/>
+            </a:pPr>
+            <a:r>
+              <a:rPr lang="de-DE" sz="3600" dirty="0" err="1" smtClean="0"/>
+              <a:t>Idiomatic</a:t>
+            </a:r>
+            <a:r>
+              <a:rPr lang="de-DE" sz="3600" dirty="0" smtClean="0"/>
+              <a:t> </a:t>
+            </a:r>
+            <a:r>
+              <a:rPr lang="de-DE" sz="3600" dirty="0" err="1" smtClean="0"/>
+              <a:t>solution</a:t>
+            </a:r>
+            <a:r>
+              <a:rPr lang="de-DE" sz="3600" dirty="0" smtClean="0"/>
+              <a:t> (</a:t>
+            </a:r>
+            <a:r>
+              <a:rPr lang="de-DE" sz="3600" dirty="0" err="1" smtClean="0"/>
+              <a:t>delta</a:t>
+            </a:r>
+            <a:r>
+              <a:rPr lang="de-DE" sz="3600" dirty="0" smtClean="0"/>
+              <a:t> </a:t>
+            </a:r>
+            <a:r>
+              <a:rPr lang="de-DE" sz="3600" dirty="0" err="1" smtClean="0"/>
+              <a:t>iteration</a:t>
+            </a:r>
+            <a:r>
+              <a:rPr lang="de-DE" sz="3600" dirty="0" smtClean="0"/>
+              <a:t>) </a:t>
+            </a:r>
+            <a:r>
+              <a:rPr lang="de-DE" sz="3600" dirty="0" smtClean="0"/>
+              <a:t>not </a:t>
+            </a:r>
+            <a:r>
+              <a:rPr lang="de-DE" sz="3600" dirty="0" err="1" smtClean="0"/>
+              <a:t>possible</a:t>
+            </a:r>
+            <a:r>
+              <a:rPr lang="de-DE" sz="3600" dirty="0" smtClean="0"/>
+              <a:t> </a:t>
+            </a:r>
+            <a:r>
+              <a:rPr lang="de-DE" sz="3600" dirty="0" err="1" smtClean="0"/>
+              <a:t>with</a:t>
+            </a:r>
+            <a:r>
+              <a:rPr lang="de-DE" sz="3600" dirty="0" smtClean="0"/>
+              <a:t> Apache </a:t>
+            </a:r>
+            <a:r>
+              <a:rPr lang="de-DE" sz="3600" dirty="0" err="1" smtClean="0"/>
+              <a:t>Flink‘s</a:t>
+            </a:r>
+            <a:r>
+              <a:rPr lang="de-DE" sz="3600" dirty="0" smtClean="0"/>
+              <a:t> </a:t>
+            </a:r>
+            <a:r>
+              <a:rPr lang="de-DE" sz="3600" dirty="0" err="1" smtClean="0"/>
+              <a:t>programming</a:t>
+            </a:r>
+            <a:r>
+              <a:rPr lang="de-DE" sz="3600" dirty="0" smtClean="0"/>
+              <a:t> </a:t>
+            </a:r>
+            <a:r>
+              <a:rPr lang="de-DE" sz="3600" dirty="0" err="1" smtClean="0"/>
+              <a:t>model</a:t>
+            </a:r>
+            <a:r>
+              <a:rPr lang="de-DE" sz="3600" dirty="0" smtClean="0"/>
+              <a:t> (</a:t>
+            </a:r>
+            <a:r>
+              <a:rPr lang="de-DE" sz="3600" dirty="0" err="1"/>
+              <a:t>y</a:t>
+            </a:r>
+            <a:r>
+              <a:rPr lang="de-DE" sz="3600" dirty="0" err="1" smtClean="0"/>
+              <a:t>et</a:t>
+            </a:r>
+            <a:r>
+              <a:rPr lang="de-DE" sz="3600" dirty="0" smtClean="0"/>
+              <a:t>)</a:t>
+            </a:r>
+          </a:p>
+          <a:p>
+            <a:pPr marL="571500" indent="-571500">
+              <a:buFont typeface="Arial"/>
+              <a:buChar char="•"/>
+            </a:pPr>
+            <a:r>
+              <a:rPr lang="de-DE" sz="3600" dirty="0" smtClean="0"/>
+              <a:t>Iterative </a:t>
+            </a:r>
+            <a:r>
+              <a:rPr lang="de-DE" sz="3600" dirty="0" err="1" smtClean="0"/>
+              <a:t>data</a:t>
+            </a:r>
+            <a:r>
+              <a:rPr lang="de-DE" sz="3600" dirty="0" smtClean="0"/>
+              <a:t> </a:t>
+            </a:r>
+            <a:r>
+              <a:rPr lang="de-DE" sz="3600" dirty="0" err="1" smtClean="0"/>
+              <a:t>flow</a:t>
+            </a:r>
+            <a:r>
+              <a:rPr lang="de-DE" sz="3600" dirty="0" smtClean="0"/>
+              <a:t> </a:t>
+            </a:r>
+            <a:r>
+              <a:rPr lang="de-DE" sz="3600" dirty="0" err="1" smtClean="0"/>
+              <a:t>construction</a:t>
+            </a:r>
+            <a:r>
+              <a:rPr lang="de-DE" sz="3600" dirty="0" smtClean="0"/>
+              <a:t> </a:t>
+            </a:r>
+            <a:r>
+              <a:rPr lang="de-DE" sz="3600" dirty="0" err="1" smtClean="0"/>
+              <a:t>practically</a:t>
+            </a:r>
+            <a:r>
+              <a:rPr lang="de-DE" sz="3600" dirty="0" smtClean="0"/>
+              <a:t> </a:t>
+            </a:r>
+            <a:r>
+              <a:rPr lang="de-DE" sz="3600" dirty="0" err="1" smtClean="0"/>
+              <a:t>infeasable</a:t>
+            </a:r>
+            <a:r>
+              <a:rPr lang="de-DE" sz="3600" dirty="0" smtClean="0"/>
+              <a:t> due </a:t>
+            </a:r>
+            <a:r>
+              <a:rPr lang="de-DE" sz="3600" dirty="0" err="1" smtClean="0"/>
+              <a:t>to</a:t>
+            </a:r>
+            <a:r>
+              <a:rPr lang="de-DE" sz="3600" dirty="0" smtClean="0"/>
+              <a:t> </a:t>
+            </a:r>
+            <a:r>
+              <a:rPr lang="de-DE" sz="3600" dirty="0" err="1" smtClean="0"/>
+              <a:t>resulting</a:t>
+            </a:r>
+            <a:r>
+              <a:rPr lang="de-DE" sz="3600" dirty="0" smtClean="0"/>
+              <a:t> DAG </a:t>
+            </a:r>
+            <a:r>
+              <a:rPr lang="de-DE" sz="3600" dirty="0" err="1" smtClean="0"/>
+              <a:t>complexity</a:t>
+            </a:r>
+            <a:endParaRPr lang="de-DE" sz="3600" dirty="0" smtClean="0"/>
+          </a:p>
+          <a:p>
+            <a:pPr marL="571500" indent="-571500">
+              <a:buFont typeface="Arial"/>
+              <a:buChar char="•"/>
+            </a:pPr>
+            <a:r>
+              <a:rPr lang="de-DE" sz="3600" dirty="0" err="1" smtClean="0"/>
+              <a:t>Building</a:t>
+            </a:r>
+            <a:r>
+              <a:rPr lang="de-DE" sz="3600" dirty="0" smtClean="0"/>
+              <a:t> on </a:t>
+            </a:r>
+            <a:r>
+              <a:rPr lang="de-DE" sz="3600" dirty="0" err="1" smtClean="0"/>
+              <a:t>Mahout</a:t>
+            </a:r>
+            <a:r>
+              <a:rPr lang="de-DE" sz="3600" dirty="0" smtClean="0"/>
+              <a:t> </a:t>
+            </a:r>
+            <a:r>
+              <a:rPr lang="de-DE" sz="3600" dirty="0" err="1" smtClean="0"/>
+              <a:t>initially</a:t>
+            </a:r>
+            <a:r>
+              <a:rPr lang="de-DE" sz="3600" dirty="0" smtClean="0"/>
+              <a:t> </a:t>
+            </a:r>
+            <a:r>
+              <a:rPr lang="de-DE" sz="3600" dirty="0" err="1" smtClean="0"/>
+              <a:t>discarded</a:t>
+            </a:r>
+            <a:r>
+              <a:rPr lang="de-DE" sz="3600" dirty="0" smtClean="0"/>
+              <a:t> due </a:t>
+            </a:r>
+            <a:r>
+              <a:rPr lang="de-DE" sz="3600" dirty="0" err="1" smtClean="0"/>
+              <a:t>to</a:t>
+            </a:r>
+            <a:r>
+              <a:rPr lang="de-DE" sz="3600" dirty="0" smtClean="0"/>
+              <a:t> intermediate </a:t>
+            </a:r>
+            <a:r>
+              <a:rPr lang="de-DE" sz="3600" dirty="0" err="1" smtClean="0"/>
+              <a:t>materialization</a:t>
+            </a:r>
+            <a:endParaRPr lang="de-DE" sz="3600" dirty="0" smtClean="0"/>
+          </a:p>
+          <a:p>
+            <a:pPr lvl="1" indent="-908050"/>
+            <a:r>
+              <a:rPr lang="de-DE" sz="3600" dirty="0" smtClean="0">
+                <a:sym typeface="Wingdings"/>
+              </a:rPr>
+              <a:t>  </a:t>
+            </a:r>
+            <a:r>
+              <a:rPr lang="de-DE" sz="3600" dirty="0" err="1" smtClean="0">
+                <a:sym typeface="Wingdings"/>
+              </a:rPr>
+              <a:t>only</a:t>
+            </a:r>
+            <a:r>
+              <a:rPr lang="de-DE" sz="3600" dirty="0" smtClean="0">
+                <a:sym typeface="Wingdings"/>
+              </a:rPr>
+              <a:t> </a:t>
+            </a:r>
+            <a:r>
+              <a:rPr lang="de-DE" sz="3600" dirty="0" err="1" smtClean="0">
+                <a:sym typeface="Wingdings"/>
+              </a:rPr>
+              <a:t>remaining</a:t>
+            </a:r>
+            <a:r>
+              <a:rPr lang="de-DE" sz="3600" dirty="0" smtClean="0">
+                <a:sym typeface="Wingdings"/>
+              </a:rPr>
+              <a:t> </a:t>
+            </a:r>
+            <a:r>
+              <a:rPr lang="de-DE" sz="3600" dirty="0" err="1" smtClean="0">
+                <a:sym typeface="Wingdings"/>
+              </a:rPr>
+              <a:t>approach</a:t>
+            </a:r>
+            <a:r>
+              <a:rPr lang="de-DE" sz="3600" dirty="0" smtClean="0">
+                <a:sym typeface="Wingdings"/>
+              </a:rPr>
+              <a:t> </a:t>
+            </a:r>
+            <a:r>
+              <a:rPr lang="de-DE" sz="3600" dirty="0" err="1" smtClean="0">
+                <a:sym typeface="Wingdings"/>
+              </a:rPr>
+              <a:t>that</a:t>
+            </a:r>
+            <a:r>
+              <a:rPr lang="de-DE" sz="3600" dirty="0" smtClean="0">
+                <a:sym typeface="Wingdings"/>
+              </a:rPr>
+              <a:t> </a:t>
+            </a:r>
+            <a:r>
+              <a:rPr lang="de-DE" sz="3600" dirty="0" err="1" smtClean="0">
+                <a:sym typeface="Wingdings"/>
+              </a:rPr>
+              <a:t>could</a:t>
+            </a:r>
+            <a:r>
+              <a:rPr lang="de-DE" sz="3600" dirty="0" smtClean="0">
+                <a:sym typeface="Wingdings"/>
+              </a:rPr>
+              <a:t> </a:t>
+            </a:r>
+            <a:r>
+              <a:rPr lang="de-DE" sz="3600" dirty="0" err="1" smtClean="0">
+                <a:sym typeface="Wingdings"/>
+              </a:rPr>
+              <a:t>work</a:t>
+            </a:r>
+            <a:endParaRPr lang="de-DE" sz="3600" dirty="0" smtClean="0"/>
+          </a:p>
+        </p:txBody>
+      </p:sp>
     </p:spTree>
     <p:extLst>
       <p:ext uri="{BB962C8B-B14F-4D97-AF65-F5344CB8AC3E}">

--- a/doc/Poster.pptx
+++ b/doc/Poster.pptx
@@ -5136,165 +5136,180 @@
           </a:p>
         </p:txBody>
       </p:sp>
-      <p:sp>
-        <p:nvSpPr>
-          <p:cNvPr id="4" name="Rechteck 3"/>
-          <p:cNvSpPr/>
+      <p:grpSp>
+        <p:nvGrpSpPr>
+          <p:cNvPr id="485" name="Gruppierung 484"/>
+          <p:cNvGrpSpPr/>
           <p:nvPr/>
-        </p:nvSpPr>
-        <p:spPr>
+        </p:nvGrpSpPr>
+        <p:grpSpPr>
           <a:xfrm>
-            <a:off x="3096494" y="5544841"/>
-            <a:ext cx="1152128" cy="554360"/>
+            <a:off x="2664446" y="5544841"/>
+            <a:ext cx="2160240" cy="554360"/>
+            <a:chOff x="2592438" y="5544841"/>
+            <a:chExt cx="2160240" cy="554360"/>
           </a:xfrm>
-          <a:prstGeom prst="rect">
-            <a:avLst/>
-          </a:prstGeom>
-          <a:solidFill>
-            <a:schemeClr val="tx2">
-              <a:lumMod val="40000"/>
-              <a:lumOff val="60000"/>
-            </a:schemeClr>
-          </a:solidFill>
-          <a:ln>
+        </p:grpSpPr>
+        <p:sp>
+          <p:nvSpPr>
+            <p:cNvPr id="4" name="Rechteck 3"/>
+            <p:cNvSpPr/>
+            <p:nvPr/>
+          </p:nvSpPr>
+          <p:spPr>
+            <a:xfrm>
+              <a:off x="3096494" y="5544841"/>
+              <a:ext cx="1152128" cy="554360"/>
+            </a:xfrm>
+            <a:prstGeom prst="rect">
+              <a:avLst/>
+            </a:prstGeom>
             <a:solidFill>
-              <a:schemeClr val="tx2"/>
+              <a:schemeClr val="tx2">
+                <a:lumMod val="40000"/>
+                <a:lumOff val="60000"/>
+              </a:schemeClr>
             </a:solidFill>
-          </a:ln>
-        </p:spPr>
-        <p:style>
-          <a:lnRef idx="1">
-            <a:schemeClr val="accent1"/>
-          </a:lnRef>
-          <a:fillRef idx="3">
-            <a:schemeClr val="accent1"/>
-          </a:fillRef>
-          <a:effectRef idx="2">
-            <a:schemeClr val="accent1"/>
-          </a:effectRef>
-          <a:fontRef idx="minor">
-            <a:schemeClr val="lt1"/>
-          </a:fontRef>
-        </p:style>
-        <p:txBody>
-          <a:bodyPr rtlCol="0" anchor="ctr"/>
-          <a:lstStyle/>
-          <a:p>
-            <a:pPr algn="ctr"/>
-            <a:r>
-              <a:rPr lang="de-DE" sz="3200" dirty="0" smtClean="0">
+            <a:ln>
+              <a:solidFill>
+                <a:schemeClr val="tx2"/>
+              </a:solidFill>
+            </a:ln>
+          </p:spPr>
+          <p:style>
+            <a:lnRef idx="1">
+              <a:schemeClr val="accent1"/>
+            </a:lnRef>
+            <a:fillRef idx="3">
+              <a:schemeClr val="accent1"/>
+            </a:fillRef>
+            <a:effectRef idx="2">
+              <a:schemeClr val="accent1"/>
+            </a:effectRef>
+            <a:fontRef idx="minor">
+              <a:schemeClr val="lt1"/>
+            </a:fontRef>
+          </p:style>
+          <p:txBody>
+            <a:bodyPr rtlCol="0" anchor="ctr"/>
+            <a:lstStyle/>
+            <a:p>
+              <a:pPr algn="ctr"/>
+              <a:r>
+                <a:rPr lang="de-DE" sz="3200" dirty="0" smtClean="0">
+                  <a:solidFill>
+                    <a:srgbClr val="17375E"/>
+                  </a:solidFill>
+                </a:rPr>
+                <a:t>Tool</a:t>
+              </a:r>
+              <a:endParaRPr lang="de-DE" sz="3200" dirty="0">
                 <a:solidFill>
                   <a:srgbClr val="17375E"/>
                 </a:solidFill>
-              </a:rPr>
-              <a:t>Tool</a:t>
-            </a:r>
-            <a:endParaRPr lang="de-DE" sz="3200" dirty="0">
+              </a:endParaRPr>
+            </a:p>
+          </p:txBody>
+        </p:sp>
+        <p:sp>
+          <p:nvSpPr>
+            <p:cNvPr id="29" name="Pfeil nach rechts 28"/>
+            <p:cNvSpPr/>
+            <p:nvPr/>
+          </p:nvSpPr>
+          <p:spPr>
+            <a:xfrm>
+              <a:off x="2592438" y="5688857"/>
+              <a:ext cx="432048" cy="288032"/>
+            </a:xfrm>
+            <a:prstGeom prst="rightArrow">
+              <a:avLst/>
+            </a:prstGeom>
+            <a:solidFill>
+              <a:schemeClr val="tx2">
+                <a:lumMod val="40000"/>
+                <a:lumOff val="60000"/>
+              </a:schemeClr>
+            </a:solidFill>
+            <a:ln>
               <a:solidFill>
-                <a:srgbClr val="17375E"/>
+                <a:schemeClr val="tx2"/>
               </a:solidFill>
-            </a:endParaRPr>
-          </a:p>
-        </p:txBody>
-      </p:sp>
-      <p:sp>
-        <p:nvSpPr>
-          <p:cNvPr id="29" name="Pfeil nach rechts 28"/>
-          <p:cNvSpPr/>
-          <p:nvPr/>
-        </p:nvSpPr>
-        <p:spPr>
-          <a:xfrm>
-            <a:off x="2592438" y="5688857"/>
-            <a:ext cx="432048" cy="288032"/>
-          </a:xfrm>
-          <a:prstGeom prst="rightArrow">
-            <a:avLst/>
-          </a:prstGeom>
-          <a:solidFill>
-            <a:schemeClr val="tx2">
-              <a:lumMod val="40000"/>
-              <a:lumOff val="60000"/>
-            </a:schemeClr>
-          </a:solidFill>
-          <a:ln>
+            </a:ln>
+          </p:spPr>
+          <p:style>
+            <a:lnRef idx="1">
+              <a:schemeClr val="accent1"/>
+            </a:lnRef>
+            <a:fillRef idx="3">
+              <a:schemeClr val="accent1"/>
+            </a:fillRef>
+            <a:effectRef idx="2">
+              <a:schemeClr val="accent1"/>
+            </a:effectRef>
+            <a:fontRef idx="minor">
+              <a:schemeClr val="lt1"/>
+            </a:fontRef>
+          </p:style>
+          <p:txBody>
+            <a:bodyPr rtlCol="0" anchor="ctr"/>
+            <a:lstStyle/>
+            <a:p>
+              <a:pPr algn="ctr"/>
+              <a:endParaRPr lang="de-DE"/>
+            </a:p>
+          </p:txBody>
+        </p:sp>
+        <p:sp>
+          <p:nvSpPr>
+            <p:cNvPr id="55" name="Pfeil nach rechts 54"/>
+            <p:cNvSpPr/>
+            <p:nvPr/>
+          </p:nvSpPr>
+          <p:spPr>
+            <a:xfrm>
+              <a:off x="4320630" y="5688857"/>
+              <a:ext cx="432048" cy="288032"/>
+            </a:xfrm>
+            <a:prstGeom prst="rightArrow">
+              <a:avLst/>
+            </a:prstGeom>
             <a:solidFill>
-              <a:schemeClr val="tx2"/>
+              <a:schemeClr val="tx2">
+                <a:lumMod val="40000"/>
+                <a:lumOff val="60000"/>
+              </a:schemeClr>
             </a:solidFill>
-          </a:ln>
-        </p:spPr>
-        <p:style>
-          <a:lnRef idx="1">
-            <a:schemeClr val="accent1"/>
-          </a:lnRef>
-          <a:fillRef idx="3">
-            <a:schemeClr val="accent1"/>
-          </a:fillRef>
-          <a:effectRef idx="2">
-            <a:schemeClr val="accent1"/>
-          </a:effectRef>
-          <a:fontRef idx="minor">
-            <a:schemeClr val="lt1"/>
-          </a:fontRef>
-        </p:style>
-        <p:txBody>
-          <a:bodyPr rtlCol="0" anchor="ctr"/>
-          <a:lstStyle/>
-          <a:p>
-            <a:pPr algn="ctr"/>
-            <a:endParaRPr lang="de-DE"/>
-          </a:p>
-        </p:txBody>
-      </p:sp>
-      <p:sp>
-        <p:nvSpPr>
-          <p:cNvPr id="55" name="Pfeil nach rechts 54"/>
-          <p:cNvSpPr/>
-          <p:nvPr/>
-        </p:nvSpPr>
-        <p:spPr>
-          <a:xfrm>
-            <a:off x="4392638" y="5688857"/>
-            <a:ext cx="432048" cy="288032"/>
-          </a:xfrm>
-          <a:prstGeom prst="rightArrow">
-            <a:avLst/>
-          </a:prstGeom>
-          <a:solidFill>
-            <a:schemeClr val="tx2">
-              <a:lumMod val="40000"/>
-              <a:lumOff val="60000"/>
-            </a:schemeClr>
-          </a:solidFill>
-          <a:ln>
-            <a:solidFill>
-              <a:schemeClr val="tx2"/>
-            </a:solidFill>
-          </a:ln>
-        </p:spPr>
-        <p:style>
-          <a:lnRef idx="1">
-            <a:schemeClr val="accent1"/>
-          </a:lnRef>
-          <a:fillRef idx="3">
-            <a:schemeClr val="accent1"/>
-          </a:fillRef>
-          <a:effectRef idx="2">
-            <a:schemeClr val="accent1"/>
-          </a:effectRef>
-          <a:fontRef idx="minor">
-            <a:schemeClr val="lt1"/>
-          </a:fontRef>
-        </p:style>
-        <p:txBody>
-          <a:bodyPr rtlCol="0" anchor="ctr"/>
-          <a:lstStyle/>
-          <a:p>
-            <a:pPr algn="ctr"/>
-            <a:endParaRPr lang="de-DE"/>
-          </a:p>
-        </p:txBody>
-      </p:sp>
+            <a:ln>
+              <a:solidFill>
+                <a:schemeClr val="tx2"/>
+              </a:solidFill>
+            </a:ln>
+          </p:spPr>
+          <p:style>
+            <a:lnRef idx="1">
+              <a:schemeClr val="accent1"/>
+            </a:lnRef>
+            <a:fillRef idx="3">
+              <a:schemeClr val="accent1"/>
+            </a:fillRef>
+            <a:effectRef idx="2">
+              <a:schemeClr val="accent1"/>
+            </a:effectRef>
+            <a:fontRef idx="minor">
+              <a:schemeClr val="lt1"/>
+            </a:fontRef>
+          </p:style>
+          <p:txBody>
+            <a:bodyPr rtlCol="0" anchor="ctr"/>
+            <a:lstStyle/>
+            <a:p>
+              <a:pPr algn="ctr"/>
+              <a:endParaRPr lang="de-DE"/>
+            </a:p>
+          </p:txBody>
+        </p:sp>
+      </p:grpSp>
       <p:sp>
         <p:nvSpPr>
           <p:cNvPr id="58" name="Rechteck 57"/>
@@ -5852,7 +5867,7 @@
           <p:spPr>
             <a:xfrm>
               <a:off x="11593588" y="4680745"/>
-              <a:ext cx="9685787" cy="3970318"/>
+              <a:ext cx="9685787" cy="4524316"/>
             </a:xfrm>
             <a:prstGeom prst="rect">
               <a:avLst/>
@@ -5956,7 +5971,7 @@
               </a:r>
               <a:r>
                 <a:rPr lang="de-DE" sz="3600" dirty="0" err="1" smtClean="0"/>
-                <a:t>Lanczos</a:t>
+                <a:t>Hadoop-Lanczos</a:t>
               </a:r>
               <a:r>
                 <a:rPr lang="de-DE" sz="3600" dirty="0" smtClean="0"/>
@@ -6045,6 +6060,44 @@
               </a:r>
             </a:p>
             <a:p>
+              <a:pPr marL="1338263" lvl="1" indent="-549275">
+                <a:buFont typeface="Arial"/>
+                <a:buChar char="•"/>
+              </a:pPr>
+              <a:r>
+                <a:rPr lang="de-DE" sz="3600" dirty="0" err="1" smtClean="0"/>
+                <a:t>Each</a:t>
+              </a:r>
+              <a:r>
+                <a:rPr lang="de-DE" sz="3600" dirty="0" smtClean="0"/>
+                <a:t> </a:t>
+              </a:r>
+              <a:r>
+                <a:rPr lang="de-DE" sz="3600" dirty="0" err="1" smtClean="0"/>
+                <a:t>step</a:t>
+              </a:r>
+              <a:r>
+                <a:rPr lang="de-DE" sz="3600" dirty="0" smtClean="0"/>
+                <a:t> </a:t>
+              </a:r>
+              <a:r>
+                <a:rPr lang="de-DE" sz="3600" dirty="0" err="1" smtClean="0"/>
+                <a:t>one</a:t>
+              </a:r>
+              <a:r>
+                <a:rPr lang="de-DE" sz="3600" dirty="0" smtClean="0"/>
+                <a:t> </a:t>
+              </a:r>
+              <a:r>
+                <a:rPr lang="de-DE" sz="3600" dirty="0" err="1" smtClean="0"/>
+                <a:t>Hadoop</a:t>
+              </a:r>
+              <a:r>
+                <a:rPr lang="de-DE" sz="3600" dirty="0" smtClean="0"/>
+                <a:t>-Job</a:t>
+              </a:r>
+            </a:p>
+            <a:p>
               <a:pPr marL="742950" indent="-742950">
                 <a:buFont typeface="+mj-lt"/>
                 <a:buAutoNum type="arabicPeriod"/>
@@ -6094,13 +6147,8 @@
               </a:r>
               <a:r>
                 <a:rPr lang="de-DE" sz="3600" dirty="0" smtClean="0"/>
-                <a:t> Flink – fall back </a:t>
-              </a:r>
-              <a:r>
-                <a:rPr lang="de-DE" sz="3600" dirty="0" err="1" smtClean="0"/>
-                <a:t>solution</a:t>
-              </a:r>
-              <a:endParaRPr lang="de-DE" sz="3600" dirty="0" smtClean="0"/>
+                <a:t> Flink</a:t>
+              </a:r>
             </a:p>
           </p:txBody>
         </p:sp>
@@ -6114,9 +6162,9 @@
         <p:grpSpPr>
           <a:xfrm>
             <a:off x="11017374" y="3600625"/>
-            <a:ext cx="10585326" cy="16250427"/>
+            <a:ext cx="10585326" cy="17785976"/>
             <a:chOff x="11017374" y="8857209"/>
-            <a:chExt cx="10585326" cy="16250427"/>
+            <a:chExt cx="10585326" cy="17785976"/>
           </a:xfrm>
         </p:grpSpPr>
         <p:sp>
@@ -6128,7 +6176,7 @@
           <p:spPr>
             <a:xfrm>
               <a:off x="11017374" y="8857209"/>
-              <a:ext cx="10585326" cy="15841760"/>
+              <a:ext cx="10585326" cy="17785976"/>
             </a:xfrm>
             <a:prstGeom prst="rect">
               <a:avLst/>
@@ -6234,7 +6282,7 @@
           <p:spPr>
             <a:xfrm>
               <a:off x="11593438" y="9937329"/>
-              <a:ext cx="9685787" cy="15170307"/>
+              <a:ext cx="9685787" cy="16084402"/>
             </a:xfrm>
             <a:prstGeom prst="rect">
               <a:avLst/>
@@ -6421,7 +6469,7 @@
             <a:p>
               <a:pPr>
                 <a:lnSpc>
-                  <a:spcPct val="200000"/>
+                  <a:spcPct val="250000"/>
                 </a:lnSpc>
               </a:pPr>
               <a:r>
@@ -6460,6 +6508,9 @@
             </a:p>
             <a:p>
               <a:pPr marL="571500" indent="-571500">
+                <a:lnSpc>
+                  <a:spcPct val="120000"/>
+                </a:lnSpc>
                 <a:buFont typeface="Arial"/>
                 <a:buChar char="•"/>
               </a:pPr>
@@ -6504,6 +6555,9 @@
             </a:p>
             <a:p>
               <a:pPr marL="571500" indent="-571500">
+                <a:lnSpc>
+                  <a:spcPct val="120000"/>
+                </a:lnSpc>
                 <a:buFont typeface="Arial"/>
                 <a:buChar char="•"/>
               </a:pPr>
@@ -6548,7 +6602,7 @@
             <a:p>
               <a:pPr>
                 <a:lnSpc>
-                  <a:spcPct val="150000"/>
+                  <a:spcPct val="200000"/>
                 </a:lnSpc>
               </a:pPr>
               <a:r>
@@ -6571,6 +6625,9 @@
             </a:p>
             <a:p>
               <a:pPr marL="571500" indent="-571500">
+                <a:lnSpc>
+                  <a:spcPct val="150000"/>
+                </a:lnSpc>
                 <a:buFont typeface="Arial"/>
                 <a:buChar char="•"/>
               </a:pPr>
@@ -6701,6 +6758,13 @@
                 <a:rPr lang="de-DE" sz="3600" dirty="0" err="1" smtClean="0"/>
                 <a:t>steps</a:t>
               </a:r>
+              <a:endParaRPr lang="de-DE" sz="3600" dirty="0"/>
+            </a:p>
+            <a:p>
+              <a:pPr marL="571500" indent="-571500">
+                <a:buFont typeface="Arial"/>
+                <a:buChar char="•"/>
+              </a:pPr>
               <a:endParaRPr lang="de-DE" sz="3600" dirty="0" smtClean="0"/>
             </a:p>
             <a:p>
@@ -6708,7 +6772,7 @@
                 <a:buFont typeface="Arial"/>
                 <a:buChar char="•"/>
               </a:pPr>
-              <a:endParaRPr lang="de-DE" sz="3600" dirty="0"/>
+              <a:endParaRPr lang="de-DE" sz="3600" dirty="0" smtClean="0"/>
             </a:p>
             <a:p>
               <a:endParaRPr lang="de-DE" sz="3600" dirty="0"/>
@@ -6716,7 +6780,7 @@
             <a:p>
               <a:pPr marL="571500" indent="-571500">
                 <a:lnSpc>
-                  <a:spcPct val="150000"/>
+                  <a:spcPct val="120000"/>
                 </a:lnSpc>
                 <a:buFont typeface="Arial"/>
                 <a:buChar char="•"/>
@@ -6769,7 +6833,7 @@
           </p:nvSpPr>
           <p:spPr>
             <a:xfrm>
-              <a:off x="11737454" y="17210137"/>
+              <a:off x="11737454" y="17714193"/>
               <a:ext cx="9361040" cy="576064"/>
             </a:xfrm>
             <a:prstGeom prst="rect">
@@ -8024,7 +8088,7 @@
           </p:nvCxnSpPr>
           <p:spPr>
             <a:xfrm>
-              <a:off x="11449422" y="15769977"/>
+              <a:off x="11449422" y="15986001"/>
               <a:ext cx="9721080" cy="0"/>
             </a:xfrm>
             <a:prstGeom prst="line">
@@ -8054,7 +8118,7 @@
           </p:nvCxnSpPr>
           <p:spPr>
             <a:xfrm>
-              <a:off x="11449422" y="18506281"/>
+              <a:off x="11449422" y="19154353"/>
               <a:ext cx="9721080" cy="0"/>
             </a:xfrm>
             <a:prstGeom prst="line">
@@ -8085,10 +8149,10 @@
         </p:nvGrpSpPr>
         <p:grpSpPr>
           <a:xfrm>
-            <a:off x="11017374" y="24770977"/>
-            <a:ext cx="10657334" cy="7623799"/>
-            <a:chOff x="11449422" y="22692019"/>
-            <a:chExt cx="10657334" cy="7623799"/>
+            <a:off x="11017374" y="26715193"/>
+            <a:ext cx="10585326" cy="5688632"/>
+            <a:chOff x="11449422" y="22692020"/>
+            <a:chExt cx="10585326" cy="5688632"/>
           </a:xfrm>
         </p:grpSpPr>
         <p:sp>
@@ -8099,8 +8163,8 @@
           </p:nvSpPr>
           <p:spPr>
             <a:xfrm>
-              <a:off x="11449422" y="22692019"/>
-              <a:ext cx="10585326" cy="7623799"/>
+              <a:off x="11449422" y="22692020"/>
+              <a:ext cx="10585326" cy="5688632"/>
             </a:xfrm>
             <a:prstGeom prst="rect">
               <a:avLst/>
@@ -8216,7 +8280,7 @@
           <p:spPr>
             <a:xfrm>
               <a:off x="12025636" y="23988163"/>
-              <a:ext cx="10081120" cy="646331"/>
+              <a:ext cx="9504906" cy="3970318"/>
             </a:xfrm>
             <a:prstGeom prst="rect">
               <a:avLst/>
@@ -8229,9 +8293,13 @@
             </a:bodyPr>
             <a:lstStyle/>
             <a:p>
+              <a:pPr marL="571500" indent="-571500">
+                <a:buFont typeface="Arial"/>
+                <a:buChar char="•"/>
+              </a:pPr>
               <a:r>
                 <a:rPr lang="de-DE" sz="3600" dirty="0" err="1" smtClean="0"/>
-                <a:t>Missing</a:t>
+                <a:t>No</a:t>
               </a:r>
               <a:r>
                 <a:rPr lang="de-DE" sz="3600" dirty="0" smtClean="0"/>
@@ -8239,7 +8307,7 @@
               </a:r>
               <a:r>
                 <a:rPr lang="de-DE" sz="3600" dirty="0" err="1" smtClean="0"/>
-                <a:t>support</a:t>
+                <a:t>satisfying</a:t>
               </a:r>
               <a:r>
                 <a:rPr lang="de-DE" sz="3600" dirty="0" smtClean="0"/>
@@ -8247,7 +8315,7 @@
               </a:r>
               <a:r>
                 <a:rPr lang="de-DE" sz="3600" dirty="0" err="1" smtClean="0"/>
-                <a:t>for</a:t>
+                <a:t>solution</a:t>
               </a:r>
               <a:r>
                 <a:rPr lang="de-DE" sz="3600" dirty="0" smtClean="0"/>
@@ -8255,7 +8323,7 @@
               </a:r>
               <a:r>
                 <a:rPr lang="de-DE" sz="3600" dirty="0" err="1" smtClean="0"/>
-                <a:t>nested</a:t>
+                <a:t>possible</a:t>
               </a:r>
               <a:r>
                 <a:rPr lang="de-DE" sz="3600" dirty="0" smtClean="0"/>
@@ -8263,7 +8331,33 @@
               </a:r>
               <a:r>
                 <a:rPr lang="de-DE" sz="3600" dirty="0" err="1" smtClean="0"/>
-                <a:t>iterations</a:t>
+                <a:t>with</a:t>
+              </a:r>
+              <a:r>
+                <a:rPr lang="de-DE" sz="3600" dirty="0" smtClean="0"/>
+                <a:t> Flink 0.8.0</a:t>
+              </a:r>
+            </a:p>
+            <a:p>
+              <a:pPr marL="571500" indent="-571500">
+                <a:buFont typeface="Arial"/>
+                <a:buChar char="•"/>
+              </a:pPr>
+              <a:r>
+                <a:rPr lang="de-DE" sz="3600" dirty="0" smtClean="0"/>
+                <a:t>Workaround </a:t>
+              </a:r>
+              <a:r>
+                <a:rPr lang="de-DE" sz="3600" dirty="0" err="1" smtClean="0"/>
+                <a:t>by</a:t>
+              </a:r>
+              <a:r>
+                <a:rPr lang="de-DE" sz="3600" dirty="0" smtClean="0"/>
+                <a:t> intermediate </a:t>
+              </a:r>
+              <a:r>
+                <a:rPr lang="de-DE" sz="3600" dirty="0" err="1" smtClean="0"/>
+                <a:t>materialization</a:t>
               </a:r>
               <a:r>
                 <a:rPr lang="de-DE" sz="3600" dirty="0" smtClean="0"/>
@@ -8271,7 +8365,165 @@
               </a:r>
               <a:r>
                 <a:rPr lang="de-DE" sz="3600" dirty="0" err="1" smtClean="0"/>
-                <a:t>frustrating</a:t>
+                <a:t>is</a:t>
+              </a:r>
+              <a:r>
+                <a:rPr lang="de-DE" sz="3600" dirty="0" smtClean="0"/>
+                <a:t>  not </a:t>
+              </a:r>
+              <a:r>
+                <a:rPr lang="de-DE" sz="3600" dirty="0" err="1" smtClean="0"/>
+                <a:t>expected</a:t>
+              </a:r>
+              <a:r>
+                <a:rPr lang="de-DE" sz="3600" dirty="0" smtClean="0"/>
+                <a:t> </a:t>
+              </a:r>
+              <a:r>
+                <a:rPr lang="de-DE" sz="3600" dirty="0" err="1" smtClean="0"/>
+                <a:t>to</a:t>
+              </a:r>
+              <a:r>
+                <a:rPr lang="de-DE" sz="3600" dirty="0" smtClean="0"/>
+                <a:t> </a:t>
+              </a:r>
+              <a:r>
+                <a:rPr lang="de-DE" sz="3600" dirty="0" err="1" smtClean="0"/>
+                <a:t>perform</a:t>
+              </a:r>
+              <a:r>
+                <a:rPr lang="de-DE" sz="3600" dirty="0" smtClean="0"/>
+                <a:t> </a:t>
+              </a:r>
+              <a:r>
+                <a:rPr lang="de-DE" sz="3600" dirty="0" err="1" smtClean="0"/>
+                <a:t>significantly</a:t>
+              </a:r>
+              <a:r>
+                <a:rPr lang="de-DE" sz="3600" dirty="0" smtClean="0"/>
+                <a:t> </a:t>
+              </a:r>
+              <a:r>
+                <a:rPr lang="de-DE" sz="3600" dirty="0" err="1" smtClean="0"/>
+                <a:t>better</a:t>
+              </a:r>
+              <a:r>
+                <a:rPr lang="de-DE" sz="3600" dirty="0" smtClean="0"/>
+                <a:t> </a:t>
+              </a:r>
+              <a:r>
+                <a:rPr lang="de-DE" sz="3600" dirty="0" err="1" smtClean="0"/>
+                <a:t>than</a:t>
+              </a:r>
+              <a:r>
+                <a:rPr lang="de-DE" sz="3600" dirty="0" smtClean="0"/>
+                <a:t> </a:t>
+              </a:r>
+              <a:r>
+                <a:rPr lang="de-DE" sz="3600" dirty="0" err="1" smtClean="0"/>
+                <a:t>Mahout</a:t>
+              </a:r>
+              <a:r>
+                <a:rPr lang="de-DE" sz="3600" dirty="0" smtClean="0"/>
+                <a:t> + </a:t>
+              </a:r>
+              <a:r>
+                <a:rPr lang="de-DE" sz="3600" dirty="0" err="1" smtClean="0"/>
+                <a:t>Hadoop</a:t>
+              </a:r>
+              <a:endParaRPr lang="de-DE" sz="3600" dirty="0" smtClean="0"/>
+            </a:p>
+            <a:p>
+              <a:pPr marL="571500" indent="-571500">
+                <a:buFont typeface="Arial"/>
+                <a:buChar char="•"/>
+              </a:pPr>
+              <a:r>
+                <a:rPr lang="de-DE" sz="3600" dirty="0" smtClean="0"/>
+                <a:t>Shows </a:t>
+              </a:r>
+              <a:r>
+                <a:rPr lang="de-DE" sz="3600" dirty="0" err="1"/>
+                <a:t>limitations</a:t>
+              </a:r>
+              <a:r>
+                <a:rPr lang="de-DE" sz="3600" dirty="0"/>
+                <a:t> </a:t>
+              </a:r>
+              <a:r>
+                <a:rPr lang="de-DE" sz="3600" dirty="0" err="1"/>
+                <a:t>of</a:t>
+              </a:r>
+              <a:r>
+                <a:rPr lang="de-DE" sz="3600" dirty="0"/>
+                <a:t> </a:t>
+              </a:r>
+              <a:r>
+                <a:rPr lang="de-DE" sz="3600" dirty="0" smtClean="0"/>
+                <a:t>Apache Flink </a:t>
+              </a:r>
+              <a:r>
+                <a:rPr lang="de-DE" sz="3600" dirty="0" err="1" smtClean="0"/>
+                <a:t>for</a:t>
+              </a:r>
+              <a:r>
+                <a:rPr lang="de-DE" sz="3600" dirty="0" smtClean="0"/>
+                <a:t> </a:t>
+              </a:r>
+              <a:r>
+                <a:rPr lang="de-DE" sz="3600" dirty="0" err="1" smtClean="0"/>
+                <a:t>implementing</a:t>
+              </a:r>
+              <a:r>
+                <a:rPr lang="de-DE" sz="3600" dirty="0" smtClean="0"/>
+                <a:t> iterative </a:t>
+              </a:r>
+              <a:r>
+                <a:rPr lang="de-DE" sz="3600" dirty="0" err="1" smtClean="0"/>
+                <a:t>algorithms</a:t>
+              </a:r>
+              <a:endParaRPr lang="de-DE" sz="3600" dirty="0" smtClean="0"/>
+            </a:p>
+            <a:p>
+              <a:pPr marL="571500" indent="-571500">
+                <a:buFont typeface="Arial"/>
+                <a:buChar char="•"/>
+              </a:pPr>
+              <a:r>
+                <a:rPr lang="de-DE" sz="3600" dirty="0" err="1" smtClean="0"/>
+                <a:t>Wait</a:t>
+              </a:r>
+              <a:r>
+                <a:rPr lang="de-DE" sz="3600" dirty="0" smtClean="0"/>
+                <a:t> </a:t>
+              </a:r>
+              <a:r>
+                <a:rPr lang="de-DE" sz="3600" dirty="0" err="1" smtClean="0"/>
+                <a:t>until</a:t>
+              </a:r>
+              <a:r>
+                <a:rPr lang="de-DE" sz="3600" dirty="0" smtClean="0"/>
+                <a:t> Flink </a:t>
+              </a:r>
+              <a:r>
+                <a:rPr lang="de-DE" sz="3600" dirty="0" err="1" smtClean="0"/>
+                <a:t>supports</a:t>
+              </a:r>
+              <a:r>
+                <a:rPr lang="de-DE" sz="3600" dirty="0" smtClean="0"/>
+                <a:t> </a:t>
+              </a:r>
+              <a:r>
+                <a:rPr lang="de-DE" sz="3600" dirty="0" err="1" smtClean="0"/>
+                <a:t>nested</a:t>
+              </a:r>
+              <a:r>
+                <a:rPr lang="de-DE" sz="3600" dirty="0" smtClean="0"/>
+                <a:t> </a:t>
+              </a:r>
+              <a:r>
+                <a:rPr lang="de-DE" sz="3600" dirty="0" err="1" smtClean="0"/>
+                <a:t>iterations</a:t>
               </a:r>
               <a:endParaRPr lang="de-DE" sz="3600" dirty="0" smtClean="0"/>
             </a:p>
@@ -8286,7 +8538,7 @@
         </p:nvGrpSpPr>
         <p:grpSpPr>
           <a:xfrm>
-            <a:off x="12601550" y="14761865"/>
+            <a:off x="12529542" y="15697969"/>
             <a:ext cx="7272808" cy="1944216"/>
             <a:chOff x="11881470" y="15265921"/>
             <a:chExt cx="7272808" cy="1944216"/>
@@ -9544,8 +9796,8 @@
         </p:nvGrpSpPr>
         <p:grpSpPr>
           <a:xfrm>
-            <a:off x="12700226" y="17498169"/>
-            <a:ext cx="7318148" cy="936104"/>
+            <a:off x="12241510" y="18578289"/>
+            <a:ext cx="8444017" cy="1080120"/>
             <a:chOff x="12313516" y="18146241"/>
             <a:chExt cx="7318148" cy="936104"/>
           </a:xfrm>
@@ -12065,437 +12317,452 @@
           </p:cxnSp>
         </p:grpSp>
       </p:grpSp>
-      <p:sp>
-        <p:nvSpPr>
-          <p:cNvPr id="482" name="Rechteck 481"/>
-          <p:cNvSpPr/>
+      <p:grpSp>
+        <p:nvGrpSpPr>
+          <p:cNvPr id="486" name="Gruppierung 485"/>
+          <p:cNvGrpSpPr/>
           <p:nvPr/>
-        </p:nvSpPr>
-        <p:spPr>
+        </p:nvGrpSpPr>
+        <p:grpSpPr>
           <a:xfrm>
-            <a:off x="11017374" y="19442386"/>
+            <a:off x="11017374" y="21386601"/>
             <a:ext cx="10585326" cy="5328592"/>
+            <a:chOff x="11017374" y="19442385"/>
+            <a:chExt cx="10585326" cy="5328592"/>
           </a:xfrm>
-          <a:prstGeom prst="rect">
-            <a:avLst/>
-          </a:prstGeom>
-          <a:solidFill>
-            <a:schemeClr val="accent1">
-              <a:lumMod val="20000"/>
-              <a:lumOff val="80000"/>
-            </a:schemeClr>
-          </a:solidFill>
-          <a:ln w="76200" cmpd="sng">
+        </p:grpSpPr>
+        <p:sp>
+          <p:nvSpPr>
+            <p:cNvPr id="482" name="Rechteck 481"/>
+            <p:cNvSpPr/>
+            <p:nvPr/>
+          </p:nvSpPr>
+          <p:spPr>
+            <a:xfrm>
+              <a:off x="11017374" y="19442385"/>
+              <a:ext cx="10585326" cy="5328592"/>
+            </a:xfrm>
+            <a:prstGeom prst="rect">
+              <a:avLst/>
+            </a:prstGeom>
             <a:solidFill>
-              <a:schemeClr val="tx2"/>
+              <a:schemeClr val="accent1">
+                <a:lumMod val="20000"/>
+                <a:lumOff val="80000"/>
+              </a:schemeClr>
             </a:solidFill>
-          </a:ln>
-        </p:spPr>
-        <p:style>
-          <a:lnRef idx="1">
-            <a:schemeClr val="accent1"/>
-          </a:lnRef>
-          <a:fillRef idx="3">
-            <a:schemeClr val="accent1"/>
-          </a:fillRef>
-          <a:effectRef idx="2">
-            <a:schemeClr val="accent1"/>
-          </a:effectRef>
-          <a:fontRef idx="minor">
-            <a:schemeClr val="lt1"/>
-          </a:fontRef>
-        </p:style>
-        <p:txBody>
-          <a:bodyPr rtlCol="0" anchor="ctr"/>
-          <a:lstStyle/>
-          <a:p>
-            <a:pPr algn="ctr"/>
-            <a:endParaRPr lang="de-DE" dirty="0">
+            <a:ln w="76200" cmpd="sng">
               <a:solidFill>
-                <a:schemeClr val="tx2">
-                  <a:lumMod val="75000"/>
-                </a:schemeClr>
+                <a:schemeClr val="tx2"/>
               </a:solidFill>
-            </a:endParaRPr>
-          </a:p>
-        </p:txBody>
-      </p:sp>
-      <p:sp>
-        <p:nvSpPr>
-          <p:cNvPr id="483" name="Rechteck 482"/>
-          <p:cNvSpPr/>
-          <p:nvPr/>
-        </p:nvSpPr>
-        <p:spPr>
-          <a:xfrm>
-            <a:off x="11521431" y="19730418"/>
-            <a:ext cx="8641109" cy="707886"/>
-          </a:xfrm>
-          <a:prstGeom prst="rect">
-            <a:avLst/>
-          </a:prstGeom>
-        </p:spPr>
-        <p:txBody>
-          <a:bodyPr wrap="square">
-            <a:spAutoFit/>
-          </a:bodyPr>
-          <a:lstStyle/>
-          <a:p>
-            <a:r>
-              <a:rPr lang="de-DE" sz="4000" b="1" dirty="0">
+            </a:ln>
+          </p:spPr>
+          <p:style>
+            <a:lnRef idx="1">
+              <a:schemeClr val="accent1"/>
+            </a:lnRef>
+            <a:fillRef idx="3">
+              <a:schemeClr val="accent1"/>
+            </a:fillRef>
+            <a:effectRef idx="2">
+              <a:schemeClr val="accent1"/>
+            </a:effectRef>
+            <a:fontRef idx="minor">
+              <a:schemeClr val="lt1"/>
+            </a:fontRef>
+          </p:style>
+          <p:txBody>
+            <a:bodyPr rtlCol="0" anchor="ctr"/>
+            <a:lstStyle/>
+            <a:p>
+              <a:pPr algn="ctr"/>
+              <a:endParaRPr lang="de-DE" dirty="0">
+                <a:solidFill>
+                  <a:schemeClr val="tx2">
+                    <a:lumMod val="75000"/>
+                  </a:schemeClr>
+                </a:solidFill>
+              </a:endParaRPr>
+            </a:p>
+          </p:txBody>
+        </p:sp>
+        <p:sp>
+          <p:nvSpPr>
+            <p:cNvPr id="483" name="Rechteck 482"/>
+            <p:cNvSpPr/>
+            <p:nvPr/>
+          </p:nvSpPr>
+          <p:spPr>
+            <a:xfrm>
+              <a:off x="11521431" y="19730418"/>
+              <a:ext cx="8641109" cy="707886"/>
+            </a:xfrm>
+            <a:prstGeom prst="rect">
+              <a:avLst/>
+            </a:prstGeom>
+          </p:spPr>
+          <p:txBody>
+            <a:bodyPr wrap="square">
+              <a:spAutoFit/>
+            </a:bodyPr>
+            <a:lstStyle/>
+            <a:p>
+              <a:r>
+                <a:rPr lang="de-DE" sz="4000" b="1" dirty="0">
+                  <a:solidFill>
+                    <a:schemeClr val="tx2"/>
+                  </a:solidFill>
+                  <a:latin typeface="Verdana"/>
+                  <a:cs typeface="Verdana"/>
+                </a:rPr>
+                <a:t>6</a:t>
+              </a:r>
+              <a:r>
+                <a:rPr lang="de-DE" sz="4000" b="1" dirty="0" smtClean="0">
+                  <a:solidFill>
+                    <a:schemeClr val="tx2"/>
+                  </a:solidFill>
+                  <a:latin typeface="Verdana"/>
+                  <a:cs typeface="Verdana"/>
+                </a:rPr>
+                <a:t>. </a:t>
+              </a:r>
+              <a:r>
+                <a:rPr lang="de-DE" sz="4000" b="1" dirty="0" err="1" smtClean="0">
+                  <a:solidFill>
+                    <a:schemeClr val="tx2"/>
+                  </a:solidFill>
+                  <a:latin typeface="Verdana"/>
+                  <a:cs typeface="Verdana"/>
+                </a:rPr>
+                <a:t>Results</a:t>
+              </a:r>
+              <a:endParaRPr lang="de-DE" sz="4000" b="1" dirty="0">
                 <a:solidFill>
                   <a:schemeClr val="tx2"/>
                 </a:solidFill>
                 <a:latin typeface="Verdana"/>
                 <a:cs typeface="Verdana"/>
-              </a:rPr>
-              <a:t>6</a:t>
-            </a:r>
-            <a:r>
-              <a:rPr lang="de-DE" sz="4000" b="1" dirty="0" smtClean="0">
-                <a:solidFill>
-                  <a:schemeClr val="tx2"/>
-                </a:solidFill>
-                <a:latin typeface="Verdana"/>
-                <a:cs typeface="Verdana"/>
-              </a:rPr>
-              <a:t>. </a:t>
-            </a:r>
-            <a:r>
-              <a:rPr lang="de-DE" sz="4000" b="1" dirty="0" err="1" smtClean="0">
-                <a:solidFill>
-                  <a:schemeClr val="tx2"/>
-                </a:solidFill>
-                <a:latin typeface="Verdana"/>
-                <a:cs typeface="Verdana"/>
-              </a:rPr>
-              <a:t>Results</a:t>
-            </a:r>
-            <a:endParaRPr lang="de-DE" sz="4000" b="1" dirty="0">
-              <a:solidFill>
-                <a:schemeClr val="tx2"/>
-              </a:solidFill>
-              <a:latin typeface="Verdana"/>
-              <a:cs typeface="Verdana"/>
-            </a:endParaRPr>
-          </a:p>
-        </p:txBody>
-      </p:sp>
-      <p:sp>
-        <p:nvSpPr>
-          <p:cNvPr id="484" name="Textfeld 483"/>
-          <p:cNvSpPr txBox="1"/>
-          <p:nvPr/>
-        </p:nvSpPr>
-        <p:spPr>
-          <a:xfrm>
-            <a:off x="11593588" y="20522506"/>
-            <a:ext cx="9504906" cy="3970318"/>
-          </a:xfrm>
-          <a:prstGeom prst="rect">
-            <a:avLst/>
-          </a:prstGeom>
-          <a:noFill/>
-        </p:spPr>
-        <p:txBody>
-          <a:bodyPr wrap="square" rtlCol="0">
-            <a:spAutoFit/>
-          </a:bodyPr>
-          <a:lstStyle/>
-          <a:p>
-            <a:pPr marL="571500" indent="-571500">
-              <a:buFont typeface="Arial"/>
-              <a:buChar char="•"/>
-            </a:pPr>
-            <a:r>
-              <a:rPr lang="de-DE" sz="3600" dirty="0" err="1" smtClean="0"/>
-              <a:t>Idiomatic</a:t>
-            </a:r>
-            <a:r>
-              <a:rPr lang="de-DE" sz="3600" dirty="0" smtClean="0"/>
-              <a:t> </a:t>
-            </a:r>
-            <a:r>
-              <a:rPr lang="de-DE" sz="3600" dirty="0" err="1" smtClean="0"/>
-              <a:t>solution</a:t>
-            </a:r>
-            <a:r>
-              <a:rPr lang="de-DE" sz="3600" dirty="0" smtClean="0"/>
-              <a:t> (</a:t>
-            </a:r>
-            <a:r>
-              <a:rPr lang="de-DE" sz="3600" dirty="0" err="1" smtClean="0"/>
-              <a:t>delta</a:t>
-            </a:r>
-            <a:r>
-              <a:rPr lang="de-DE" sz="3600" dirty="0" smtClean="0"/>
-              <a:t> </a:t>
-            </a:r>
-            <a:r>
-              <a:rPr lang="de-DE" sz="3600" dirty="0" err="1" smtClean="0"/>
-              <a:t>iteration</a:t>
-            </a:r>
-            <a:r>
-              <a:rPr lang="de-DE" sz="3600" dirty="0" smtClean="0"/>
-              <a:t>) </a:t>
-            </a:r>
-            <a:r>
-              <a:rPr lang="de-DE" sz="3600" dirty="0" smtClean="0"/>
-              <a:t>not </a:t>
-            </a:r>
-            <a:r>
-              <a:rPr lang="de-DE" sz="3600" dirty="0" err="1" smtClean="0"/>
-              <a:t>possible</a:t>
-            </a:r>
-            <a:r>
-              <a:rPr lang="de-DE" sz="3600" dirty="0" smtClean="0"/>
-              <a:t> </a:t>
-            </a:r>
-            <a:r>
-              <a:rPr lang="de-DE" sz="3600" dirty="0" err="1" smtClean="0"/>
-              <a:t>with</a:t>
-            </a:r>
-            <a:r>
-              <a:rPr lang="de-DE" sz="3600" dirty="0" smtClean="0"/>
-              <a:t> Apache </a:t>
-            </a:r>
-            <a:r>
-              <a:rPr lang="de-DE" sz="3600" dirty="0" err="1" smtClean="0"/>
-              <a:t>Flink‘s</a:t>
-            </a:r>
-            <a:r>
-              <a:rPr lang="de-DE" sz="3600" dirty="0" smtClean="0"/>
-              <a:t> </a:t>
-            </a:r>
-            <a:r>
-              <a:rPr lang="de-DE" sz="3600" dirty="0" err="1" smtClean="0"/>
-              <a:t>programming</a:t>
-            </a:r>
-            <a:r>
-              <a:rPr lang="de-DE" sz="3600" dirty="0" smtClean="0"/>
-              <a:t> </a:t>
-            </a:r>
-            <a:r>
-              <a:rPr lang="de-DE" sz="3600" dirty="0" err="1" smtClean="0"/>
-              <a:t>model</a:t>
-            </a:r>
-            <a:r>
-              <a:rPr lang="de-DE" sz="3600" dirty="0" smtClean="0"/>
-              <a:t> (</a:t>
-            </a:r>
-            <a:r>
-              <a:rPr lang="de-DE" sz="3600" dirty="0" err="1"/>
-              <a:t>y</a:t>
-            </a:r>
-            <a:r>
-              <a:rPr lang="de-DE" sz="3600" dirty="0" err="1" smtClean="0"/>
-              <a:t>et</a:t>
-            </a:r>
-            <a:r>
-              <a:rPr lang="de-DE" sz="3600" dirty="0" smtClean="0"/>
-              <a:t>)</a:t>
-            </a:r>
-          </a:p>
-          <a:p>
-            <a:pPr marL="571500" indent="-571500">
-              <a:buFont typeface="Arial"/>
-              <a:buChar char="•"/>
-            </a:pPr>
-            <a:r>
-              <a:rPr lang="de-DE" sz="3600" dirty="0" smtClean="0"/>
-              <a:t>Iterative </a:t>
-            </a:r>
-            <a:r>
-              <a:rPr lang="de-DE" sz="3600" dirty="0" err="1" smtClean="0"/>
-              <a:t>data</a:t>
-            </a:r>
-            <a:r>
-              <a:rPr lang="de-DE" sz="3600" dirty="0" smtClean="0"/>
-              <a:t> </a:t>
-            </a:r>
-            <a:r>
-              <a:rPr lang="de-DE" sz="3600" dirty="0" err="1" smtClean="0"/>
-              <a:t>flow</a:t>
-            </a:r>
-            <a:r>
-              <a:rPr lang="de-DE" sz="3600" dirty="0" smtClean="0"/>
-              <a:t> </a:t>
-            </a:r>
-            <a:r>
-              <a:rPr lang="de-DE" sz="3600" dirty="0" err="1" smtClean="0"/>
-              <a:t>construction</a:t>
-            </a:r>
-            <a:r>
-              <a:rPr lang="de-DE" sz="3600" dirty="0" smtClean="0"/>
-              <a:t> </a:t>
-            </a:r>
-            <a:r>
-              <a:rPr lang="de-DE" sz="3600" dirty="0" err="1" smtClean="0"/>
-              <a:t>practically</a:t>
-            </a:r>
-            <a:r>
-              <a:rPr lang="de-DE" sz="3600" dirty="0" smtClean="0"/>
-              <a:t> </a:t>
-            </a:r>
-            <a:r>
-              <a:rPr lang="de-DE" sz="3600" dirty="0" err="1" smtClean="0"/>
-              <a:t>infeasable</a:t>
-            </a:r>
-            <a:r>
-              <a:rPr lang="de-DE" sz="3600" dirty="0" smtClean="0"/>
-              <a:t> due </a:t>
-            </a:r>
-            <a:r>
-              <a:rPr lang="de-DE" sz="3600" dirty="0" err="1" smtClean="0"/>
-              <a:t>to</a:t>
-            </a:r>
-            <a:r>
-              <a:rPr lang="de-DE" sz="3600" dirty="0" smtClean="0"/>
-              <a:t> </a:t>
-            </a:r>
-            <a:r>
-              <a:rPr lang="de-DE" sz="3600" dirty="0" err="1" smtClean="0"/>
-              <a:t>resulting</a:t>
-            </a:r>
-            <a:r>
-              <a:rPr lang="de-DE" sz="3600" dirty="0" smtClean="0"/>
-              <a:t> DAG </a:t>
-            </a:r>
-            <a:r>
-              <a:rPr lang="de-DE" sz="3600" dirty="0" err="1" smtClean="0"/>
-              <a:t>complexity</a:t>
-            </a:r>
-            <a:endParaRPr lang="de-DE" sz="3600" dirty="0" smtClean="0"/>
-          </a:p>
-          <a:p>
-            <a:pPr marL="571500" indent="-571500">
-              <a:buFont typeface="Arial"/>
-              <a:buChar char="•"/>
-            </a:pPr>
-            <a:r>
-              <a:rPr lang="de-DE" sz="3600" dirty="0" err="1" smtClean="0"/>
-              <a:t>Building</a:t>
-            </a:r>
-            <a:r>
-              <a:rPr lang="de-DE" sz="3600" dirty="0" smtClean="0"/>
-              <a:t> on </a:t>
-            </a:r>
-            <a:r>
-              <a:rPr lang="de-DE" sz="3600" dirty="0" err="1" smtClean="0"/>
-              <a:t>Mahout</a:t>
-            </a:r>
-            <a:r>
-              <a:rPr lang="de-DE" sz="3600" dirty="0" smtClean="0"/>
-              <a:t> </a:t>
-            </a:r>
-            <a:r>
-              <a:rPr lang="de-DE" sz="3600" dirty="0" err="1" smtClean="0"/>
-              <a:t>initially</a:t>
-            </a:r>
-            <a:r>
-              <a:rPr lang="de-DE" sz="3600" dirty="0" smtClean="0"/>
-              <a:t> </a:t>
-            </a:r>
-            <a:r>
-              <a:rPr lang="de-DE" sz="3600" dirty="0" err="1" smtClean="0"/>
-              <a:t>discarded</a:t>
-            </a:r>
-            <a:r>
-              <a:rPr lang="de-DE" sz="3600" dirty="0" smtClean="0"/>
-              <a:t> due </a:t>
-            </a:r>
-            <a:r>
-              <a:rPr lang="de-DE" sz="3600" dirty="0" err="1" smtClean="0"/>
-              <a:t>to</a:t>
-            </a:r>
-            <a:r>
-              <a:rPr lang="de-DE" sz="3600" dirty="0" smtClean="0"/>
-              <a:t> intermediate </a:t>
-            </a:r>
-            <a:r>
-              <a:rPr lang="de-DE" sz="3600" dirty="0" err="1" smtClean="0"/>
-              <a:t>materialization</a:t>
-            </a:r>
-            <a:endParaRPr lang="de-DE" sz="3600" dirty="0" smtClean="0"/>
-          </a:p>
-          <a:p>
-            <a:pPr lvl="1" indent="-908050"/>
-            <a:r>
-              <a:rPr lang="de-DE" sz="3600" dirty="0" smtClean="0">
-                <a:sym typeface="Wingdings"/>
-              </a:rPr>
-              <a:t>  </a:t>
-            </a:r>
-            <a:r>
-              <a:rPr lang="de-DE" sz="3600" dirty="0" err="1" smtClean="0">
-                <a:sym typeface="Wingdings"/>
-              </a:rPr>
-              <a:t>only</a:t>
-            </a:r>
-            <a:r>
-              <a:rPr lang="de-DE" sz="3600" dirty="0" smtClean="0">
-                <a:sym typeface="Wingdings"/>
-              </a:rPr>
-              <a:t> </a:t>
-            </a:r>
-            <a:r>
-              <a:rPr lang="de-DE" sz="3600" dirty="0" err="1" smtClean="0">
-                <a:sym typeface="Wingdings"/>
-              </a:rPr>
-              <a:t>remaining</a:t>
-            </a:r>
-            <a:r>
-              <a:rPr lang="de-DE" sz="3600" dirty="0" smtClean="0">
-                <a:sym typeface="Wingdings"/>
-              </a:rPr>
-              <a:t> </a:t>
-            </a:r>
-            <a:r>
-              <a:rPr lang="de-DE" sz="3600" dirty="0" err="1" smtClean="0">
-                <a:sym typeface="Wingdings"/>
-              </a:rPr>
-              <a:t>approach</a:t>
-            </a:r>
-            <a:r>
-              <a:rPr lang="de-DE" sz="3600" dirty="0" smtClean="0">
-                <a:sym typeface="Wingdings"/>
-              </a:rPr>
-              <a:t> </a:t>
-            </a:r>
-            <a:r>
-              <a:rPr lang="de-DE" sz="3600" dirty="0" err="1" smtClean="0">
-                <a:sym typeface="Wingdings"/>
-              </a:rPr>
-              <a:t>that</a:t>
-            </a:r>
-            <a:r>
-              <a:rPr lang="de-DE" sz="3600" dirty="0" smtClean="0">
-                <a:sym typeface="Wingdings"/>
-              </a:rPr>
-              <a:t> </a:t>
-            </a:r>
-            <a:r>
-              <a:rPr lang="de-DE" sz="3600" dirty="0" err="1" smtClean="0">
-                <a:sym typeface="Wingdings"/>
-              </a:rPr>
-              <a:t>could</a:t>
-            </a:r>
-            <a:r>
-              <a:rPr lang="de-DE" sz="3600" dirty="0" smtClean="0">
-                <a:sym typeface="Wingdings"/>
-              </a:rPr>
-              <a:t> </a:t>
-            </a:r>
-            <a:r>
-              <a:rPr lang="de-DE" sz="3600" dirty="0" err="1" smtClean="0">
-                <a:sym typeface="Wingdings"/>
-              </a:rPr>
-              <a:t>work</a:t>
-            </a:r>
-            <a:endParaRPr lang="de-DE" sz="3600" dirty="0" smtClean="0"/>
-          </a:p>
-        </p:txBody>
-      </p:sp>
+              </a:endParaRPr>
+            </a:p>
+          </p:txBody>
+        </p:sp>
+        <p:sp>
+          <p:nvSpPr>
+            <p:cNvPr id="484" name="Textfeld 483"/>
+            <p:cNvSpPr txBox="1"/>
+            <p:nvPr/>
+          </p:nvSpPr>
+          <p:spPr>
+            <a:xfrm>
+              <a:off x="11593588" y="20522506"/>
+              <a:ext cx="9504906" cy="3970318"/>
+            </a:xfrm>
+            <a:prstGeom prst="rect">
+              <a:avLst/>
+            </a:prstGeom>
+            <a:noFill/>
+          </p:spPr>
+          <p:txBody>
+            <a:bodyPr wrap="square" rtlCol="0">
+              <a:spAutoFit/>
+            </a:bodyPr>
+            <a:lstStyle/>
+            <a:p>
+              <a:pPr marL="571500" indent="-571500">
+                <a:buFont typeface="Arial"/>
+                <a:buChar char="•"/>
+              </a:pPr>
+              <a:r>
+                <a:rPr lang="de-DE" sz="3600" dirty="0" err="1" smtClean="0"/>
+                <a:t>Idiomatic</a:t>
+              </a:r>
+              <a:r>
+                <a:rPr lang="de-DE" sz="3600" dirty="0" smtClean="0"/>
+                <a:t> </a:t>
+              </a:r>
+              <a:r>
+                <a:rPr lang="de-DE" sz="3600" dirty="0" err="1" smtClean="0"/>
+                <a:t>solution</a:t>
+              </a:r>
+              <a:r>
+                <a:rPr lang="de-DE" sz="3600" dirty="0" smtClean="0"/>
+                <a:t> (</a:t>
+              </a:r>
+              <a:r>
+                <a:rPr lang="de-DE" sz="3600" dirty="0" err="1" smtClean="0"/>
+                <a:t>delta</a:t>
+              </a:r>
+              <a:r>
+                <a:rPr lang="de-DE" sz="3600" dirty="0" smtClean="0"/>
+                <a:t> </a:t>
+              </a:r>
+              <a:r>
+                <a:rPr lang="de-DE" sz="3600" dirty="0" err="1" smtClean="0"/>
+                <a:t>iteration</a:t>
+              </a:r>
+              <a:r>
+                <a:rPr lang="de-DE" sz="3600" dirty="0" smtClean="0"/>
+                <a:t>) </a:t>
+              </a:r>
+              <a:r>
+                <a:rPr lang="de-DE" sz="3600" dirty="0" smtClean="0"/>
+                <a:t>not </a:t>
+              </a:r>
+              <a:r>
+                <a:rPr lang="de-DE" sz="3600" dirty="0" err="1" smtClean="0"/>
+                <a:t>possible</a:t>
+              </a:r>
+              <a:r>
+                <a:rPr lang="de-DE" sz="3600" dirty="0" smtClean="0"/>
+                <a:t> </a:t>
+              </a:r>
+              <a:r>
+                <a:rPr lang="de-DE" sz="3600" dirty="0" err="1" smtClean="0"/>
+                <a:t>with</a:t>
+              </a:r>
+              <a:r>
+                <a:rPr lang="de-DE" sz="3600" dirty="0" smtClean="0"/>
+                <a:t> Apache </a:t>
+              </a:r>
+              <a:r>
+                <a:rPr lang="de-DE" sz="3600" dirty="0" err="1" smtClean="0"/>
+                <a:t>Flink‘s</a:t>
+              </a:r>
+              <a:r>
+                <a:rPr lang="de-DE" sz="3600" dirty="0" smtClean="0"/>
+                <a:t> </a:t>
+              </a:r>
+              <a:r>
+                <a:rPr lang="de-DE" sz="3600" dirty="0" err="1" smtClean="0"/>
+                <a:t>programming</a:t>
+              </a:r>
+              <a:r>
+                <a:rPr lang="de-DE" sz="3600" dirty="0" smtClean="0"/>
+                <a:t> </a:t>
+              </a:r>
+              <a:r>
+                <a:rPr lang="de-DE" sz="3600" dirty="0" err="1" smtClean="0"/>
+                <a:t>model</a:t>
+              </a:r>
+              <a:r>
+                <a:rPr lang="de-DE" sz="3600" dirty="0" smtClean="0"/>
+                <a:t> (</a:t>
+              </a:r>
+              <a:r>
+                <a:rPr lang="de-DE" sz="3600" dirty="0" err="1"/>
+                <a:t>y</a:t>
+              </a:r>
+              <a:r>
+                <a:rPr lang="de-DE" sz="3600" dirty="0" err="1" smtClean="0"/>
+                <a:t>et</a:t>
+              </a:r>
+              <a:r>
+                <a:rPr lang="de-DE" sz="3600" dirty="0" smtClean="0"/>
+                <a:t>)</a:t>
+              </a:r>
+            </a:p>
+            <a:p>
+              <a:pPr marL="571500" indent="-571500">
+                <a:buFont typeface="Arial"/>
+                <a:buChar char="•"/>
+              </a:pPr>
+              <a:r>
+                <a:rPr lang="de-DE" sz="3600" dirty="0" smtClean="0"/>
+                <a:t>Iterative </a:t>
+              </a:r>
+              <a:r>
+                <a:rPr lang="de-DE" sz="3600" dirty="0" err="1" smtClean="0"/>
+                <a:t>data</a:t>
+              </a:r>
+              <a:r>
+                <a:rPr lang="de-DE" sz="3600" dirty="0" smtClean="0"/>
+                <a:t> </a:t>
+              </a:r>
+              <a:r>
+                <a:rPr lang="de-DE" sz="3600" dirty="0" err="1" smtClean="0"/>
+                <a:t>flow</a:t>
+              </a:r>
+              <a:r>
+                <a:rPr lang="de-DE" sz="3600" dirty="0" smtClean="0"/>
+                <a:t> </a:t>
+              </a:r>
+              <a:r>
+                <a:rPr lang="de-DE" sz="3600" dirty="0" err="1" smtClean="0"/>
+                <a:t>construction</a:t>
+              </a:r>
+              <a:r>
+                <a:rPr lang="de-DE" sz="3600" dirty="0" smtClean="0"/>
+                <a:t> </a:t>
+              </a:r>
+              <a:r>
+                <a:rPr lang="de-DE" sz="3600" dirty="0" err="1" smtClean="0"/>
+                <a:t>practically</a:t>
+              </a:r>
+              <a:r>
+                <a:rPr lang="de-DE" sz="3600" dirty="0" smtClean="0"/>
+                <a:t> </a:t>
+              </a:r>
+              <a:r>
+                <a:rPr lang="de-DE" sz="3600" dirty="0" err="1" smtClean="0"/>
+                <a:t>infeasable</a:t>
+              </a:r>
+              <a:r>
+                <a:rPr lang="de-DE" sz="3600" dirty="0" smtClean="0"/>
+                <a:t> due </a:t>
+              </a:r>
+              <a:r>
+                <a:rPr lang="de-DE" sz="3600" dirty="0" err="1" smtClean="0"/>
+                <a:t>to</a:t>
+              </a:r>
+              <a:r>
+                <a:rPr lang="de-DE" sz="3600" dirty="0" smtClean="0"/>
+                <a:t> </a:t>
+              </a:r>
+              <a:r>
+                <a:rPr lang="de-DE" sz="3600" dirty="0" err="1" smtClean="0"/>
+                <a:t>resulting</a:t>
+              </a:r>
+              <a:r>
+                <a:rPr lang="de-DE" sz="3600" dirty="0" smtClean="0"/>
+                <a:t> DAG </a:t>
+              </a:r>
+              <a:r>
+                <a:rPr lang="de-DE" sz="3600" dirty="0" err="1" smtClean="0"/>
+                <a:t>complexity</a:t>
+              </a:r>
+              <a:endParaRPr lang="de-DE" sz="3600" dirty="0" smtClean="0"/>
+            </a:p>
+            <a:p>
+              <a:pPr marL="571500" indent="-571500">
+                <a:buFont typeface="Arial"/>
+                <a:buChar char="•"/>
+              </a:pPr>
+              <a:r>
+                <a:rPr lang="de-DE" sz="3600" dirty="0" err="1" smtClean="0"/>
+                <a:t>Building</a:t>
+              </a:r>
+              <a:r>
+                <a:rPr lang="de-DE" sz="3600" dirty="0" smtClean="0"/>
+                <a:t> on </a:t>
+              </a:r>
+              <a:r>
+                <a:rPr lang="de-DE" sz="3600" dirty="0" err="1" smtClean="0"/>
+                <a:t>Mahout</a:t>
+              </a:r>
+              <a:r>
+                <a:rPr lang="de-DE" sz="3600" dirty="0" smtClean="0"/>
+                <a:t> </a:t>
+              </a:r>
+              <a:r>
+                <a:rPr lang="de-DE" sz="3600" dirty="0" err="1" smtClean="0"/>
+                <a:t>initially</a:t>
+              </a:r>
+              <a:r>
+                <a:rPr lang="de-DE" sz="3600" dirty="0" smtClean="0"/>
+                <a:t> </a:t>
+              </a:r>
+              <a:r>
+                <a:rPr lang="de-DE" sz="3600" dirty="0" err="1" smtClean="0"/>
+                <a:t>discarded</a:t>
+              </a:r>
+              <a:r>
+                <a:rPr lang="de-DE" sz="3600" dirty="0" smtClean="0"/>
+                <a:t> due </a:t>
+              </a:r>
+              <a:r>
+                <a:rPr lang="de-DE" sz="3600" dirty="0" err="1" smtClean="0"/>
+                <a:t>to</a:t>
+              </a:r>
+              <a:r>
+                <a:rPr lang="de-DE" sz="3600" dirty="0" smtClean="0"/>
+                <a:t> intermediate </a:t>
+              </a:r>
+              <a:r>
+                <a:rPr lang="de-DE" sz="3600" dirty="0" err="1" smtClean="0"/>
+                <a:t>materialization</a:t>
+              </a:r>
+              <a:endParaRPr lang="de-DE" sz="3600" dirty="0" smtClean="0"/>
+            </a:p>
+            <a:p>
+              <a:pPr lvl="1" indent="-908050"/>
+              <a:r>
+                <a:rPr lang="de-DE" sz="3600" dirty="0" smtClean="0">
+                  <a:sym typeface="Wingdings"/>
+                </a:rPr>
+                <a:t>  </a:t>
+              </a:r>
+              <a:r>
+                <a:rPr lang="de-DE" sz="3600" dirty="0" err="1" smtClean="0">
+                  <a:sym typeface="Wingdings"/>
+                </a:rPr>
+                <a:t>only</a:t>
+              </a:r>
+              <a:r>
+                <a:rPr lang="de-DE" sz="3600" dirty="0" smtClean="0">
+                  <a:sym typeface="Wingdings"/>
+                </a:rPr>
+                <a:t> </a:t>
+              </a:r>
+              <a:r>
+                <a:rPr lang="de-DE" sz="3600" dirty="0" err="1" smtClean="0">
+                  <a:sym typeface="Wingdings"/>
+                </a:rPr>
+                <a:t>remaining</a:t>
+              </a:r>
+              <a:r>
+                <a:rPr lang="de-DE" sz="3600" dirty="0" smtClean="0">
+                  <a:sym typeface="Wingdings"/>
+                </a:rPr>
+                <a:t> </a:t>
+              </a:r>
+              <a:r>
+                <a:rPr lang="de-DE" sz="3600" dirty="0" err="1" smtClean="0">
+                  <a:sym typeface="Wingdings"/>
+                </a:rPr>
+                <a:t>approach</a:t>
+              </a:r>
+              <a:r>
+                <a:rPr lang="de-DE" sz="3600" dirty="0" smtClean="0">
+                  <a:sym typeface="Wingdings"/>
+                </a:rPr>
+                <a:t> </a:t>
+              </a:r>
+              <a:r>
+                <a:rPr lang="de-DE" sz="3600" dirty="0" err="1" smtClean="0">
+                  <a:sym typeface="Wingdings"/>
+                </a:rPr>
+                <a:t>that</a:t>
+              </a:r>
+              <a:r>
+                <a:rPr lang="de-DE" sz="3600" dirty="0" smtClean="0">
+                  <a:sym typeface="Wingdings"/>
+                </a:rPr>
+                <a:t> </a:t>
+              </a:r>
+              <a:r>
+                <a:rPr lang="de-DE" sz="3600" dirty="0" err="1" smtClean="0">
+                  <a:sym typeface="Wingdings"/>
+                </a:rPr>
+                <a:t>could</a:t>
+              </a:r>
+              <a:r>
+                <a:rPr lang="de-DE" sz="3600" dirty="0" smtClean="0">
+                  <a:sym typeface="Wingdings"/>
+                </a:rPr>
+                <a:t> </a:t>
+              </a:r>
+              <a:r>
+                <a:rPr lang="de-DE" sz="3600" dirty="0" err="1" smtClean="0">
+                  <a:sym typeface="Wingdings"/>
+                </a:rPr>
+                <a:t>work</a:t>
+              </a:r>
+              <a:endParaRPr lang="de-DE" sz="3600" dirty="0" smtClean="0"/>
+            </a:p>
+          </p:txBody>
+        </p:sp>
+      </p:grpSp>
     </p:spTree>
     <p:extLst>
       <p:ext uri="{BB962C8B-B14F-4D97-AF65-F5344CB8AC3E}">
